--- a/deliverables/Hate_Speech_-_Milestone_Two.pptx
+++ b/deliverables/Hate_Speech_-_Milestone_Two.pptx
@@ -20,14 +20,15 @@
     <p:sldId id="264" r:id="rId14"/>
     <p:sldId id="277" r:id="rId15"/>
     <p:sldId id="271" r:id="rId16"/>
-    <p:sldId id="275" r:id="rId17"/>
-    <p:sldId id="272" r:id="rId18"/>
-    <p:sldId id="273" r:id="rId19"/>
-    <p:sldId id="278" r:id="rId20"/>
-    <p:sldId id="276" r:id="rId21"/>
-    <p:sldId id="274" r:id="rId22"/>
-    <p:sldId id="280" r:id="rId23"/>
-    <p:sldId id="279" r:id="rId24"/>
+    <p:sldId id="281" r:id="rId17"/>
+    <p:sldId id="275" r:id="rId18"/>
+    <p:sldId id="272" r:id="rId19"/>
+    <p:sldId id="273" r:id="rId20"/>
+    <p:sldId id="278" r:id="rId21"/>
+    <p:sldId id="276" r:id="rId22"/>
+    <p:sldId id="274" r:id="rId23"/>
+    <p:sldId id="280" r:id="rId24"/>
+    <p:sldId id="279" r:id="rId25"/>
   </p:sldIdLst>
   <p:sldSz cx="12192000" cy="6858000"/>
   <p:notesSz cx="6858000" cy="9144000"/>
@@ -13202,8 +13203,50 @@
           <a:p>
             <a:r>
               <a:rPr lang="en-US" dirty="0"/>
-              <a:t>Graph goes here</a:t>
-            </a:r>
+              <a:t>Model results (for graph)</a:t>
+            </a:r>
+          </a:p>
+          <a:p>
+            <a:r>
+              <a:rPr lang="en-US" dirty="0"/>
+              <a:t>LOGISTIC REGRESSION/DECISION TREE</a:t>
+            </a:r>
+          </a:p>
+          <a:p>
+            <a:pPr lvl="1"/>
+            <a:r>
+              <a:rPr lang="en-US" dirty="0"/>
+              <a:t>BOW: 0.79/0.76</a:t>
+            </a:r>
+          </a:p>
+          <a:p>
+            <a:pPr lvl="1"/>
+            <a:r>
+              <a:rPr lang="en-US" dirty="0"/>
+              <a:t>W2V: 0.79/0.66</a:t>
+            </a:r>
+          </a:p>
+          <a:p>
+            <a:pPr lvl="1"/>
+            <a:r>
+              <a:rPr lang="en-US" dirty="0" err="1"/>
+              <a:t>Concat</a:t>
+            </a:r>
+            <a:r>
+              <a:rPr lang="en-US" dirty="0"/>
+              <a:t>(BOW, W2V): 0.78/.69</a:t>
+            </a:r>
+          </a:p>
+          <a:p>
+            <a:pPr lvl="1"/>
+            <a:r>
+              <a:rPr lang="en-US" dirty="0"/>
+              <a:t>Custom W2V: 0.72/0.66</a:t>
+            </a:r>
+          </a:p>
+          <a:p>
+            <a:pPr lvl="1"/>
+            <a:endParaRPr lang="en-US" dirty="0"/>
           </a:p>
         </p:txBody>
       </p:sp>
@@ -13221,6 +13264,86 @@
 </file>
 
 <file path=ppt/slides/slide16.xml><?xml version="1.0" encoding="utf-8"?>
+<p:sld xmlns:a="http://schemas.openxmlformats.org/drawingml/2006/main" xmlns:r="http://schemas.openxmlformats.org/officeDocument/2006/relationships" xmlns:p="http://schemas.openxmlformats.org/presentationml/2006/main">
+  <p:cSld>
+    <p:spTree>
+      <p:nvGrpSpPr>
+        <p:cNvPr id="1" name=""/>
+        <p:cNvGrpSpPr/>
+        <p:nvPr/>
+      </p:nvGrpSpPr>
+      <p:grpSpPr>
+        <a:xfrm>
+          <a:off x="0" y="0"/>
+          <a:ext cx="0" cy="0"/>
+          <a:chOff x="0" y="0"/>
+          <a:chExt cx="0" cy="0"/>
+        </a:xfrm>
+      </p:grpSpPr>
+      <p:sp>
+        <p:nvSpPr>
+          <p:cNvPr id="2" name="Title 1">
+            <a:extLst>
+              <a:ext uri="{FF2B5EF4-FFF2-40B4-BE49-F238E27FC236}">
+                <a16:creationId xmlns:a16="http://schemas.microsoft.com/office/drawing/2014/main" id="{0790A92C-6725-47E9-A5CF-36D0E4D9D622}"/>
+              </a:ext>
+            </a:extLst>
+          </p:cNvPr>
+          <p:cNvSpPr>
+            <a:spLocks noGrp="1"/>
+          </p:cNvSpPr>
+          <p:nvPr>
+            <p:ph type="title"/>
+          </p:nvPr>
+        </p:nvSpPr>
+        <p:spPr/>
+        <p:txBody>
+          <a:bodyPr/>
+          <a:lstStyle/>
+          <a:p>
+            <a:endParaRPr lang="en-CA"/>
+          </a:p>
+        </p:txBody>
+      </p:sp>
+      <p:sp>
+        <p:nvSpPr>
+          <p:cNvPr id="3" name="Content Placeholder 2">
+            <a:extLst>
+              <a:ext uri="{FF2B5EF4-FFF2-40B4-BE49-F238E27FC236}">
+                <a16:creationId xmlns:a16="http://schemas.microsoft.com/office/drawing/2014/main" id="{FF2F7781-3A83-445A-BFE1-3C93993EB28E}"/>
+              </a:ext>
+            </a:extLst>
+          </p:cNvPr>
+          <p:cNvSpPr>
+            <a:spLocks noGrp="1"/>
+          </p:cNvSpPr>
+          <p:nvPr>
+            <p:ph idx="1"/>
+          </p:nvPr>
+        </p:nvSpPr>
+        <p:spPr/>
+        <p:txBody>
+          <a:bodyPr/>
+          <a:lstStyle/>
+          <a:p>
+            <a:endParaRPr lang="en-CA"/>
+          </a:p>
+        </p:txBody>
+      </p:sp>
+    </p:spTree>
+    <p:extLst>
+      <p:ext uri="{BB962C8B-B14F-4D97-AF65-F5344CB8AC3E}">
+        <p14:creationId xmlns:p14="http://schemas.microsoft.com/office/powerpoint/2010/main" val="1053601348"/>
+      </p:ext>
+    </p:extLst>
+  </p:cSld>
+  <p:clrMapOvr>
+    <a:masterClrMapping/>
+  </p:clrMapOvr>
+</p:sld>
+</file>
+
+<file path=ppt/slides/slide17.xml><?xml version="1.0" encoding="utf-8"?>
 <p:sld xmlns:a="http://schemas.openxmlformats.org/drawingml/2006/main" xmlns:r="http://schemas.openxmlformats.org/officeDocument/2006/relationships" xmlns:p="http://schemas.openxmlformats.org/presentationml/2006/main">
   <p:cSld>
     <p:spTree>
@@ -13312,7 +13435,7 @@
 </p:sld>
 </file>
 
-<file path=ppt/slides/slide17.xml><?xml version="1.0" encoding="utf-8"?>
+<file path=ppt/slides/slide18.xml><?xml version="1.0" encoding="utf-8"?>
 <p:sld xmlns:a="http://schemas.openxmlformats.org/drawingml/2006/main" xmlns:r="http://schemas.openxmlformats.org/officeDocument/2006/relationships" xmlns:p="http://schemas.openxmlformats.org/presentationml/2006/main">
   <p:cSld>
     <p:spTree>
@@ -13439,7 +13562,7 @@
 </p:sld>
 </file>
 
-<file path=ppt/slides/slide18.xml><?xml version="1.0" encoding="utf-8"?>
+<file path=ppt/slides/slide19.xml><?xml version="1.0" encoding="utf-8"?>
 <p:sld xmlns:a="http://schemas.openxmlformats.org/drawingml/2006/main" xmlns:r="http://schemas.openxmlformats.org/officeDocument/2006/relationships" xmlns:p="http://schemas.openxmlformats.org/presentationml/2006/main">
   <p:cSld>
     <p:spTree>
@@ -13566,7 +13689,176 @@
 </p:sld>
 </file>
 
-<file path=ppt/slides/slide19.xml><?xml version="1.0" encoding="utf-8"?>
+<file path=ppt/slides/slide2.xml><?xml version="1.0" encoding="utf-8"?>
+<p:sld xmlns:a="http://schemas.openxmlformats.org/drawingml/2006/main" xmlns:r="http://schemas.openxmlformats.org/officeDocument/2006/relationships" xmlns:p="http://schemas.openxmlformats.org/presentationml/2006/main">
+  <p:cSld>
+    <p:spTree>
+      <p:nvGrpSpPr>
+        <p:cNvPr id="1" name=""/>
+        <p:cNvGrpSpPr/>
+        <p:nvPr/>
+      </p:nvGrpSpPr>
+      <p:grpSpPr>
+        <a:xfrm>
+          <a:off x="0" y="0"/>
+          <a:ext cx="0" cy="0"/>
+          <a:chOff x="0" y="0"/>
+          <a:chExt cx="0" cy="0"/>
+        </a:xfrm>
+      </p:grpSpPr>
+      <p:sp>
+        <p:nvSpPr>
+          <p:cNvPr id="2" name="Title 1">
+            <a:extLst>
+              <a:ext uri="{FF2B5EF4-FFF2-40B4-BE49-F238E27FC236}">
+                <a16:creationId xmlns:a16="http://schemas.microsoft.com/office/drawing/2014/main" id="{DAD90716-1DCC-AC48-AAC0-C1E1BD35EF90}"/>
+              </a:ext>
+            </a:extLst>
+          </p:cNvPr>
+          <p:cNvSpPr>
+            <a:spLocks noGrp="1"/>
+          </p:cNvSpPr>
+          <p:nvPr>
+            <p:ph type="title"/>
+          </p:nvPr>
+        </p:nvSpPr>
+        <p:spPr/>
+        <p:txBody>
+          <a:bodyPr/>
+          <a:lstStyle/>
+          <a:p>
+            <a:r>
+              <a:rPr lang="en-US" dirty="0"/>
+              <a:t>Feature creation and extraction</a:t>
+            </a:r>
+          </a:p>
+        </p:txBody>
+      </p:sp>
+      <p:sp>
+        <p:nvSpPr>
+          <p:cNvPr id="3" name="Content Placeholder 2">
+            <a:extLst>
+              <a:ext uri="{FF2B5EF4-FFF2-40B4-BE49-F238E27FC236}">
+                <a16:creationId xmlns:a16="http://schemas.microsoft.com/office/drawing/2014/main" id="{AD35DE78-AB2E-CF4A-9E40-42DF457E8409}"/>
+              </a:ext>
+            </a:extLst>
+          </p:cNvPr>
+          <p:cNvSpPr>
+            <a:spLocks noGrp="1"/>
+          </p:cNvSpPr>
+          <p:nvPr>
+            <p:ph idx="1"/>
+          </p:nvPr>
+        </p:nvSpPr>
+        <p:spPr/>
+        <p:txBody>
+          <a:bodyPr/>
+          <a:lstStyle/>
+          <a:p>
+            <a:r>
+              <a:rPr lang="en-US" dirty="0"/>
+              <a:t>We created the following features: </a:t>
+            </a:r>
+          </a:p>
+          <a:p>
+            <a:pPr lvl="1"/>
+            <a:r>
+              <a:rPr lang="en-US" dirty="0" err="1"/>
+              <a:t>num_tokens</a:t>
+            </a:r>
+            <a:r>
+              <a:rPr lang="en-US" dirty="0"/>
+              <a:t>, </a:t>
+            </a:r>
+            <a:r>
+              <a:rPr lang="en-US" dirty="0" err="1"/>
+              <a:t>num_mentions</a:t>
+            </a:r>
+            <a:r>
+              <a:rPr lang="en-US" dirty="0"/>
+              <a:t>, </a:t>
+            </a:r>
+            <a:r>
+              <a:rPr lang="en-US" dirty="0" err="1"/>
+              <a:t>num_urls</a:t>
+            </a:r>
+            <a:r>
+              <a:rPr lang="en-US" dirty="0"/>
+              <a:t>, </a:t>
+            </a:r>
+            <a:r>
+              <a:rPr lang="en-US" dirty="0" err="1"/>
+              <a:t>num_hashtags</a:t>
+            </a:r>
+            <a:endParaRPr lang="en-US" dirty="0"/>
+          </a:p>
+          <a:p>
+            <a:r>
+              <a:rPr lang="en-US" dirty="0"/>
+              <a:t>We tested out the following word embeddings:</a:t>
+            </a:r>
+          </a:p>
+          <a:p>
+            <a:pPr lvl="1"/>
+            <a:r>
+              <a:rPr lang="en-US" dirty="0"/>
+              <a:t>Bag of words, </a:t>
+            </a:r>
+            <a:r>
+              <a:rPr lang="en-US" dirty="0" err="1"/>
+              <a:t>ngrams</a:t>
+            </a:r>
+            <a:r>
+              <a:rPr lang="en-US" dirty="0"/>
+              <a:t> (n=2, &amp; n=3), TF-IDF</a:t>
+            </a:r>
+          </a:p>
+          <a:p>
+            <a:pPr lvl="1"/>
+            <a:r>
+              <a:rPr lang="en-US" dirty="0"/>
+              <a:t>Word2Vec - CBOW, </a:t>
+            </a:r>
+            <a:r>
+              <a:rPr lang="en-US" dirty="0" err="1"/>
+              <a:t>concat</a:t>
+            </a:r>
+            <a:r>
+              <a:rPr lang="en-US" dirty="0"/>
+              <a:t>(Word2Vec, BOW), and Custom - CBOW</a:t>
+            </a:r>
+          </a:p>
+          <a:p>
+            <a:r>
+              <a:rPr lang="en-US" dirty="0"/>
+              <a:t>We ran logistic regression and decision on each embedding as a benchmark</a:t>
+            </a:r>
+          </a:p>
+          <a:p>
+            <a:pPr marL="0" indent="0">
+              <a:buNone/>
+            </a:pPr>
+            <a:r>
+              <a:rPr lang="en-US" dirty="0"/>
+              <a:t> </a:t>
+            </a:r>
+          </a:p>
+        </p:txBody>
+      </p:sp>
+    </p:spTree>
+    <p:extLst>
+      <p:ext uri="{BB962C8B-B14F-4D97-AF65-F5344CB8AC3E}">
+        <p14:creationId xmlns:p14="http://schemas.microsoft.com/office/powerpoint/2010/main" val="3882396623"/>
+      </p:ext>
+    </p:extLst>
+  </p:cSld>
+  <p:clrMapOvr>
+    <a:masterClrMapping/>
+  </p:clrMapOvr>
+</p:sld>
+</file>
+
+<file path=ppt/slides/slide20.xml><?xml version="1.0" encoding="utf-8"?>
 <p:sld xmlns:a="http://schemas.openxmlformats.org/drawingml/2006/main" xmlns:r="http://schemas.openxmlformats.org/officeDocument/2006/relationships" xmlns:p="http://schemas.openxmlformats.org/presentationml/2006/main">
   <p:cSld>
     <p:spTree>
@@ -13740,176 +14032,7 @@
 </p:sld>
 </file>
 
-<file path=ppt/slides/slide2.xml><?xml version="1.0" encoding="utf-8"?>
-<p:sld xmlns:a="http://schemas.openxmlformats.org/drawingml/2006/main" xmlns:r="http://schemas.openxmlformats.org/officeDocument/2006/relationships" xmlns:p="http://schemas.openxmlformats.org/presentationml/2006/main">
-  <p:cSld>
-    <p:spTree>
-      <p:nvGrpSpPr>
-        <p:cNvPr id="1" name=""/>
-        <p:cNvGrpSpPr/>
-        <p:nvPr/>
-      </p:nvGrpSpPr>
-      <p:grpSpPr>
-        <a:xfrm>
-          <a:off x="0" y="0"/>
-          <a:ext cx="0" cy="0"/>
-          <a:chOff x="0" y="0"/>
-          <a:chExt cx="0" cy="0"/>
-        </a:xfrm>
-      </p:grpSpPr>
-      <p:sp>
-        <p:nvSpPr>
-          <p:cNvPr id="2" name="Title 1">
-            <a:extLst>
-              <a:ext uri="{FF2B5EF4-FFF2-40B4-BE49-F238E27FC236}">
-                <a16:creationId xmlns:a16="http://schemas.microsoft.com/office/drawing/2014/main" id="{DAD90716-1DCC-AC48-AAC0-C1E1BD35EF90}"/>
-              </a:ext>
-            </a:extLst>
-          </p:cNvPr>
-          <p:cNvSpPr>
-            <a:spLocks noGrp="1"/>
-          </p:cNvSpPr>
-          <p:nvPr>
-            <p:ph type="title"/>
-          </p:nvPr>
-        </p:nvSpPr>
-        <p:spPr/>
-        <p:txBody>
-          <a:bodyPr/>
-          <a:lstStyle/>
-          <a:p>
-            <a:r>
-              <a:rPr lang="en-US" dirty="0"/>
-              <a:t>Feature creation and extraction</a:t>
-            </a:r>
-          </a:p>
-        </p:txBody>
-      </p:sp>
-      <p:sp>
-        <p:nvSpPr>
-          <p:cNvPr id="3" name="Content Placeholder 2">
-            <a:extLst>
-              <a:ext uri="{FF2B5EF4-FFF2-40B4-BE49-F238E27FC236}">
-                <a16:creationId xmlns:a16="http://schemas.microsoft.com/office/drawing/2014/main" id="{AD35DE78-AB2E-CF4A-9E40-42DF457E8409}"/>
-              </a:ext>
-            </a:extLst>
-          </p:cNvPr>
-          <p:cNvSpPr>
-            <a:spLocks noGrp="1"/>
-          </p:cNvSpPr>
-          <p:nvPr>
-            <p:ph idx="1"/>
-          </p:nvPr>
-        </p:nvSpPr>
-        <p:spPr/>
-        <p:txBody>
-          <a:bodyPr/>
-          <a:lstStyle/>
-          <a:p>
-            <a:r>
-              <a:rPr lang="en-US" dirty="0"/>
-              <a:t>We created the following features: </a:t>
-            </a:r>
-          </a:p>
-          <a:p>
-            <a:pPr lvl="1"/>
-            <a:r>
-              <a:rPr lang="en-US" dirty="0" err="1"/>
-              <a:t>num_tokens</a:t>
-            </a:r>
-            <a:r>
-              <a:rPr lang="en-US" dirty="0"/>
-              <a:t>, </a:t>
-            </a:r>
-            <a:r>
-              <a:rPr lang="en-US" dirty="0" err="1"/>
-              <a:t>num_mentions</a:t>
-            </a:r>
-            <a:r>
-              <a:rPr lang="en-US" dirty="0"/>
-              <a:t>, </a:t>
-            </a:r>
-            <a:r>
-              <a:rPr lang="en-US" dirty="0" err="1"/>
-              <a:t>num_urls</a:t>
-            </a:r>
-            <a:r>
-              <a:rPr lang="en-US" dirty="0"/>
-              <a:t>, </a:t>
-            </a:r>
-            <a:r>
-              <a:rPr lang="en-US" dirty="0" err="1"/>
-              <a:t>num_hashtags</a:t>
-            </a:r>
-            <a:endParaRPr lang="en-US" dirty="0"/>
-          </a:p>
-          <a:p>
-            <a:r>
-              <a:rPr lang="en-US" dirty="0"/>
-              <a:t>We tested out the following word embeddings:</a:t>
-            </a:r>
-          </a:p>
-          <a:p>
-            <a:pPr lvl="1"/>
-            <a:r>
-              <a:rPr lang="en-US" dirty="0"/>
-              <a:t>Bag of words, </a:t>
-            </a:r>
-            <a:r>
-              <a:rPr lang="en-US" dirty="0" err="1"/>
-              <a:t>ngrams</a:t>
-            </a:r>
-            <a:r>
-              <a:rPr lang="en-US" dirty="0"/>
-              <a:t> (n=2, &amp; n=3), TF-IDF</a:t>
-            </a:r>
-          </a:p>
-          <a:p>
-            <a:pPr lvl="1"/>
-            <a:r>
-              <a:rPr lang="en-US" dirty="0"/>
-              <a:t>Word2Vec - CBOW, </a:t>
-            </a:r>
-            <a:r>
-              <a:rPr lang="en-US" dirty="0" err="1"/>
-              <a:t>concat</a:t>
-            </a:r>
-            <a:r>
-              <a:rPr lang="en-US" dirty="0"/>
-              <a:t>(Word2Vec, BOW), and Custom - CBOW</a:t>
-            </a:r>
-          </a:p>
-          <a:p>
-            <a:r>
-              <a:rPr lang="en-US" dirty="0"/>
-              <a:t>We ran logistic regression and decision on each embedding as a benchmark</a:t>
-            </a:r>
-          </a:p>
-          <a:p>
-            <a:pPr marL="0" indent="0">
-              <a:buNone/>
-            </a:pPr>
-            <a:r>
-              <a:rPr lang="en-US" dirty="0"/>
-              <a:t> </a:t>
-            </a:r>
-          </a:p>
-        </p:txBody>
-      </p:sp>
-    </p:spTree>
-    <p:extLst>
-      <p:ext uri="{BB962C8B-B14F-4D97-AF65-F5344CB8AC3E}">
-        <p14:creationId xmlns:p14="http://schemas.microsoft.com/office/powerpoint/2010/main" val="3882396623"/>
-      </p:ext>
-    </p:extLst>
-  </p:cSld>
-  <p:clrMapOvr>
-    <a:masterClrMapping/>
-  </p:clrMapOvr>
-</p:sld>
-</file>
-
-<file path=ppt/slides/slide20.xml><?xml version="1.0" encoding="utf-8"?>
+<file path=ppt/slides/slide21.xml><?xml version="1.0" encoding="utf-8"?>
 <p:sld xmlns:a="http://schemas.openxmlformats.org/drawingml/2006/main" xmlns:r="http://schemas.openxmlformats.org/officeDocument/2006/relationships" xmlns:p="http://schemas.openxmlformats.org/presentationml/2006/main">
   <p:cSld>
     <p:spTree>
@@ -14545,7 +14668,7 @@
 </p:sld>
 </file>
 
-<file path=ppt/slides/slide21.xml><?xml version="1.0" encoding="utf-8"?>
+<file path=ppt/slides/slide22.xml><?xml version="1.0" encoding="utf-8"?>
 <p:sld xmlns:a="http://schemas.openxmlformats.org/drawingml/2006/main" xmlns:r="http://schemas.openxmlformats.org/officeDocument/2006/relationships" xmlns:p="http://schemas.openxmlformats.org/presentationml/2006/main">
   <p:cSld>
     <p:spTree>
@@ -14633,7 +14756,7 @@
 </p:sld>
 </file>
 
-<file path=ppt/slides/slide22.xml><?xml version="1.0" encoding="utf-8"?>
+<file path=ppt/slides/slide23.xml><?xml version="1.0" encoding="utf-8"?>
 <p:sld xmlns:a="http://schemas.openxmlformats.org/drawingml/2006/main" xmlns:r="http://schemas.openxmlformats.org/officeDocument/2006/relationships" xmlns:p="http://schemas.openxmlformats.org/presentationml/2006/main">
   <p:cSld>
     <p:spTree>
@@ -14747,7 +14870,7 @@
 </p:sld>
 </file>
 
-<file path=ppt/slides/slide23.xml><?xml version="1.0" encoding="utf-8"?>
+<file path=ppt/slides/slide24.xml><?xml version="1.0" encoding="utf-8"?>
 <p:sld xmlns:a="http://schemas.openxmlformats.org/drawingml/2006/main" xmlns:r="http://schemas.openxmlformats.org/officeDocument/2006/relationships" xmlns:p="http://schemas.openxmlformats.org/presentationml/2006/main">
   <p:cSld>
     <p:spTree>
@@ -14810,12 +14933,14 @@
         </p:nvSpPr>
         <p:spPr/>
         <p:txBody>
-          <a:bodyPr/>
+          <a:bodyPr>
+            <a:normAutofit lnSpcReduction="10000"/>
+          </a:bodyPr>
           <a:lstStyle/>
           <a:p>
             <a:r>
               <a:rPr lang="en-CA" dirty="0"/>
-              <a:t>TF-IDF + extracted features appears to be best for prediction</a:t>
+              <a:t>TF-IDF + extracted features appears to be best for prediction and interpretability</a:t>
             </a:r>
           </a:p>
           <a:p>

--- a/deliverables/Hate_Speech_-_Milestone_Two.pptx
+++ b/deliverables/Hate_Speech_-_Milestone_Two.pptx
@@ -7,28 +7,26 @@
   <p:sldIdLst>
     <p:sldId id="256" r:id="rId2"/>
     <p:sldId id="257" r:id="rId3"/>
-    <p:sldId id="258" r:id="rId4"/>
-    <p:sldId id="262" r:id="rId5"/>
-    <p:sldId id="261" r:id="rId6"/>
-    <p:sldId id="263" r:id="rId7"/>
-    <p:sldId id="265" r:id="rId8"/>
-    <p:sldId id="266" r:id="rId9"/>
-    <p:sldId id="267" r:id="rId10"/>
-    <p:sldId id="268" r:id="rId11"/>
-    <p:sldId id="269" r:id="rId12"/>
-    <p:sldId id="270" r:id="rId13"/>
-    <p:sldId id="264" r:id="rId14"/>
-    <p:sldId id="277" r:id="rId15"/>
-    <p:sldId id="271" r:id="rId16"/>
-    <p:sldId id="281" r:id="rId17"/>
-    <p:sldId id="275" r:id="rId18"/>
-    <p:sldId id="272" r:id="rId19"/>
-    <p:sldId id="273" r:id="rId20"/>
-    <p:sldId id="278" r:id="rId21"/>
-    <p:sldId id="276" r:id="rId22"/>
-    <p:sldId id="274" r:id="rId23"/>
-    <p:sldId id="280" r:id="rId24"/>
-    <p:sldId id="279" r:id="rId25"/>
+    <p:sldId id="262" r:id="rId4"/>
+    <p:sldId id="261" r:id="rId5"/>
+    <p:sldId id="263" r:id="rId6"/>
+    <p:sldId id="265" r:id="rId7"/>
+    <p:sldId id="266" r:id="rId8"/>
+    <p:sldId id="267" r:id="rId9"/>
+    <p:sldId id="268" r:id="rId10"/>
+    <p:sldId id="269" r:id="rId11"/>
+    <p:sldId id="270" r:id="rId12"/>
+    <p:sldId id="264" r:id="rId13"/>
+    <p:sldId id="277" r:id="rId14"/>
+    <p:sldId id="271" r:id="rId15"/>
+    <p:sldId id="275" r:id="rId16"/>
+    <p:sldId id="272" r:id="rId17"/>
+    <p:sldId id="273" r:id="rId18"/>
+    <p:sldId id="278" r:id="rId19"/>
+    <p:sldId id="276" r:id="rId20"/>
+    <p:sldId id="274" r:id="rId21"/>
+    <p:sldId id="280" r:id="rId22"/>
+    <p:sldId id="279" r:id="rId23"/>
   </p:sldIdLst>
   <p:sldSz cx="12192000" cy="6858000"/>
   <p:notesSz cx="6858000" cy="9144000"/>
@@ -133,6 +131,1034 @@
     </p:ext>
   </p:extLst>
 </p:presentation>
+</file>
+
+<file path=ppt/charts/chart1.xml><?xml version="1.0" encoding="utf-8"?>
+<c:chartSpace xmlns:c="http://schemas.openxmlformats.org/drawingml/2006/chart" xmlns:a="http://schemas.openxmlformats.org/drawingml/2006/main" xmlns:r="http://schemas.openxmlformats.org/officeDocument/2006/relationships" xmlns:c16r2="http://schemas.microsoft.com/office/drawing/2015/06/chart">
+  <c:date1904 val="0"/>
+  <c:lang val="en-US"/>
+  <c:roundedCorners val="0"/>
+  <mc:AlternateContent xmlns:mc="http://schemas.openxmlformats.org/markup-compatibility/2006">
+    <mc:Choice xmlns:c14="http://schemas.microsoft.com/office/drawing/2007/8/2/chart" Requires="c14">
+      <c14:style val="101"/>
+    </mc:Choice>
+    <mc:Fallback>
+      <c:style val="1"/>
+    </mc:Fallback>
+  </mc:AlternateContent>
+  <c:chart>
+    <c:autoTitleDeleted val="1"/>
+    <c:plotArea>
+      <c:layout/>
+      <c:barChart>
+        <c:barDir val="col"/>
+        <c:grouping val="clustered"/>
+        <c:varyColors val="0"/>
+        <c:ser>
+          <c:idx val="0"/>
+          <c:order val="0"/>
+          <c:tx>
+            <c:strRef>
+              <c:f>Sheet1!$B$1</c:f>
+              <c:strCache>
+                <c:ptCount val="1"/>
+                <c:pt idx="0">
+                  <c:v>Logistic Regression</c:v>
+                </c:pt>
+              </c:strCache>
+            </c:strRef>
+          </c:tx>
+          <c:spPr>
+            <a:solidFill>
+              <a:schemeClr val="dk1">
+                <a:tint val="88500"/>
+              </a:schemeClr>
+            </a:solidFill>
+            <a:ln>
+              <a:noFill/>
+            </a:ln>
+            <a:effectLst/>
+          </c:spPr>
+          <c:invertIfNegative val="0"/>
+          <c:cat>
+            <c:strRef>
+              <c:f>Sheet1!$A$2:$A$8</c:f>
+              <c:strCache>
+                <c:ptCount val="7"/>
+                <c:pt idx="0">
+                  <c:v>BOW</c:v>
+                </c:pt>
+                <c:pt idx="1">
+                  <c:v>W2V</c:v>
+                </c:pt>
+                <c:pt idx="2">
+                  <c:v>Concat</c:v>
+                </c:pt>
+                <c:pt idx="3">
+                  <c:v>Custom</c:v>
+                </c:pt>
+                <c:pt idx="4">
+                  <c:v>N=2</c:v>
+                </c:pt>
+                <c:pt idx="5">
+                  <c:v>N=3</c:v>
+                </c:pt>
+                <c:pt idx="6">
+                  <c:v>TFIDF</c:v>
+                </c:pt>
+              </c:strCache>
+            </c:strRef>
+          </c:cat>
+          <c:val>
+            <c:numRef>
+              <c:f>Sheet1!$B$2:$B$8</c:f>
+              <c:numCache>
+                <c:formatCode>General</c:formatCode>
+                <c:ptCount val="7"/>
+                <c:pt idx="0">
+                  <c:v>0.79</c:v>
+                </c:pt>
+                <c:pt idx="1">
+                  <c:v>0.79</c:v>
+                </c:pt>
+                <c:pt idx="2">
+                  <c:v>0.78</c:v>
+                </c:pt>
+                <c:pt idx="3">
+                  <c:v>0.72</c:v>
+                </c:pt>
+                <c:pt idx="4">
+                  <c:v>0.63</c:v>
+                </c:pt>
+                <c:pt idx="5">
+                  <c:v>0.63</c:v>
+                </c:pt>
+                <c:pt idx="6">
+                  <c:v>0.81</c:v>
+                </c:pt>
+              </c:numCache>
+            </c:numRef>
+          </c:val>
+          <c:extLst>
+            <c:ext xmlns:c16="http://schemas.microsoft.com/office/drawing/2014/chart" uri="{C3380CC4-5D6E-409C-BE32-E72D297353CC}">
+              <c16:uniqueId val="{00000000-43CC-3647-A9CF-14D640006BE5}"/>
+            </c:ext>
+          </c:extLst>
+        </c:ser>
+        <c:ser>
+          <c:idx val="1"/>
+          <c:order val="1"/>
+          <c:tx>
+            <c:strRef>
+              <c:f>Sheet1!$C$1</c:f>
+              <c:strCache>
+                <c:ptCount val="1"/>
+                <c:pt idx="0">
+                  <c:v>Decision Tree</c:v>
+                </c:pt>
+              </c:strCache>
+            </c:strRef>
+          </c:tx>
+          <c:spPr>
+            <a:solidFill>
+              <a:schemeClr val="dk1">
+                <a:tint val="55000"/>
+              </a:schemeClr>
+            </a:solidFill>
+            <a:ln>
+              <a:noFill/>
+            </a:ln>
+            <a:effectLst/>
+          </c:spPr>
+          <c:invertIfNegative val="0"/>
+          <c:cat>
+            <c:strRef>
+              <c:f>Sheet1!$A$2:$A$8</c:f>
+              <c:strCache>
+                <c:ptCount val="7"/>
+                <c:pt idx="0">
+                  <c:v>BOW</c:v>
+                </c:pt>
+                <c:pt idx="1">
+                  <c:v>W2V</c:v>
+                </c:pt>
+                <c:pt idx="2">
+                  <c:v>Concat</c:v>
+                </c:pt>
+                <c:pt idx="3">
+                  <c:v>Custom</c:v>
+                </c:pt>
+                <c:pt idx="4">
+                  <c:v>N=2</c:v>
+                </c:pt>
+                <c:pt idx="5">
+                  <c:v>N=3</c:v>
+                </c:pt>
+                <c:pt idx="6">
+                  <c:v>TFIDF</c:v>
+                </c:pt>
+              </c:strCache>
+            </c:strRef>
+          </c:cat>
+          <c:val>
+            <c:numRef>
+              <c:f>Sheet1!$C$2:$C$8</c:f>
+              <c:numCache>
+                <c:formatCode>General</c:formatCode>
+                <c:ptCount val="7"/>
+                <c:pt idx="0">
+                  <c:v>0.76</c:v>
+                </c:pt>
+                <c:pt idx="1">
+                  <c:v>0.66</c:v>
+                </c:pt>
+                <c:pt idx="2">
+                  <c:v>0.69</c:v>
+                </c:pt>
+                <c:pt idx="3">
+                  <c:v>0.66</c:v>
+                </c:pt>
+                <c:pt idx="4">
+                  <c:v>0.63</c:v>
+                </c:pt>
+                <c:pt idx="5">
+                  <c:v>0.62</c:v>
+                </c:pt>
+                <c:pt idx="6">
+                  <c:v>0.75</c:v>
+                </c:pt>
+              </c:numCache>
+            </c:numRef>
+          </c:val>
+          <c:extLst>
+            <c:ext xmlns:c16="http://schemas.microsoft.com/office/drawing/2014/chart" uri="{C3380CC4-5D6E-409C-BE32-E72D297353CC}">
+              <c16:uniqueId val="{00000001-43CC-3647-A9CF-14D640006BE5}"/>
+            </c:ext>
+          </c:extLst>
+        </c:ser>
+        <c:dLbls>
+          <c:showLegendKey val="0"/>
+          <c:showVal val="0"/>
+          <c:showCatName val="0"/>
+          <c:showSerName val="0"/>
+          <c:showPercent val="0"/>
+          <c:showBubbleSize val="0"/>
+        </c:dLbls>
+        <c:gapWidth val="150"/>
+        <c:axId val="1898203615"/>
+        <c:axId val="1898205295"/>
+      </c:barChart>
+      <c:catAx>
+        <c:axId val="1898203615"/>
+        <c:scaling>
+          <c:orientation val="minMax"/>
+        </c:scaling>
+        <c:delete val="0"/>
+        <c:axPos val="b"/>
+        <c:title>
+          <c:tx>
+            <c:rich>
+              <a:bodyPr rot="0" spcFirstLastPara="1" vertOverflow="ellipsis" vert="horz" wrap="square" anchor="ctr" anchorCtr="1"/>
+              <a:lstStyle/>
+              <a:p>
+                <a:pPr>
+                  <a:defRPr sz="1600" b="0" i="0" u="none" strike="noStrike" kern="1200" baseline="0">
+                    <a:solidFill>
+                      <a:schemeClr val="tx1">
+                        <a:lumMod val="65000"/>
+                        <a:lumOff val="35000"/>
+                      </a:schemeClr>
+                    </a:solidFill>
+                    <a:latin typeface="+mn-lt"/>
+                    <a:ea typeface="+mn-ea"/>
+                    <a:cs typeface="+mn-cs"/>
+                  </a:defRPr>
+                </a:pPr>
+                <a:r>
+                  <a:rPr lang="en-US" sz="1600" dirty="0"/>
+                  <a:t>Feature</a:t>
+                </a:r>
+              </a:p>
+            </c:rich>
+          </c:tx>
+          <c:overlay val="0"/>
+          <c:spPr>
+            <a:noFill/>
+            <a:ln>
+              <a:noFill/>
+            </a:ln>
+            <a:effectLst/>
+          </c:spPr>
+          <c:txPr>
+            <a:bodyPr rot="0" spcFirstLastPara="1" vertOverflow="ellipsis" vert="horz" wrap="square" anchor="ctr" anchorCtr="1"/>
+            <a:lstStyle/>
+            <a:p>
+              <a:pPr>
+                <a:defRPr sz="1600" b="0" i="0" u="none" strike="noStrike" kern="1200" baseline="0">
+                  <a:solidFill>
+                    <a:schemeClr val="tx1">
+                      <a:lumMod val="65000"/>
+                      <a:lumOff val="35000"/>
+                    </a:schemeClr>
+                  </a:solidFill>
+                  <a:latin typeface="+mn-lt"/>
+                  <a:ea typeface="+mn-ea"/>
+                  <a:cs typeface="+mn-cs"/>
+                </a:defRPr>
+              </a:pPr>
+              <a:endParaRPr lang="en-US"/>
+            </a:p>
+          </c:txPr>
+        </c:title>
+        <c:numFmt formatCode="General" sourceLinked="1"/>
+        <c:majorTickMark val="none"/>
+        <c:minorTickMark val="none"/>
+        <c:tickLblPos val="nextTo"/>
+        <c:spPr>
+          <a:noFill/>
+          <a:ln w="9525" cap="flat" cmpd="sng" algn="ctr">
+            <a:solidFill>
+              <a:schemeClr val="tx1">
+                <a:lumMod val="15000"/>
+                <a:lumOff val="85000"/>
+              </a:schemeClr>
+            </a:solidFill>
+            <a:round/>
+          </a:ln>
+          <a:effectLst/>
+        </c:spPr>
+        <c:txPr>
+          <a:bodyPr rot="-60000000" spcFirstLastPara="1" vertOverflow="ellipsis" vert="horz" wrap="square" anchor="ctr" anchorCtr="1"/>
+          <a:lstStyle/>
+          <a:p>
+            <a:pPr>
+              <a:defRPr sz="1100" b="0" i="0" u="none" strike="noStrike" kern="1200" baseline="0">
+                <a:solidFill>
+                  <a:schemeClr val="tx1">
+                    <a:lumMod val="65000"/>
+                    <a:lumOff val="35000"/>
+                  </a:schemeClr>
+                </a:solidFill>
+                <a:latin typeface="+mn-lt"/>
+                <a:ea typeface="+mn-ea"/>
+                <a:cs typeface="+mn-cs"/>
+              </a:defRPr>
+            </a:pPr>
+            <a:endParaRPr lang="en-US"/>
+          </a:p>
+        </c:txPr>
+        <c:crossAx val="1898205295"/>
+        <c:crosses val="autoZero"/>
+        <c:auto val="1"/>
+        <c:lblAlgn val="ctr"/>
+        <c:lblOffset val="100"/>
+        <c:noMultiLvlLbl val="0"/>
+      </c:catAx>
+      <c:valAx>
+        <c:axId val="1898205295"/>
+        <c:scaling>
+          <c:orientation val="minMax"/>
+        </c:scaling>
+        <c:delete val="0"/>
+        <c:axPos val="l"/>
+        <c:majorGridlines>
+          <c:spPr>
+            <a:ln w="9525" cap="flat" cmpd="sng" algn="ctr">
+              <a:solidFill>
+                <a:schemeClr val="tx1">
+                  <a:lumMod val="15000"/>
+                  <a:lumOff val="85000"/>
+                </a:schemeClr>
+              </a:solidFill>
+              <a:round/>
+            </a:ln>
+            <a:effectLst/>
+          </c:spPr>
+        </c:majorGridlines>
+        <c:title>
+          <c:tx>
+            <c:rich>
+              <a:bodyPr rot="-5400000" spcFirstLastPara="1" vertOverflow="ellipsis" vert="horz" wrap="square" anchor="ctr" anchorCtr="1"/>
+              <a:lstStyle/>
+              <a:p>
+                <a:pPr>
+                  <a:defRPr sz="1600" b="0" i="0" u="none" strike="noStrike" kern="1200" baseline="0">
+                    <a:solidFill>
+                      <a:schemeClr val="tx1">
+                        <a:lumMod val="65000"/>
+                        <a:lumOff val="35000"/>
+                      </a:schemeClr>
+                    </a:solidFill>
+                    <a:latin typeface="+mn-lt"/>
+                    <a:ea typeface="+mn-ea"/>
+                    <a:cs typeface="+mn-cs"/>
+                  </a:defRPr>
+                </a:pPr>
+                <a:r>
+                  <a:rPr lang="en-US" sz="1600"/>
+                  <a:t>True Positive Rate</a:t>
+                </a:r>
+              </a:p>
+            </c:rich>
+          </c:tx>
+          <c:overlay val="0"/>
+          <c:spPr>
+            <a:noFill/>
+            <a:ln>
+              <a:noFill/>
+            </a:ln>
+            <a:effectLst/>
+          </c:spPr>
+          <c:txPr>
+            <a:bodyPr rot="-5400000" spcFirstLastPara="1" vertOverflow="ellipsis" vert="horz" wrap="square" anchor="ctr" anchorCtr="1"/>
+            <a:lstStyle/>
+            <a:p>
+              <a:pPr>
+                <a:defRPr sz="1600" b="0" i="0" u="none" strike="noStrike" kern="1200" baseline="0">
+                  <a:solidFill>
+                    <a:schemeClr val="tx1">
+                      <a:lumMod val="65000"/>
+                      <a:lumOff val="35000"/>
+                    </a:schemeClr>
+                  </a:solidFill>
+                  <a:latin typeface="+mn-lt"/>
+                  <a:ea typeface="+mn-ea"/>
+                  <a:cs typeface="+mn-cs"/>
+                </a:defRPr>
+              </a:pPr>
+              <a:endParaRPr lang="en-US"/>
+            </a:p>
+          </c:txPr>
+        </c:title>
+        <c:numFmt formatCode="General" sourceLinked="1"/>
+        <c:majorTickMark val="out"/>
+        <c:minorTickMark val="none"/>
+        <c:tickLblPos val="nextTo"/>
+        <c:spPr>
+          <a:noFill/>
+          <a:ln>
+            <a:noFill/>
+          </a:ln>
+          <a:effectLst/>
+        </c:spPr>
+        <c:txPr>
+          <a:bodyPr rot="-60000000" spcFirstLastPara="1" vertOverflow="ellipsis" vert="horz" wrap="square" anchor="ctr" anchorCtr="1"/>
+          <a:lstStyle/>
+          <a:p>
+            <a:pPr>
+              <a:defRPr sz="1400" b="0" i="0" u="none" strike="noStrike" kern="1200" baseline="0">
+                <a:solidFill>
+                  <a:schemeClr val="tx1">
+                    <a:lumMod val="65000"/>
+                    <a:lumOff val="35000"/>
+                  </a:schemeClr>
+                </a:solidFill>
+                <a:latin typeface="+mn-lt"/>
+                <a:ea typeface="+mn-ea"/>
+                <a:cs typeface="+mn-cs"/>
+              </a:defRPr>
+            </a:pPr>
+            <a:endParaRPr lang="en-US"/>
+          </a:p>
+        </c:txPr>
+        <c:crossAx val="1898203615"/>
+        <c:crosses val="autoZero"/>
+        <c:crossBetween val="between"/>
+      </c:valAx>
+      <c:spPr>
+        <a:noFill/>
+        <a:ln>
+          <a:noFill/>
+        </a:ln>
+        <a:effectLst/>
+      </c:spPr>
+    </c:plotArea>
+    <c:legend>
+      <c:legendPos val="r"/>
+      <c:overlay val="0"/>
+      <c:spPr>
+        <a:noFill/>
+        <a:ln>
+          <a:noFill/>
+        </a:ln>
+        <a:effectLst/>
+      </c:spPr>
+      <c:txPr>
+        <a:bodyPr rot="0" spcFirstLastPara="1" vertOverflow="ellipsis" vert="horz" wrap="square" anchor="ctr" anchorCtr="1"/>
+        <a:lstStyle/>
+        <a:p>
+          <a:pPr>
+            <a:defRPr sz="1600" b="0" i="0" u="none" strike="noStrike" kern="1200" baseline="0">
+              <a:solidFill>
+                <a:schemeClr val="tx1">
+                  <a:lumMod val="65000"/>
+                  <a:lumOff val="35000"/>
+                </a:schemeClr>
+              </a:solidFill>
+              <a:latin typeface="+mn-lt"/>
+              <a:ea typeface="+mn-ea"/>
+              <a:cs typeface="+mn-cs"/>
+            </a:defRPr>
+          </a:pPr>
+          <a:endParaRPr lang="en-US"/>
+        </a:p>
+      </c:txPr>
+    </c:legend>
+    <c:plotVisOnly val="1"/>
+    <c:dispBlanksAs val="gap"/>
+    <c:showDLblsOverMax val="0"/>
+  </c:chart>
+  <c:spPr>
+    <a:noFill/>
+    <a:ln>
+      <a:noFill/>
+    </a:ln>
+    <a:effectLst/>
+  </c:spPr>
+  <c:txPr>
+    <a:bodyPr/>
+    <a:lstStyle/>
+    <a:p>
+      <a:pPr>
+        <a:defRPr/>
+      </a:pPr>
+      <a:endParaRPr lang="en-US"/>
+    </a:p>
+  </c:txPr>
+  <c:externalData r:id="rId3">
+    <c:autoUpdate val="0"/>
+  </c:externalData>
+</c:chartSpace>
+</file>
+
+<file path=ppt/charts/colors1.xml><?xml version="1.0" encoding="utf-8"?>
+<cs:colorStyle xmlns:cs="http://schemas.microsoft.com/office/drawing/2012/chartStyle" xmlns:a="http://schemas.openxmlformats.org/drawingml/2006/main" meth="cycle" id="20">
+  <a:schemeClr val="dk1"/>
+  <cs:variation>
+    <a:tint val="88500"/>
+  </cs:variation>
+  <cs:variation>
+    <a:tint val="55000"/>
+  </cs:variation>
+  <cs:variation>
+    <a:tint val="75000"/>
+  </cs:variation>
+  <cs:variation>
+    <a:tint val="98500"/>
+  </cs:variation>
+  <cs:variation>
+    <a:tint val="30000"/>
+  </cs:variation>
+  <cs:variation>
+    <a:tint val="60000"/>
+  </cs:variation>
+  <cs:variation>
+    <a:tint val="80000"/>
+  </cs:variation>
+</cs:colorStyle>
+</file>
+
+<file path=ppt/charts/style1.xml><?xml version="1.0" encoding="utf-8"?>
+<cs:chartStyle xmlns:cs="http://schemas.microsoft.com/office/drawing/2012/chartStyle" xmlns:a="http://schemas.openxmlformats.org/drawingml/2006/main" id="201">
+  <cs:axisTitle>
+    <cs:lnRef idx="0"/>
+    <cs:fillRef idx="0"/>
+    <cs:effectRef idx="0"/>
+    <cs:fontRef idx="minor">
+      <a:schemeClr val="tx1">
+        <a:lumMod val="65000"/>
+        <a:lumOff val="35000"/>
+      </a:schemeClr>
+    </cs:fontRef>
+    <cs:defRPr sz="1000" kern="1200"/>
+  </cs:axisTitle>
+  <cs:categoryAxis>
+    <cs:lnRef idx="0"/>
+    <cs:fillRef idx="0"/>
+    <cs:effectRef idx="0"/>
+    <cs:fontRef idx="minor">
+      <a:schemeClr val="tx1">
+        <a:lumMod val="65000"/>
+        <a:lumOff val="35000"/>
+      </a:schemeClr>
+    </cs:fontRef>
+    <cs:spPr>
+      <a:ln w="9525" cap="flat" cmpd="sng" algn="ctr">
+        <a:solidFill>
+          <a:schemeClr val="tx1">
+            <a:lumMod val="15000"/>
+            <a:lumOff val="85000"/>
+          </a:schemeClr>
+        </a:solidFill>
+        <a:round/>
+      </a:ln>
+    </cs:spPr>
+    <cs:defRPr sz="900" kern="1200"/>
+  </cs:categoryAxis>
+  <cs:chartArea mods="allowNoFillOverride allowNoLineOverride">
+    <cs:lnRef idx="0"/>
+    <cs:fillRef idx="0"/>
+    <cs:effectRef idx="0"/>
+    <cs:fontRef idx="minor">
+      <a:schemeClr val="tx1"/>
+    </cs:fontRef>
+    <cs:spPr>
+      <a:solidFill>
+        <a:schemeClr val="bg1"/>
+      </a:solidFill>
+      <a:ln w="9525" cap="flat" cmpd="sng" algn="ctr">
+        <a:solidFill>
+          <a:schemeClr val="tx1">
+            <a:lumMod val="15000"/>
+            <a:lumOff val="85000"/>
+          </a:schemeClr>
+        </a:solidFill>
+        <a:round/>
+      </a:ln>
+    </cs:spPr>
+    <cs:defRPr sz="1000" kern="1200"/>
+  </cs:chartArea>
+  <cs:dataLabel>
+    <cs:lnRef idx="0"/>
+    <cs:fillRef idx="0"/>
+    <cs:effectRef idx="0"/>
+    <cs:fontRef idx="minor">
+      <a:schemeClr val="tx1">
+        <a:lumMod val="75000"/>
+        <a:lumOff val="25000"/>
+      </a:schemeClr>
+    </cs:fontRef>
+    <cs:defRPr sz="900" kern="1200"/>
+  </cs:dataLabel>
+  <cs:dataLabelCallout>
+    <cs:lnRef idx="0"/>
+    <cs:fillRef idx="0"/>
+    <cs:effectRef idx="0"/>
+    <cs:fontRef idx="minor">
+      <a:schemeClr val="dk1">
+        <a:lumMod val="65000"/>
+        <a:lumOff val="35000"/>
+      </a:schemeClr>
+    </cs:fontRef>
+    <cs:spPr>
+      <a:solidFill>
+        <a:schemeClr val="lt1"/>
+      </a:solidFill>
+      <a:ln>
+        <a:solidFill>
+          <a:schemeClr val="dk1">
+            <a:lumMod val="25000"/>
+            <a:lumOff val="75000"/>
+          </a:schemeClr>
+        </a:solidFill>
+      </a:ln>
+    </cs:spPr>
+    <cs:defRPr sz="900" kern="1200"/>
+    <cs:bodyPr rot="0" spcFirstLastPara="1" vertOverflow="clip" horzOverflow="clip" vert="horz" wrap="square" lIns="36576" tIns="18288" rIns="36576" bIns="18288" anchor="ctr" anchorCtr="1">
+      <a:spAutoFit/>
+    </cs:bodyPr>
+  </cs:dataLabelCallout>
+  <cs:dataPoint>
+    <cs:lnRef idx="0"/>
+    <cs:fillRef idx="1">
+      <cs:styleClr val="auto"/>
+    </cs:fillRef>
+    <cs:effectRef idx="0"/>
+    <cs:fontRef idx="minor">
+      <a:schemeClr val="tx1"/>
+    </cs:fontRef>
+  </cs:dataPoint>
+  <cs:dataPoint3D>
+    <cs:lnRef idx="0"/>
+    <cs:fillRef idx="1">
+      <cs:styleClr val="auto"/>
+    </cs:fillRef>
+    <cs:effectRef idx="0"/>
+    <cs:fontRef idx="minor">
+      <a:schemeClr val="tx1"/>
+    </cs:fontRef>
+  </cs:dataPoint3D>
+  <cs:dataPointLine>
+    <cs:lnRef idx="0">
+      <cs:styleClr val="auto"/>
+    </cs:lnRef>
+    <cs:fillRef idx="1"/>
+    <cs:effectRef idx="0"/>
+    <cs:fontRef idx="minor">
+      <a:schemeClr val="tx1"/>
+    </cs:fontRef>
+    <cs:spPr>
+      <a:ln w="28575" cap="rnd">
+        <a:solidFill>
+          <a:schemeClr val="phClr"/>
+        </a:solidFill>
+        <a:round/>
+      </a:ln>
+    </cs:spPr>
+  </cs:dataPointLine>
+  <cs:dataPointMarker>
+    <cs:lnRef idx="0">
+      <cs:styleClr val="auto"/>
+    </cs:lnRef>
+    <cs:fillRef idx="1">
+      <cs:styleClr val="auto"/>
+    </cs:fillRef>
+    <cs:effectRef idx="0"/>
+    <cs:fontRef idx="minor">
+      <a:schemeClr val="tx1"/>
+    </cs:fontRef>
+    <cs:spPr>
+      <a:ln w="9525">
+        <a:solidFill>
+          <a:schemeClr val="phClr"/>
+        </a:solidFill>
+      </a:ln>
+    </cs:spPr>
+  </cs:dataPointMarker>
+  <cs:dataPointMarkerLayout symbol="circle" size="5"/>
+  <cs:dataPointWireframe>
+    <cs:lnRef idx="0">
+      <cs:styleClr val="auto"/>
+    </cs:lnRef>
+    <cs:fillRef idx="1"/>
+    <cs:effectRef idx="0"/>
+    <cs:fontRef idx="minor">
+      <a:schemeClr val="tx1"/>
+    </cs:fontRef>
+    <cs:spPr>
+      <a:ln w="9525" cap="rnd">
+        <a:solidFill>
+          <a:schemeClr val="phClr"/>
+        </a:solidFill>
+        <a:round/>
+      </a:ln>
+    </cs:spPr>
+  </cs:dataPointWireframe>
+  <cs:dataTable>
+    <cs:lnRef idx="0"/>
+    <cs:fillRef idx="0"/>
+    <cs:effectRef idx="0"/>
+    <cs:fontRef idx="minor">
+      <a:schemeClr val="tx1">
+        <a:lumMod val="65000"/>
+        <a:lumOff val="35000"/>
+      </a:schemeClr>
+    </cs:fontRef>
+    <cs:spPr>
+      <a:noFill/>
+      <a:ln w="9525" cap="flat" cmpd="sng" algn="ctr">
+        <a:solidFill>
+          <a:schemeClr val="tx1">
+            <a:lumMod val="15000"/>
+            <a:lumOff val="85000"/>
+          </a:schemeClr>
+        </a:solidFill>
+        <a:round/>
+      </a:ln>
+    </cs:spPr>
+    <cs:defRPr sz="900" kern="1200"/>
+  </cs:dataTable>
+  <cs:downBar>
+    <cs:lnRef idx="0"/>
+    <cs:fillRef idx="0"/>
+    <cs:effectRef idx="0"/>
+    <cs:fontRef idx="minor">
+      <a:schemeClr val="dk1"/>
+    </cs:fontRef>
+    <cs:spPr>
+      <a:solidFill>
+        <a:schemeClr val="dk1">
+          <a:lumMod val="65000"/>
+          <a:lumOff val="35000"/>
+        </a:schemeClr>
+      </a:solidFill>
+      <a:ln w="9525">
+        <a:solidFill>
+          <a:schemeClr val="tx1">
+            <a:lumMod val="65000"/>
+            <a:lumOff val="35000"/>
+          </a:schemeClr>
+        </a:solidFill>
+      </a:ln>
+    </cs:spPr>
+  </cs:downBar>
+  <cs:dropLine>
+    <cs:lnRef idx="0"/>
+    <cs:fillRef idx="0"/>
+    <cs:effectRef idx="0"/>
+    <cs:fontRef idx="minor">
+      <a:schemeClr val="tx1"/>
+    </cs:fontRef>
+    <cs:spPr>
+      <a:ln w="9525" cap="flat" cmpd="sng" algn="ctr">
+        <a:solidFill>
+          <a:schemeClr val="tx1">
+            <a:lumMod val="35000"/>
+            <a:lumOff val="65000"/>
+          </a:schemeClr>
+        </a:solidFill>
+        <a:round/>
+      </a:ln>
+    </cs:spPr>
+  </cs:dropLine>
+  <cs:errorBar>
+    <cs:lnRef idx="0"/>
+    <cs:fillRef idx="0"/>
+    <cs:effectRef idx="0"/>
+    <cs:fontRef idx="minor">
+      <a:schemeClr val="tx1"/>
+    </cs:fontRef>
+    <cs:spPr>
+      <a:ln w="9525" cap="flat" cmpd="sng" algn="ctr">
+        <a:solidFill>
+          <a:schemeClr val="tx1">
+            <a:lumMod val="65000"/>
+            <a:lumOff val="35000"/>
+          </a:schemeClr>
+        </a:solidFill>
+        <a:round/>
+      </a:ln>
+    </cs:spPr>
+  </cs:errorBar>
+  <cs:floor>
+    <cs:lnRef idx="0"/>
+    <cs:fillRef idx="0"/>
+    <cs:effectRef idx="0"/>
+    <cs:fontRef idx="minor">
+      <a:schemeClr val="tx1"/>
+    </cs:fontRef>
+    <cs:spPr>
+      <a:noFill/>
+      <a:ln>
+        <a:noFill/>
+      </a:ln>
+    </cs:spPr>
+  </cs:floor>
+  <cs:gridlineMajor>
+    <cs:lnRef idx="0"/>
+    <cs:fillRef idx="0"/>
+    <cs:effectRef idx="0"/>
+    <cs:fontRef idx="minor">
+      <a:schemeClr val="tx1"/>
+    </cs:fontRef>
+    <cs:spPr>
+      <a:ln w="9525" cap="flat" cmpd="sng" algn="ctr">
+        <a:solidFill>
+          <a:schemeClr val="tx1">
+            <a:lumMod val="15000"/>
+            <a:lumOff val="85000"/>
+          </a:schemeClr>
+        </a:solidFill>
+        <a:round/>
+      </a:ln>
+    </cs:spPr>
+  </cs:gridlineMajor>
+  <cs:gridlineMinor>
+    <cs:lnRef idx="0"/>
+    <cs:fillRef idx="0"/>
+    <cs:effectRef idx="0"/>
+    <cs:fontRef idx="minor">
+      <a:schemeClr val="tx1"/>
+    </cs:fontRef>
+    <cs:spPr>
+      <a:ln w="9525" cap="flat" cmpd="sng" algn="ctr">
+        <a:solidFill>
+          <a:schemeClr val="tx1">
+            <a:lumMod val="5000"/>
+            <a:lumOff val="95000"/>
+          </a:schemeClr>
+        </a:solidFill>
+        <a:round/>
+      </a:ln>
+    </cs:spPr>
+  </cs:gridlineMinor>
+  <cs:hiLoLine>
+    <cs:lnRef idx="0"/>
+    <cs:fillRef idx="0"/>
+    <cs:effectRef idx="0"/>
+    <cs:fontRef idx="minor">
+      <a:schemeClr val="tx1"/>
+    </cs:fontRef>
+    <cs:spPr>
+      <a:ln w="9525" cap="flat" cmpd="sng" algn="ctr">
+        <a:solidFill>
+          <a:schemeClr val="tx1">
+            <a:lumMod val="75000"/>
+            <a:lumOff val="25000"/>
+          </a:schemeClr>
+        </a:solidFill>
+        <a:round/>
+      </a:ln>
+    </cs:spPr>
+  </cs:hiLoLine>
+  <cs:leaderLine>
+    <cs:lnRef idx="0"/>
+    <cs:fillRef idx="0"/>
+    <cs:effectRef idx="0"/>
+    <cs:fontRef idx="minor">
+      <a:schemeClr val="tx1"/>
+    </cs:fontRef>
+    <cs:spPr>
+      <a:ln w="9525" cap="flat" cmpd="sng" algn="ctr">
+        <a:solidFill>
+          <a:schemeClr val="tx1">
+            <a:lumMod val="35000"/>
+            <a:lumOff val="65000"/>
+          </a:schemeClr>
+        </a:solidFill>
+        <a:round/>
+      </a:ln>
+    </cs:spPr>
+  </cs:leaderLine>
+  <cs:legend>
+    <cs:lnRef idx="0"/>
+    <cs:fillRef idx="0"/>
+    <cs:effectRef idx="0"/>
+    <cs:fontRef idx="minor">
+      <a:schemeClr val="tx1">
+        <a:lumMod val="65000"/>
+        <a:lumOff val="35000"/>
+      </a:schemeClr>
+    </cs:fontRef>
+    <cs:defRPr sz="900" kern="1200"/>
+  </cs:legend>
+  <cs:plotArea mods="allowNoFillOverride allowNoLineOverride">
+    <cs:lnRef idx="0"/>
+    <cs:fillRef idx="0"/>
+    <cs:effectRef idx="0"/>
+    <cs:fontRef idx="minor">
+      <a:schemeClr val="tx1"/>
+    </cs:fontRef>
+  </cs:plotArea>
+  <cs:plotArea3D mods="allowNoFillOverride allowNoLineOverride">
+    <cs:lnRef idx="0"/>
+    <cs:fillRef idx="0"/>
+    <cs:effectRef idx="0"/>
+    <cs:fontRef idx="minor">
+      <a:schemeClr val="tx1"/>
+    </cs:fontRef>
+  </cs:plotArea3D>
+  <cs:seriesAxis>
+    <cs:lnRef idx="0"/>
+    <cs:fillRef idx="0"/>
+    <cs:effectRef idx="0"/>
+    <cs:fontRef idx="minor">
+      <a:schemeClr val="tx1">
+        <a:lumMod val="65000"/>
+        <a:lumOff val="35000"/>
+      </a:schemeClr>
+    </cs:fontRef>
+    <cs:defRPr sz="900" kern="1200"/>
+  </cs:seriesAxis>
+  <cs:seriesLine>
+    <cs:lnRef idx="0"/>
+    <cs:fillRef idx="0"/>
+    <cs:effectRef idx="0"/>
+    <cs:fontRef idx="minor">
+      <a:schemeClr val="tx1"/>
+    </cs:fontRef>
+    <cs:spPr>
+      <a:ln w="9525" cap="flat" cmpd="sng" algn="ctr">
+        <a:solidFill>
+          <a:schemeClr val="tx1">
+            <a:lumMod val="35000"/>
+            <a:lumOff val="65000"/>
+          </a:schemeClr>
+        </a:solidFill>
+        <a:round/>
+      </a:ln>
+    </cs:spPr>
+  </cs:seriesLine>
+  <cs:title>
+    <cs:lnRef idx="0"/>
+    <cs:fillRef idx="0"/>
+    <cs:effectRef idx="0"/>
+    <cs:fontRef idx="minor">
+      <a:schemeClr val="tx1">
+        <a:lumMod val="65000"/>
+        <a:lumOff val="35000"/>
+      </a:schemeClr>
+    </cs:fontRef>
+    <cs:defRPr sz="1400" b="0" kern="1200" spc="0" baseline="0"/>
+  </cs:title>
+  <cs:trendline>
+    <cs:lnRef idx="0">
+      <cs:styleClr val="auto"/>
+    </cs:lnRef>
+    <cs:fillRef idx="0"/>
+    <cs:effectRef idx="0"/>
+    <cs:fontRef idx="minor">
+      <a:schemeClr val="tx1"/>
+    </cs:fontRef>
+    <cs:spPr>
+      <a:ln w="19050" cap="rnd">
+        <a:solidFill>
+          <a:schemeClr val="phClr"/>
+        </a:solidFill>
+        <a:prstDash val="sysDot"/>
+      </a:ln>
+    </cs:spPr>
+  </cs:trendline>
+  <cs:trendlineLabel>
+    <cs:lnRef idx="0"/>
+    <cs:fillRef idx="0"/>
+    <cs:effectRef idx="0"/>
+    <cs:fontRef idx="minor">
+      <a:schemeClr val="tx1">
+        <a:lumMod val="65000"/>
+        <a:lumOff val="35000"/>
+      </a:schemeClr>
+    </cs:fontRef>
+    <cs:defRPr sz="900" kern="1200"/>
+  </cs:trendlineLabel>
+  <cs:upBar>
+    <cs:lnRef idx="0"/>
+    <cs:fillRef idx="0"/>
+    <cs:effectRef idx="0"/>
+    <cs:fontRef idx="minor">
+      <a:schemeClr val="dk1"/>
+    </cs:fontRef>
+    <cs:spPr>
+      <a:solidFill>
+        <a:schemeClr val="lt1"/>
+      </a:solidFill>
+      <a:ln w="9525">
+        <a:solidFill>
+          <a:schemeClr val="tx1">
+            <a:lumMod val="15000"/>
+            <a:lumOff val="85000"/>
+          </a:schemeClr>
+        </a:solidFill>
+      </a:ln>
+    </cs:spPr>
+  </cs:upBar>
+  <cs:valueAxis>
+    <cs:lnRef idx="0"/>
+    <cs:fillRef idx="0"/>
+    <cs:effectRef idx="0"/>
+    <cs:fontRef idx="minor">
+      <a:schemeClr val="tx1">
+        <a:lumMod val="65000"/>
+        <a:lumOff val="35000"/>
+      </a:schemeClr>
+    </cs:fontRef>
+    <cs:defRPr sz="900" kern="1200"/>
+  </cs:valueAxis>
+  <cs:wall>
+    <cs:lnRef idx="0"/>
+    <cs:fillRef idx="0"/>
+    <cs:effectRef idx="0"/>
+    <cs:fontRef idx="minor">
+      <a:schemeClr val="tx1"/>
+    </cs:fontRef>
+    <cs:spPr>
+      <a:noFill/>
+      <a:ln>
+        <a:noFill/>
+      </a:ln>
+    </cs:spPr>
+  </cs:wall>
+</cs:chartStyle>
 </file>
 
 <file path=ppt/slideLayouts/slideLayout1.xml><?xml version="1.0" encoding="utf-8"?>
@@ -4411,7 +5437,7 @@
           <a:p>
             <a:fld id="{48A87A34-81AB-432B-8DAE-1953F412C126}" type="datetimeFigureOut">
               <a:rPr lang="en-US" dirty="0"/>
-              <a:t>12/11/2020</a:t>
+              <a:t>12/13/2020</a:t>
             </a:fld>
             <a:endParaRPr lang="en-US" dirty="0"/>
           </a:p>
@@ -4673,7 +5699,7 @@
           <a:p>
             <a:fld id="{48A87A34-81AB-432B-8DAE-1953F412C126}" type="datetimeFigureOut">
               <a:rPr lang="en-US" dirty="0"/>
-              <a:t>12/11/2020</a:t>
+              <a:t>12/13/2020</a:t>
             </a:fld>
             <a:endParaRPr lang="en-US" dirty="0"/>
           </a:p>
@@ -4864,7 +5890,7 @@
           <a:p>
             <a:fld id="{48A87A34-81AB-432B-8DAE-1953F412C126}" type="datetimeFigureOut">
               <a:rPr lang="en-US" dirty="0"/>
-              <a:t>12/11/2020</a:t>
+              <a:t>12/13/2020</a:t>
             </a:fld>
             <a:endParaRPr lang="en-US" dirty="0"/>
           </a:p>
@@ -5122,7 +6148,7 @@
           <a:p>
             <a:fld id="{48A87A34-81AB-432B-8DAE-1953F412C126}" type="datetimeFigureOut">
               <a:rPr lang="en-US" dirty="0"/>
-              <a:t>12/11/2020</a:t>
+              <a:t>12/13/2020</a:t>
             </a:fld>
             <a:endParaRPr lang="en-US" dirty="0"/>
           </a:p>
@@ -5551,7 +6577,7 @@
           <a:p>
             <a:fld id="{48A87A34-81AB-432B-8DAE-1953F412C126}" type="datetimeFigureOut">
               <a:rPr lang="en-US" dirty="0"/>
-              <a:t>12/11/2020</a:t>
+              <a:t>12/13/2020</a:t>
             </a:fld>
             <a:endParaRPr lang="en-US" dirty="0"/>
           </a:p>
@@ -6092,7 +7118,7 @@
           <a:p>
             <a:fld id="{48A87A34-81AB-432B-8DAE-1953F412C126}" type="datetimeFigureOut">
               <a:rPr lang="en-US" dirty="0"/>
-              <a:t>12/11/2020</a:t>
+              <a:t>12/13/2020</a:t>
             </a:fld>
             <a:endParaRPr lang="en-US" dirty="0"/>
           </a:p>
@@ -6807,7 +7833,7 @@
           <a:p>
             <a:fld id="{48A87A34-81AB-432B-8DAE-1953F412C126}" type="datetimeFigureOut">
               <a:rPr lang="en-US" dirty="0"/>
-              <a:t>12/11/2020</a:t>
+              <a:t>12/13/2020</a:t>
             </a:fld>
             <a:endParaRPr lang="en-US" dirty="0"/>
           </a:p>
@@ -6972,7 +7998,7 @@
           <a:p>
             <a:fld id="{48A87A34-81AB-432B-8DAE-1953F412C126}" type="datetimeFigureOut">
               <a:rPr lang="en-US" dirty="0"/>
-              <a:t>12/11/2020</a:t>
+              <a:t>12/13/2020</a:t>
             </a:fld>
             <a:endParaRPr lang="en-US" dirty="0"/>
           </a:p>
@@ -7147,7 +8173,7 @@
           <a:p>
             <a:fld id="{48A87A34-81AB-432B-8DAE-1953F412C126}" type="datetimeFigureOut">
               <a:rPr lang="en-US" dirty="0"/>
-              <a:t>12/11/2020</a:t>
+              <a:t>12/13/2020</a:t>
             </a:fld>
             <a:endParaRPr lang="en-US" dirty="0"/>
           </a:p>
@@ -7312,7 +8338,7 @@
           <a:p>
             <a:fld id="{48A87A34-81AB-432B-8DAE-1953F412C126}" type="datetimeFigureOut">
               <a:rPr lang="en-US" dirty="0"/>
-              <a:t>12/11/2020</a:t>
+              <a:t>12/13/2020</a:t>
             </a:fld>
             <a:endParaRPr lang="en-US" dirty="0"/>
           </a:p>
@@ -7557,7 +8583,7 @@
           <a:p>
             <a:fld id="{48A87A34-81AB-432B-8DAE-1953F412C126}" type="datetimeFigureOut">
               <a:rPr lang="en-US" dirty="0"/>
-              <a:t>12/11/2020</a:t>
+              <a:t>12/13/2020</a:t>
             </a:fld>
             <a:endParaRPr lang="en-US" dirty="0"/>
           </a:p>
@@ -7784,7 +8810,7 @@
           <a:p>
             <a:fld id="{48A87A34-81AB-432B-8DAE-1953F412C126}" type="datetimeFigureOut">
               <a:rPr lang="en-US" dirty="0"/>
-              <a:t>12/11/2020</a:t>
+              <a:t>12/13/2020</a:t>
             </a:fld>
             <a:endParaRPr lang="en-US" dirty="0"/>
           </a:p>
@@ -8160,7 +9186,7 @@
           <a:p>
             <a:fld id="{48A87A34-81AB-432B-8DAE-1953F412C126}" type="datetimeFigureOut">
               <a:rPr lang="en-US" dirty="0"/>
-              <a:t>12/11/2020</a:t>
+              <a:t>12/13/2020</a:t>
             </a:fld>
             <a:endParaRPr lang="en-US" dirty="0"/>
           </a:p>
@@ -8273,7 +9299,7 @@
           <a:p>
             <a:fld id="{48A87A34-81AB-432B-8DAE-1953F412C126}" type="datetimeFigureOut">
               <a:rPr lang="en-US" dirty="0"/>
-              <a:t>12/11/2020</a:t>
+              <a:t>12/13/2020</a:t>
             </a:fld>
             <a:endParaRPr lang="en-US" dirty="0"/>
           </a:p>
@@ -8363,7 +9389,7 @@
           <a:p>
             <a:fld id="{48A87A34-81AB-432B-8DAE-1953F412C126}" type="datetimeFigureOut">
               <a:rPr lang="en-US" dirty="0"/>
-              <a:t>12/11/2020</a:t>
+              <a:t>12/13/2020</a:t>
             </a:fld>
             <a:endParaRPr lang="en-US" dirty="0"/>
           </a:p>
@@ -8607,7 +9633,7 @@
           <a:p>
             <a:fld id="{48A87A34-81AB-432B-8DAE-1953F412C126}" type="datetimeFigureOut">
               <a:rPr lang="en-US" dirty="0"/>
-              <a:t>12/11/2020</a:t>
+              <a:t>12/13/2020</a:t>
             </a:fld>
             <a:endParaRPr lang="en-US" dirty="0"/>
           </a:p>
@@ -8882,7 +9908,7 @@
           <a:p>
             <a:fld id="{48A87A34-81AB-432B-8DAE-1953F412C126}" type="datetimeFigureOut">
               <a:rPr lang="en-US" dirty="0"/>
-              <a:t>12/11/2020</a:t>
+              <a:t>12/13/2020</a:t>
             </a:fld>
             <a:endParaRPr lang="en-US" dirty="0"/>
           </a:p>
@@ -11955,7 +12981,7 @@
             <a:fld id="{48A87A34-81AB-432B-8DAE-1953F412C126}" type="datetimeFigureOut">
               <a:rPr lang="en-US" dirty="0"/>
               <a:pPr/>
-              <a:t>12/11/2020</a:t>
+              <a:t>12/13/2020</a:t>
             </a:fld>
             <a:endParaRPr lang="en-US" dirty="0"/>
           </a:p>
@@ -12468,6 +13494,2989 @@
           <p:cNvPr id="2" name="Title 1">
             <a:extLst>
               <a:ext uri="{FF2B5EF4-FFF2-40B4-BE49-F238E27FC236}">
+                <a16:creationId xmlns:a16="http://schemas.microsoft.com/office/drawing/2014/main" id="{E39CF7A6-1BC7-094C-AB9B-435E16A02C46}"/>
+              </a:ext>
+            </a:extLst>
+          </p:cNvPr>
+          <p:cNvSpPr>
+            <a:spLocks noGrp="1"/>
+          </p:cNvSpPr>
+          <p:nvPr>
+            <p:ph type="title"/>
+          </p:nvPr>
+        </p:nvSpPr>
+        <p:spPr/>
+        <p:txBody>
+          <a:bodyPr/>
+          <a:lstStyle/>
+          <a:p>
+            <a:pPr algn="ctr"/>
+            <a:r>
+              <a:rPr lang="en-US" dirty="0" err="1"/>
+              <a:t>tf-idf</a:t>
+            </a:r>
+            <a:endParaRPr lang="en-US" dirty="0"/>
+          </a:p>
+        </p:txBody>
+      </p:sp>
+      <p:pic>
+        <p:nvPicPr>
+          <p:cNvPr id="5" name="Content Placeholder 4">
+            <a:extLst>
+              <a:ext uri="{FF2B5EF4-FFF2-40B4-BE49-F238E27FC236}">
+                <a16:creationId xmlns:a16="http://schemas.microsoft.com/office/drawing/2014/main" id="{F5405784-B3F5-8544-ACCA-0F8F7B747687}"/>
+              </a:ext>
+            </a:extLst>
+          </p:cNvPr>
+          <p:cNvPicPr>
+            <a:picLocks noGrp="1" noChangeAspect="1"/>
+          </p:cNvPicPr>
+          <p:nvPr>
+            <p:ph idx="1"/>
+          </p:nvPr>
+        </p:nvPicPr>
+        <p:blipFill>
+          <a:blip r:embed="rId2"/>
+          <a:stretch>
+            <a:fillRect/>
+          </a:stretch>
+        </p:blipFill>
+        <p:spPr/>
+      </p:pic>
+    </p:spTree>
+    <p:extLst>
+      <p:ext uri="{BB962C8B-B14F-4D97-AF65-F5344CB8AC3E}">
+        <p14:creationId xmlns:p14="http://schemas.microsoft.com/office/powerpoint/2010/main" val="4207238226"/>
+      </p:ext>
+    </p:extLst>
+  </p:cSld>
+  <p:clrMapOvr>
+    <a:masterClrMapping/>
+  </p:clrMapOvr>
+</p:sld>
+</file>
+
+<file path=ppt/slides/slide11.xml><?xml version="1.0" encoding="utf-8"?>
+<p:sld xmlns:a="http://schemas.openxmlformats.org/drawingml/2006/main" xmlns:r="http://schemas.openxmlformats.org/officeDocument/2006/relationships" xmlns:p="http://schemas.openxmlformats.org/presentationml/2006/main">
+  <p:cSld>
+    <p:spTree>
+      <p:nvGrpSpPr>
+        <p:cNvPr id="1" name=""/>
+        <p:cNvGrpSpPr/>
+        <p:nvPr/>
+      </p:nvGrpSpPr>
+      <p:grpSpPr>
+        <a:xfrm>
+          <a:off x="0" y="0"/>
+          <a:ext cx="0" cy="0"/>
+          <a:chOff x="0" y="0"/>
+          <a:chExt cx="0" cy="0"/>
+        </a:xfrm>
+      </p:grpSpPr>
+      <p:sp>
+        <p:nvSpPr>
+          <p:cNvPr id="2" name="Title 1">
+            <a:extLst>
+              <a:ext uri="{FF2B5EF4-FFF2-40B4-BE49-F238E27FC236}">
+                <a16:creationId xmlns:a16="http://schemas.microsoft.com/office/drawing/2014/main" id="{57957B16-F34C-014F-BDA8-838B7FAB49A0}"/>
+              </a:ext>
+            </a:extLst>
+          </p:cNvPr>
+          <p:cNvSpPr>
+            <a:spLocks noGrp="1"/>
+          </p:cNvSpPr>
+          <p:nvPr>
+            <p:ph type="title"/>
+          </p:nvPr>
+        </p:nvSpPr>
+        <p:spPr/>
+        <p:txBody>
+          <a:bodyPr/>
+          <a:lstStyle/>
+          <a:p>
+            <a:pPr algn="ctr"/>
+            <a:r>
+              <a:rPr lang="en-US" dirty="0"/>
+              <a:t>TF-IDF – Feature Count</a:t>
+            </a:r>
+          </a:p>
+        </p:txBody>
+      </p:sp>
+      <p:pic>
+        <p:nvPicPr>
+          <p:cNvPr id="5" name="Content Placeholder 4">
+            <a:extLst>
+              <a:ext uri="{FF2B5EF4-FFF2-40B4-BE49-F238E27FC236}">
+                <a16:creationId xmlns:a16="http://schemas.microsoft.com/office/drawing/2014/main" id="{688055B0-F948-B04E-A2C3-6FCFDEE97BE3}"/>
+              </a:ext>
+            </a:extLst>
+          </p:cNvPr>
+          <p:cNvPicPr>
+            <a:picLocks noGrp="1" noChangeAspect="1"/>
+          </p:cNvPicPr>
+          <p:nvPr>
+            <p:ph idx="1"/>
+          </p:nvPr>
+        </p:nvPicPr>
+        <p:blipFill>
+          <a:blip r:embed="rId2"/>
+          <a:stretch>
+            <a:fillRect/>
+          </a:stretch>
+        </p:blipFill>
+        <p:spPr>
+          <a:xfrm>
+            <a:off x="6450011" y="2616200"/>
+            <a:ext cx="4597400" cy="3441700"/>
+          </a:xfrm>
+        </p:spPr>
+      </p:pic>
+      <p:pic>
+        <p:nvPicPr>
+          <p:cNvPr id="7" name="Picture 6">
+            <a:extLst>
+              <a:ext uri="{FF2B5EF4-FFF2-40B4-BE49-F238E27FC236}">
+                <a16:creationId xmlns:a16="http://schemas.microsoft.com/office/drawing/2014/main" id="{CE220E0B-B001-334F-8BCD-F6ECF653A621}"/>
+              </a:ext>
+            </a:extLst>
+          </p:cNvPr>
+          <p:cNvPicPr>
+            <a:picLocks noChangeAspect="1"/>
+          </p:cNvPicPr>
+          <p:nvPr/>
+        </p:nvPicPr>
+        <p:blipFill>
+          <a:blip r:embed="rId3"/>
+          <a:stretch>
+            <a:fillRect/>
+          </a:stretch>
+        </p:blipFill>
+        <p:spPr>
+          <a:xfrm>
+            <a:off x="1141413" y="2616200"/>
+            <a:ext cx="4834144" cy="3441700"/>
+          </a:xfrm>
+          <a:prstGeom prst="rect">
+            <a:avLst/>
+          </a:prstGeom>
+        </p:spPr>
+      </p:pic>
+      <p:sp>
+        <p:nvSpPr>
+          <p:cNvPr id="8" name="TextBox 7">
+            <a:extLst>
+              <a:ext uri="{FF2B5EF4-FFF2-40B4-BE49-F238E27FC236}">
+                <a16:creationId xmlns:a16="http://schemas.microsoft.com/office/drawing/2014/main" id="{E8E29C66-180C-0E48-9442-3C2D9A3AEE39}"/>
+              </a:ext>
+            </a:extLst>
+          </p:cNvPr>
+          <p:cNvSpPr txBox="1"/>
+          <p:nvPr/>
+        </p:nvSpPr>
+        <p:spPr>
+          <a:xfrm>
+            <a:off x="1578726" y="2216090"/>
+            <a:ext cx="3882190" cy="400110"/>
+          </a:xfrm>
+          <a:prstGeom prst="rect">
+            <a:avLst/>
+          </a:prstGeom>
+          <a:noFill/>
+        </p:spPr>
+        <p:txBody>
+          <a:bodyPr wrap="square" rtlCol="0">
+            <a:spAutoFit/>
+          </a:bodyPr>
+          <a:lstStyle/>
+          <a:p>
+            <a:pPr algn="ctr"/>
+            <a:r>
+              <a:rPr lang="en-US" sz="2000" dirty="0"/>
+              <a:t>Offensive</a:t>
+            </a:r>
+            <a:r>
+              <a:rPr lang="en-US" dirty="0"/>
+              <a:t> Tweets</a:t>
+            </a:r>
+          </a:p>
+        </p:txBody>
+      </p:sp>
+      <p:sp>
+        <p:nvSpPr>
+          <p:cNvPr id="9" name="TextBox 8">
+            <a:extLst>
+              <a:ext uri="{FF2B5EF4-FFF2-40B4-BE49-F238E27FC236}">
+                <a16:creationId xmlns:a16="http://schemas.microsoft.com/office/drawing/2014/main" id="{94335E12-F6D8-8047-B68D-C9613369F0FF}"/>
+              </a:ext>
+            </a:extLst>
+          </p:cNvPr>
+          <p:cNvSpPr txBox="1"/>
+          <p:nvPr/>
+        </p:nvSpPr>
+        <p:spPr>
+          <a:xfrm>
+            <a:off x="6964653" y="2216090"/>
+            <a:ext cx="3882190" cy="400110"/>
+          </a:xfrm>
+          <a:prstGeom prst="rect">
+            <a:avLst/>
+          </a:prstGeom>
+          <a:noFill/>
+        </p:spPr>
+        <p:txBody>
+          <a:bodyPr wrap="square" rtlCol="0">
+            <a:spAutoFit/>
+          </a:bodyPr>
+          <a:lstStyle/>
+          <a:p>
+            <a:pPr algn="ctr"/>
+            <a:r>
+              <a:rPr lang="en-US" dirty="0"/>
+              <a:t>Hate </a:t>
+            </a:r>
+            <a:r>
+              <a:rPr lang="en-US" sz="2000" dirty="0"/>
+              <a:t>Tweets</a:t>
+            </a:r>
+            <a:endParaRPr lang="en-US" dirty="0"/>
+          </a:p>
+        </p:txBody>
+      </p:sp>
+    </p:spTree>
+    <p:extLst>
+      <p:ext uri="{BB962C8B-B14F-4D97-AF65-F5344CB8AC3E}">
+        <p14:creationId xmlns:p14="http://schemas.microsoft.com/office/powerpoint/2010/main" val="372970809"/>
+      </p:ext>
+    </p:extLst>
+  </p:cSld>
+  <p:clrMapOvr>
+    <a:masterClrMapping/>
+  </p:clrMapOvr>
+</p:sld>
+</file>
+
+<file path=ppt/slides/slide12.xml><?xml version="1.0" encoding="utf-8"?>
+<p:sld xmlns:a="http://schemas.openxmlformats.org/drawingml/2006/main" xmlns:r="http://schemas.openxmlformats.org/officeDocument/2006/relationships" xmlns:p="http://schemas.openxmlformats.org/presentationml/2006/main">
+  <p:cSld>
+    <p:spTree>
+      <p:nvGrpSpPr>
+        <p:cNvPr id="1" name=""/>
+        <p:cNvGrpSpPr/>
+        <p:nvPr/>
+      </p:nvGrpSpPr>
+      <p:grpSpPr>
+        <a:xfrm>
+          <a:off x="0" y="0"/>
+          <a:ext cx="0" cy="0"/>
+          <a:chOff x="0" y="0"/>
+          <a:chExt cx="0" cy="0"/>
+        </a:xfrm>
+      </p:grpSpPr>
+      <p:sp>
+        <p:nvSpPr>
+          <p:cNvPr id="2" name="Title 1">
+            <a:extLst>
+              <a:ext uri="{FF2B5EF4-FFF2-40B4-BE49-F238E27FC236}">
+                <a16:creationId xmlns:a16="http://schemas.microsoft.com/office/drawing/2014/main" id="{5F8269A6-964B-D541-90B4-C9A90D9631C6}"/>
+              </a:ext>
+            </a:extLst>
+          </p:cNvPr>
+          <p:cNvSpPr>
+            <a:spLocks noGrp="1"/>
+          </p:cNvSpPr>
+          <p:nvPr>
+            <p:ph type="title"/>
+          </p:nvPr>
+        </p:nvSpPr>
+        <p:spPr/>
+        <p:txBody>
+          <a:bodyPr/>
+          <a:lstStyle/>
+          <a:p>
+            <a:pPr algn="ctr"/>
+            <a:r>
+              <a:rPr lang="en-US" dirty="0"/>
+              <a:t>Word2Vec - CBOW</a:t>
+            </a:r>
+          </a:p>
+        </p:txBody>
+      </p:sp>
+      <p:pic>
+        <p:nvPicPr>
+          <p:cNvPr id="5" name="Content Placeholder 4">
+            <a:extLst>
+              <a:ext uri="{FF2B5EF4-FFF2-40B4-BE49-F238E27FC236}">
+                <a16:creationId xmlns:a16="http://schemas.microsoft.com/office/drawing/2014/main" id="{2464FF44-EA14-064A-B142-E6B72B1EA192}"/>
+              </a:ext>
+            </a:extLst>
+          </p:cNvPr>
+          <p:cNvPicPr>
+            <a:picLocks noGrp="1" noChangeAspect="1"/>
+          </p:cNvPicPr>
+          <p:nvPr>
+            <p:ph idx="1"/>
+          </p:nvPr>
+        </p:nvPicPr>
+        <p:blipFill>
+          <a:blip r:embed="rId2"/>
+          <a:stretch>
+            <a:fillRect/>
+          </a:stretch>
+        </p:blipFill>
+        <p:spPr>
+          <a:xfrm>
+            <a:off x="1985275" y="2548660"/>
+            <a:ext cx="9053606" cy="3242539"/>
+          </a:xfrm>
+        </p:spPr>
+      </p:pic>
+    </p:spTree>
+    <p:extLst>
+      <p:ext uri="{BB962C8B-B14F-4D97-AF65-F5344CB8AC3E}">
+        <p14:creationId xmlns:p14="http://schemas.microsoft.com/office/powerpoint/2010/main" val="2896710304"/>
+      </p:ext>
+    </p:extLst>
+  </p:cSld>
+  <p:clrMapOvr>
+    <a:masterClrMapping/>
+  </p:clrMapOvr>
+</p:sld>
+</file>
+
+<file path=ppt/slides/slide13.xml><?xml version="1.0" encoding="utf-8"?>
+<p:sld xmlns:a="http://schemas.openxmlformats.org/drawingml/2006/main" xmlns:r="http://schemas.openxmlformats.org/officeDocument/2006/relationships" xmlns:p="http://schemas.openxmlformats.org/presentationml/2006/main">
+  <p:cSld>
+    <p:spTree>
+      <p:nvGrpSpPr>
+        <p:cNvPr id="1" name=""/>
+        <p:cNvGrpSpPr/>
+        <p:nvPr/>
+      </p:nvGrpSpPr>
+      <p:grpSpPr>
+        <a:xfrm>
+          <a:off x="0" y="0"/>
+          <a:ext cx="0" cy="0"/>
+          <a:chOff x="0" y="0"/>
+          <a:chExt cx="0" cy="0"/>
+        </a:xfrm>
+      </p:grpSpPr>
+      <p:sp>
+        <p:nvSpPr>
+          <p:cNvPr id="2" name="Title 1">
+            <a:extLst>
+              <a:ext uri="{FF2B5EF4-FFF2-40B4-BE49-F238E27FC236}">
+                <a16:creationId xmlns:a16="http://schemas.microsoft.com/office/drawing/2014/main" id="{5F8269A6-964B-D541-90B4-C9A90D9631C6}"/>
+              </a:ext>
+            </a:extLst>
+          </p:cNvPr>
+          <p:cNvSpPr>
+            <a:spLocks noGrp="1"/>
+          </p:cNvSpPr>
+          <p:nvPr>
+            <p:ph type="title"/>
+          </p:nvPr>
+        </p:nvSpPr>
+        <p:spPr/>
+        <p:txBody>
+          <a:bodyPr/>
+          <a:lstStyle/>
+          <a:p>
+            <a:pPr algn="ctr"/>
+            <a:r>
+              <a:rPr lang="en-US" dirty="0"/>
+              <a:t>Custom - CBOW</a:t>
+            </a:r>
+          </a:p>
+        </p:txBody>
+      </p:sp>
+      <p:sp>
+        <p:nvSpPr>
+          <p:cNvPr id="4" name="Content Placeholder 3">
+            <a:extLst>
+              <a:ext uri="{FF2B5EF4-FFF2-40B4-BE49-F238E27FC236}">
+                <a16:creationId xmlns:a16="http://schemas.microsoft.com/office/drawing/2014/main" id="{C4E3BCA3-CC79-4993-877D-C0C2F98D65CC}"/>
+              </a:ext>
+            </a:extLst>
+          </p:cNvPr>
+          <p:cNvSpPr>
+            <a:spLocks noGrp="1"/>
+          </p:cNvSpPr>
+          <p:nvPr>
+            <p:ph idx="1"/>
+          </p:nvPr>
+        </p:nvSpPr>
+        <p:spPr/>
+        <p:txBody>
+          <a:bodyPr/>
+          <a:lstStyle/>
+          <a:p>
+            <a:endParaRPr lang="en-CA"/>
+          </a:p>
+        </p:txBody>
+      </p:sp>
+      <p:pic>
+        <p:nvPicPr>
+          <p:cNvPr id="7" name="Picture 6">
+            <a:extLst>
+              <a:ext uri="{FF2B5EF4-FFF2-40B4-BE49-F238E27FC236}">
+                <a16:creationId xmlns:a16="http://schemas.microsoft.com/office/drawing/2014/main" id="{0C06CF07-2803-4E27-BFE0-12FB132E22C7}"/>
+              </a:ext>
+            </a:extLst>
+          </p:cNvPr>
+          <p:cNvPicPr>
+            <a:picLocks noChangeAspect="1"/>
+          </p:cNvPicPr>
+          <p:nvPr/>
+        </p:nvPicPr>
+        <p:blipFill>
+          <a:blip r:embed="rId2"/>
+          <a:stretch>
+            <a:fillRect/>
+          </a:stretch>
+        </p:blipFill>
+        <p:spPr>
+          <a:xfrm>
+            <a:off x="2073292" y="2338092"/>
+            <a:ext cx="8515376" cy="3760294"/>
+          </a:xfrm>
+          <a:prstGeom prst="rect">
+            <a:avLst/>
+          </a:prstGeom>
+        </p:spPr>
+      </p:pic>
+    </p:spTree>
+    <p:extLst>
+      <p:ext uri="{BB962C8B-B14F-4D97-AF65-F5344CB8AC3E}">
+        <p14:creationId xmlns:p14="http://schemas.microsoft.com/office/powerpoint/2010/main" val="3565395066"/>
+      </p:ext>
+    </p:extLst>
+  </p:cSld>
+  <p:clrMapOvr>
+    <a:masterClrMapping/>
+  </p:clrMapOvr>
+</p:sld>
+</file>
+
+<file path=ppt/slides/slide14.xml><?xml version="1.0" encoding="utf-8"?>
+<p:sld xmlns:a="http://schemas.openxmlformats.org/drawingml/2006/main" xmlns:r="http://schemas.openxmlformats.org/officeDocument/2006/relationships" xmlns:p="http://schemas.openxmlformats.org/presentationml/2006/main">
+  <p:cSld>
+    <p:spTree>
+      <p:nvGrpSpPr>
+        <p:cNvPr id="1" name=""/>
+        <p:cNvGrpSpPr/>
+        <p:nvPr/>
+      </p:nvGrpSpPr>
+      <p:grpSpPr>
+        <a:xfrm>
+          <a:off x="0" y="0"/>
+          <a:ext cx="0" cy="0"/>
+          <a:chOff x="0" y="0"/>
+          <a:chExt cx="0" cy="0"/>
+        </a:xfrm>
+      </p:grpSpPr>
+      <p:sp>
+        <p:nvSpPr>
+          <p:cNvPr id="2" name="Title 1">
+            <a:extLst>
+              <a:ext uri="{FF2B5EF4-FFF2-40B4-BE49-F238E27FC236}">
+                <a16:creationId xmlns:a16="http://schemas.microsoft.com/office/drawing/2014/main" id="{A52EDF1E-F03E-5648-A980-6074C1624DED}"/>
+              </a:ext>
+            </a:extLst>
+          </p:cNvPr>
+          <p:cNvSpPr>
+            <a:spLocks noGrp="1"/>
+          </p:cNvSpPr>
+          <p:nvPr>
+            <p:ph type="title"/>
+          </p:nvPr>
+        </p:nvSpPr>
+        <p:spPr/>
+        <p:txBody>
+          <a:bodyPr/>
+          <a:lstStyle/>
+          <a:p>
+            <a:pPr algn="ctr"/>
+            <a:r>
+              <a:rPr lang="en-US" dirty="0"/>
+              <a:t>Feature selection – True Positive Rate</a:t>
+            </a:r>
+          </a:p>
+        </p:txBody>
+      </p:sp>
+      <p:graphicFrame>
+        <p:nvGraphicFramePr>
+          <p:cNvPr id="4" name="Content Placeholder 3">
+            <a:extLst>
+              <a:ext uri="{FF2B5EF4-FFF2-40B4-BE49-F238E27FC236}">
+                <a16:creationId xmlns:a16="http://schemas.microsoft.com/office/drawing/2014/main" id="{D5E8D1C9-7559-C349-BF66-9C5266BEBD30}"/>
+              </a:ext>
+            </a:extLst>
+          </p:cNvPr>
+          <p:cNvGraphicFramePr>
+            <a:graphicFrameLocks noGrp="1"/>
+          </p:cNvGraphicFramePr>
+          <p:nvPr>
+            <p:ph idx="1"/>
+            <p:extLst>
+              <p:ext uri="{D42A27DB-BD31-4B8C-83A1-F6EECF244321}">
+                <p14:modId xmlns:p14="http://schemas.microsoft.com/office/powerpoint/2010/main" val="3385624440"/>
+              </p:ext>
+            </p:extLst>
+          </p:nvPr>
+        </p:nvGraphicFramePr>
+        <p:xfrm>
+          <a:off x="793708" y="2097088"/>
+          <a:ext cx="10601408" cy="4199438"/>
+        </p:xfrm>
+        <a:graphic>
+          <a:graphicData uri="http://schemas.openxmlformats.org/drawingml/2006/chart">
+            <c:chart xmlns:c="http://schemas.openxmlformats.org/drawingml/2006/chart" xmlns:r="http://schemas.openxmlformats.org/officeDocument/2006/relationships" r:id="rId2"/>
+          </a:graphicData>
+        </a:graphic>
+      </p:graphicFrame>
+    </p:spTree>
+    <p:extLst>
+      <p:ext uri="{BB962C8B-B14F-4D97-AF65-F5344CB8AC3E}">
+        <p14:creationId xmlns:p14="http://schemas.microsoft.com/office/powerpoint/2010/main" val="868540217"/>
+      </p:ext>
+    </p:extLst>
+  </p:cSld>
+  <p:clrMapOvr>
+    <a:masterClrMapping/>
+  </p:clrMapOvr>
+</p:sld>
+</file>
+
+<file path=ppt/slides/slide15.xml><?xml version="1.0" encoding="utf-8"?>
+<p:sld xmlns:a="http://schemas.openxmlformats.org/drawingml/2006/main" xmlns:r="http://schemas.openxmlformats.org/officeDocument/2006/relationships" xmlns:p="http://schemas.openxmlformats.org/presentationml/2006/main">
+  <p:cSld>
+    <p:spTree>
+      <p:nvGrpSpPr>
+        <p:cNvPr id="1" name=""/>
+        <p:cNvGrpSpPr/>
+        <p:nvPr/>
+      </p:nvGrpSpPr>
+      <p:grpSpPr>
+        <a:xfrm>
+          <a:off x="0" y="0"/>
+          <a:ext cx="0" cy="0"/>
+          <a:chOff x="0" y="0"/>
+          <a:chExt cx="0" cy="0"/>
+        </a:xfrm>
+      </p:grpSpPr>
+      <p:sp>
+        <p:nvSpPr>
+          <p:cNvPr id="2" name="Title 1">
+            <a:extLst>
+              <a:ext uri="{FF2B5EF4-FFF2-40B4-BE49-F238E27FC236}">
+                <a16:creationId xmlns:a16="http://schemas.microsoft.com/office/drawing/2014/main" id="{FF720207-9CC4-F54E-A05F-EDFCF0C91252}"/>
+              </a:ext>
+            </a:extLst>
+          </p:cNvPr>
+          <p:cNvSpPr>
+            <a:spLocks noGrp="1"/>
+          </p:cNvSpPr>
+          <p:nvPr>
+            <p:ph type="title"/>
+          </p:nvPr>
+        </p:nvSpPr>
+        <p:spPr/>
+        <p:txBody>
+          <a:bodyPr/>
+          <a:lstStyle/>
+          <a:p>
+            <a:r>
+              <a:rPr lang="en-US" dirty="0"/>
+              <a:t>Best model – logistic regression on </a:t>
+            </a:r>
+            <a:r>
+              <a:rPr lang="en-US" dirty="0" err="1"/>
+              <a:t>tf-idf</a:t>
+            </a:r>
+            <a:endParaRPr lang="en-US" dirty="0"/>
+          </a:p>
+        </p:txBody>
+      </p:sp>
+      <p:pic>
+        <p:nvPicPr>
+          <p:cNvPr id="5" name="Content Placeholder 4">
+            <a:extLst>
+              <a:ext uri="{FF2B5EF4-FFF2-40B4-BE49-F238E27FC236}">
+                <a16:creationId xmlns:a16="http://schemas.microsoft.com/office/drawing/2014/main" id="{BABF2169-5F4F-734A-954A-82522013BE38}"/>
+              </a:ext>
+            </a:extLst>
+          </p:cNvPr>
+          <p:cNvPicPr>
+            <a:picLocks noGrp="1" noChangeAspect="1"/>
+          </p:cNvPicPr>
+          <p:nvPr>
+            <p:ph idx="1"/>
+          </p:nvPr>
+        </p:nvPicPr>
+        <p:blipFill>
+          <a:blip r:embed="rId2"/>
+          <a:stretch>
+            <a:fillRect/>
+          </a:stretch>
+        </p:blipFill>
+        <p:spPr>
+          <a:xfrm>
+            <a:off x="2339770" y="2502568"/>
+            <a:ext cx="7509283" cy="2304173"/>
+          </a:xfrm>
+        </p:spPr>
+      </p:pic>
+    </p:spTree>
+    <p:extLst>
+      <p:ext uri="{BB962C8B-B14F-4D97-AF65-F5344CB8AC3E}">
+        <p14:creationId xmlns:p14="http://schemas.microsoft.com/office/powerpoint/2010/main" val="1324802324"/>
+      </p:ext>
+    </p:extLst>
+  </p:cSld>
+  <p:clrMapOvr>
+    <a:masterClrMapping/>
+  </p:clrMapOvr>
+</p:sld>
+</file>
+
+<file path=ppt/slides/slide16.xml><?xml version="1.0" encoding="utf-8"?>
+<p:sld xmlns:a="http://schemas.openxmlformats.org/drawingml/2006/main" xmlns:r="http://schemas.openxmlformats.org/officeDocument/2006/relationships" xmlns:p="http://schemas.openxmlformats.org/presentationml/2006/main">
+  <p:cSld>
+    <p:spTree>
+      <p:nvGrpSpPr>
+        <p:cNvPr id="1" name=""/>
+        <p:cNvGrpSpPr/>
+        <p:nvPr/>
+      </p:nvGrpSpPr>
+      <p:grpSpPr>
+        <a:xfrm>
+          <a:off x="0" y="0"/>
+          <a:ext cx="0" cy="0"/>
+          <a:chOff x="0" y="0"/>
+          <a:chExt cx="0" cy="0"/>
+        </a:xfrm>
+      </p:grpSpPr>
+      <p:sp>
+        <p:nvSpPr>
+          <p:cNvPr id="2" name="Title 1">
+            <a:extLst>
+              <a:ext uri="{FF2B5EF4-FFF2-40B4-BE49-F238E27FC236}">
+                <a16:creationId xmlns:a16="http://schemas.microsoft.com/office/drawing/2014/main" id="{48B1E2D5-B89A-C54F-867B-3D724F9D32A1}"/>
+              </a:ext>
+            </a:extLst>
+          </p:cNvPr>
+          <p:cNvSpPr>
+            <a:spLocks noGrp="1"/>
+          </p:cNvSpPr>
+          <p:nvPr>
+            <p:ph type="title"/>
+          </p:nvPr>
+        </p:nvSpPr>
+        <p:spPr/>
+        <p:txBody>
+          <a:bodyPr/>
+          <a:lstStyle/>
+          <a:p>
+            <a:pPr algn="ctr"/>
+            <a:r>
+              <a:rPr lang="en-US" dirty="0"/>
+              <a:t>Feature importance</a:t>
+            </a:r>
+            <a:br>
+              <a:rPr lang="en-US" dirty="0"/>
+            </a:br>
+            <a:r>
+              <a:rPr lang="en-US" dirty="0" err="1"/>
+              <a:t>tf-idf</a:t>
+            </a:r>
+            <a:r>
+              <a:rPr lang="en-US" dirty="0"/>
+              <a:t> – Logistic regression</a:t>
+            </a:r>
+          </a:p>
+        </p:txBody>
+      </p:sp>
+      <p:pic>
+        <p:nvPicPr>
+          <p:cNvPr id="5" name="Content Placeholder 4">
+            <a:extLst>
+              <a:ext uri="{FF2B5EF4-FFF2-40B4-BE49-F238E27FC236}">
+                <a16:creationId xmlns:a16="http://schemas.microsoft.com/office/drawing/2014/main" id="{1781EE97-EE8D-AD4E-8F8E-C66295442650}"/>
+              </a:ext>
+            </a:extLst>
+          </p:cNvPr>
+          <p:cNvPicPr>
+            <a:picLocks noGrp="1" noChangeAspect="1"/>
+          </p:cNvPicPr>
+          <p:nvPr>
+            <p:ph idx="1"/>
+          </p:nvPr>
+        </p:nvPicPr>
+        <p:blipFill rotWithShape="1">
+          <a:blip r:embed="rId2"/>
+          <a:srcRect l="-931" t="-245" r="-931" b="47923"/>
+          <a:stretch/>
+        </p:blipFill>
+        <p:spPr>
+          <a:xfrm>
+            <a:off x="3425268" y="2097088"/>
+            <a:ext cx="2669144" cy="4289228"/>
+          </a:xfrm>
+        </p:spPr>
+      </p:pic>
+      <p:pic>
+        <p:nvPicPr>
+          <p:cNvPr id="7" name="Picture 6">
+            <a:extLst>
+              <a:ext uri="{FF2B5EF4-FFF2-40B4-BE49-F238E27FC236}">
+                <a16:creationId xmlns:a16="http://schemas.microsoft.com/office/drawing/2014/main" id="{1EE55D8C-0E46-C240-AF8F-3D5E2386B0BC}"/>
+              </a:ext>
+            </a:extLst>
+          </p:cNvPr>
+          <p:cNvPicPr>
+            <a:picLocks noChangeAspect="1"/>
+          </p:cNvPicPr>
+          <p:nvPr/>
+        </p:nvPicPr>
+        <p:blipFill rotWithShape="1">
+          <a:blip r:embed="rId2"/>
+          <a:srcRect l="-1" t="51930" r="3164"/>
+          <a:stretch/>
+        </p:blipFill>
+        <p:spPr>
+          <a:xfrm>
+            <a:off x="6094412" y="2438400"/>
+            <a:ext cx="2542106" cy="3947916"/>
+          </a:xfrm>
+          <a:prstGeom prst="rect">
+            <a:avLst/>
+          </a:prstGeom>
+        </p:spPr>
+      </p:pic>
+    </p:spTree>
+    <p:extLst>
+      <p:ext uri="{BB962C8B-B14F-4D97-AF65-F5344CB8AC3E}">
+        <p14:creationId xmlns:p14="http://schemas.microsoft.com/office/powerpoint/2010/main" val="2071327830"/>
+      </p:ext>
+    </p:extLst>
+  </p:cSld>
+  <p:clrMapOvr>
+    <a:masterClrMapping/>
+  </p:clrMapOvr>
+</p:sld>
+</file>
+
+<file path=ppt/slides/slide17.xml><?xml version="1.0" encoding="utf-8"?>
+<p:sld xmlns:a="http://schemas.openxmlformats.org/drawingml/2006/main" xmlns:r="http://schemas.openxmlformats.org/officeDocument/2006/relationships" xmlns:p="http://schemas.openxmlformats.org/presentationml/2006/main">
+  <p:cSld>
+    <p:spTree>
+      <p:nvGrpSpPr>
+        <p:cNvPr id="1" name=""/>
+        <p:cNvGrpSpPr/>
+        <p:nvPr/>
+      </p:nvGrpSpPr>
+      <p:grpSpPr>
+        <a:xfrm>
+          <a:off x="0" y="0"/>
+          <a:ext cx="0" cy="0"/>
+          <a:chOff x="0" y="0"/>
+          <a:chExt cx="0" cy="0"/>
+        </a:xfrm>
+      </p:grpSpPr>
+      <p:sp>
+        <p:nvSpPr>
+          <p:cNvPr id="2" name="Title 1">
+            <a:extLst>
+              <a:ext uri="{FF2B5EF4-FFF2-40B4-BE49-F238E27FC236}">
+                <a16:creationId xmlns:a16="http://schemas.microsoft.com/office/drawing/2014/main" id="{1C91BE0F-7A0F-7743-8A1A-7EB08A0E366C}"/>
+              </a:ext>
+            </a:extLst>
+          </p:cNvPr>
+          <p:cNvSpPr>
+            <a:spLocks noGrp="1"/>
+          </p:cNvSpPr>
+          <p:nvPr>
+            <p:ph type="title"/>
+          </p:nvPr>
+        </p:nvSpPr>
+        <p:spPr/>
+        <p:txBody>
+          <a:bodyPr/>
+          <a:lstStyle/>
+          <a:p>
+            <a:pPr algn="ctr"/>
+            <a:r>
+              <a:rPr lang="en-US" dirty="0"/>
+              <a:t>Feature importance</a:t>
+            </a:r>
+            <a:br>
+              <a:rPr lang="en-US" dirty="0"/>
+            </a:br>
+            <a:r>
+              <a:rPr lang="en-US" dirty="0" err="1"/>
+              <a:t>tf-idf</a:t>
+            </a:r>
+            <a:r>
+              <a:rPr lang="en-US" dirty="0"/>
+              <a:t> – Decision tree</a:t>
+            </a:r>
+          </a:p>
+        </p:txBody>
+      </p:sp>
+      <p:pic>
+        <p:nvPicPr>
+          <p:cNvPr id="5" name="Content Placeholder 4">
+            <a:extLst>
+              <a:ext uri="{FF2B5EF4-FFF2-40B4-BE49-F238E27FC236}">
+                <a16:creationId xmlns:a16="http://schemas.microsoft.com/office/drawing/2014/main" id="{0D1CDF21-4985-2949-BAE2-C24BCA838511}"/>
+              </a:ext>
+            </a:extLst>
+          </p:cNvPr>
+          <p:cNvPicPr>
+            <a:picLocks noGrp="1" noChangeAspect="1"/>
+          </p:cNvPicPr>
+          <p:nvPr>
+            <p:ph idx="1"/>
+          </p:nvPr>
+        </p:nvPicPr>
+        <p:blipFill rotWithShape="1">
+          <a:blip r:embed="rId2"/>
+          <a:srcRect l="-1334" t="-59" r="525" b="48383"/>
+          <a:stretch/>
+        </p:blipFill>
+        <p:spPr>
+          <a:xfrm>
+            <a:off x="3271001" y="2097088"/>
+            <a:ext cx="2823411" cy="3814409"/>
+          </a:xfrm>
+        </p:spPr>
+      </p:pic>
+      <p:pic>
+        <p:nvPicPr>
+          <p:cNvPr id="6" name="Content Placeholder 4">
+            <a:extLst>
+              <a:ext uri="{FF2B5EF4-FFF2-40B4-BE49-F238E27FC236}">
+                <a16:creationId xmlns:a16="http://schemas.microsoft.com/office/drawing/2014/main" id="{75CAD44B-753A-2940-A4F9-55410AC060A9}"/>
+              </a:ext>
+            </a:extLst>
+          </p:cNvPr>
+          <p:cNvPicPr>
+            <a:picLocks noChangeAspect="1"/>
+          </p:cNvPicPr>
+          <p:nvPr/>
+        </p:nvPicPr>
+        <p:blipFill rotWithShape="1">
+          <a:blip r:embed="rId2"/>
+          <a:srcRect t="51856" r="917"/>
+          <a:stretch/>
+        </p:blipFill>
+        <p:spPr>
+          <a:xfrm>
+            <a:off x="6094412" y="2406315"/>
+            <a:ext cx="2737190" cy="3505182"/>
+          </a:xfrm>
+          <a:prstGeom prst="rect">
+            <a:avLst/>
+          </a:prstGeom>
+        </p:spPr>
+      </p:pic>
+    </p:spTree>
+    <p:extLst>
+      <p:ext uri="{BB962C8B-B14F-4D97-AF65-F5344CB8AC3E}">
+        <p14:creationId xmlns:p14="http://schemas.microsoft.com/office/powerpoint/2010/main" val="4229595256"/>
+      </p:ext>
+    </p:extLst>
+  </p:cSld>
+  <p:clrMapOvr>
+    <a:masterClrMapping/>
+  </p:clrMapOvr>
+</p:sld>
+</file>
+
+<file path=ppt/slides/slide18.xml><?xml version="1.0" encoding="utf-8"?>
+<p:sld xmlns:a="http://schemas.openxmlformats.org/drawingml/2006/main" xmlns:r="http://schemas.openxmlformats.org/officeDocument/2006/relationships" xmlns:p="http://schemas.openxmlformats.org/presentationml/2006/main">
+  <p:cSld>
+    <p:spTree>
+      <p:nvGrpSpPr>
+        <p:cNvPr id="1" name=""/>
+        <p:cNvGrpSpPr/>
+        <p:nvPr/>
+      </p:nvGrpSpPr>
+      <p:grpSpPr>
+        <a:xfrm>
+          <a:off x="0" y="0"/>
+          <a:ext cx="0" cy="0"/>
+          <a:chOff x="0" y="0"/>
+          <a:chExt cx="0" cy="0"/>
+        </a:xfrm>
+      </p:grpSpPr>
+      <p:sp>
+        <p:nvSpPr>
+          <p:cNvPr id="2" name="Title 1">
+            <a:extLst>
+              <a:ext uri="{FF2B5EF4-FFF2-40B4-BE49-F238E27FC236}">
+                <a16:creationId xmlns:a16="http://schemas.microsoft.com/office/drawing/2014/main" id="{71703F08-3627-4593-BD85-F9DBB5261F84}"/>
+              </a:ext>
+            </a:extLst>
+          </p:cNvPr>
+          <p:cNvSpPr>
+            <a:spLocks noGrp="1"/>
+          </p:cNvSpPr>
+          <p:nvPr>
+            <p:ph type="title"/>
+          </p:nvPr>
+        </p:nvSpPr>
+        <p:spPr/>
+        <p:txBody>
+          <a:bodyPr/>
+          <a:lstStyle/>
+          <a:p>
+            <a:r>
+              <a:rPr lang="en-CA" dirty="0"/>
+              <a:t>SIMILAR WORDS (from feature importance)</a:t>
+            </a:r>
+          </a:p>
+        </p:txBody>
+      </p:sp>
+      <p:sp>
+        <p:nvSpPr>
+          <p:cNvPr id="6" name="Content Placeholder 5">
+            <a:extLst>
+              <a:ext uri="{FF2B5EF4-FFF2-40B4-BE49-F238E27FC236}">
+                <a16:creationId xmlns:a16="http://schemas.microsoft.com/office/drawing/2014/main" id="{A9E910F9-BFED-4F83-AEF2-FEC5D365D3AF}"/>
+              </a:ext>
+            </a:extLst>
+          </p:cNvPr>
+          <p:cNvSpPr>
+            <a:spLocks noGrp="1"/>
+          </p:cNvSpPr>
+          <p:nvPr>
+            <p:ph sz="half" idx="1"/>
+          </p:nvPr>
+        </p:nvSpPr>
+        <p:spPr/>
+        <p:txBody>
+          <a:bodyPr/>
+          <a:lstStyle/>
+          <a:p>
+            <a:r>
+              <a:rPr lang="en-CA" dirty="0"/>
+              <a:t>WORD2VEC</a:t>
+            </a:r>
+          </a:p>
+        </p:txBody>
+      </p:sp>
+      <p:sp>
+        <p:nvSpPr>
+          <p:cNvPr id="7" name="Content Placeholder 6">
+            <a:extLst>
+              <a:ext uri="{FF2B5EF4-FFF2-40B4-BE49-F238E27FC236}">
+                <a16:creationId xmlns:a16="http://schemas.microsoft.com/office/drawing/2014/main" id="{D2AA0B41-0676-40ED-B362-BF17A9AC1574}"/>
+              </a:ext>
+            </a:extLst>
+          </p:cNvPr>
+          <p:cNvSpPr>
+            <a:spLocks noGrp="1"/>
+          </p:cNvSpPr>
+          <p:nvPr>
+            <p:ph sz="half" idx="2"/>
+          </p:nvPr>
+        </p:nvSpPr>
+        <p:spPr/>
+        <p:txBody>
+          <a:bodyPr/>
+          <a:lstStyle/>
+          <a:p>
+            <a:r>
+              <a:rPr lang="en-CA" dirty="0"/>
+              <a:t>CUSTOM-TRAINED</a:t>
+            </a:r>
+          </a:p>
+        </p:txBody>
+      </p:sp>
+      <p:pic>
+        <p:nvPicPr>
+          <p:cNvPr id="13" name="Picture 12">
+            <a:extLst>
+              <a:ext uri="{FF2B5EF4-FFF2-40B4-BE49-F238E27FC236}">
+                <a16:creationId xmlns:a16="http://schemas.microsoft.com/office/drawing/2014/main" id="{180C9924-F578-430A-9BD8-344BC87903FD}"/>
+              </a:ext>
+            </a:extLst>
+          </p:cNvPr>
+          <p:cNvPicPr>
+            <a:picLocks noChangeAspect="1"/>
+          </p:cNvPicPr>
+          <p:nvPr/>
+        </p:nvPicPr>
+        <p:blipFill>
+          <a:blip r:embed="rId2"/>
+          <a:stretch>
+            <a:fillRect/>
+          </a:stretch>
+        </p:blipFill>
+        <p:spPr>
+          <a:xfrm>
+            <a:off x="243793" y="3046370"/>
+            <a:ext cx="5594676" cy="2617693"/>
+          </a:xfrm>
+          <a:prstGeom prst="rect">
+            <a:avLst/>
+          </a:prstGeom>
+        </p:spPr>
+      </p:pic>
+      <p:pic>
+        <p:nvPicPr>
+          <p:cNvPr id="17" name="Picture 16">
+            <a:extLst>
+              <a:ext uri="{FF2B5EF4-FFF2-40B4-BE49-F238E27FC236}">
+                <a16:creationId xmlns:a16="http://schemas.microsoft.com/office/drawing/2014/main" id="{291475B1-D0B0-400F-85F7-FDDD9E461FC9}"/>
+              </a:ext>
+            </a:extLst>
+          </p:cNvPr>
+          <p:cNvPicPr>
+            <a:picLocks noChangeAspect="1"/>
+          </p:cNvPicPr>
+          <p:nvPr/>
+        </p:nvPicPr>
+        <p:blipFill>
+          <a:blip r:embed="rId3"/>
+          <a:stretch>
+            <a:fillRect/>
+          </a:stretch>
+        </p:blipFill>
+        <p:spPr>
+          <a:xfrm>
+            <a:off x="6327451" y="2981894"/>
+            <a:ext cx="5212570" cy="2746643"/>
+          </a:xfrm>
+          <a:prstGeom prst="rect">
+            <a:avLst/>
+          </a:prstGeom>
+        </p:spPr>
+      </p:pic>
+    </p:spTree>
+    <p:extLst>
+      <p:ext uri="{BB962C8B-B14F-4D97-AF65-F5344CB8AC3E}">
+        <p14:creationId xmlns:p14="http://schemas.microsoft.com/office/powerpoint/2010/main" val="3388006509"/>
+      </p:ext>
+    </p:extLst>
+  </p:cSld>
+  <p:clrMapOvr>
+    <a:masterClrMapping/>
+  </p:clrMapOvr>
+</p:sld>
+</file>
+
+<file path=ppt/slides/slide19.xml><?xml version="1.0" encoding="utf-8"?>
+<p:sld xmlns:a="http://schemas.openxmlformats.org/drawingml/2006/main" xmlns:r="http://schemas.openxmlformats.org/officeDocument/2006/relationships" xmlns:p="http://schemas.openxmlformats.org/presentationml/2006/main">
+  <p:cSld>
+    <p:spTree>
+      <p:nvGrpSpPr>
+        <p:cNvPr id="1" name=""/>
+        <p:cNvGrpSpPr/>
+        <p:nvPr/>
+      </p:nvGrpSpPr>
+      <p:grpSpPr>
+        <a:xfrm>
+          <a:off x="0" y="0"/>
+          <a:ext cx="0" cy="0"/>
+          <a:chOff x="0" y="0"/>
+          <a:chExt cx="0" cy="0"/>
+        </a:xfrm>
+      </p:grpSpPr>
+      <p:pic>
+        <p:nvPicPr>
+          <p:cNvPr id="1026" name="Picture 2">
+            <a:extLst>
+              <a:ext uri="{FF2B5EF4-FFF2-40B4-BE49-F238E27FC236}">
+                <a16:creationId xmlns:a16="http://schemas.microsoft.com/office/drawing/2014/main" id="{DE85448B-218A-441B-83E4-7E3AB6F282C0}"/>
+              </a:ext>
+            </a:extLst>
+          </p:cNvPr>
+          <p:cNvPicPr>
+            <a:picLocks noGrp="1" noChangeAspect="1" noChangeArrowheads="1"/>
+          </p:cNvPicPr>
+          <p:nvPr>
+            <p:ph sz="half" idx="2"/>
+          </p:nvPr>
+        </p:nvPicPr>
+        <p:blipFill>
+          <a:blip r:embed="rId2">
+            <a:extLst>
+              <a:ext uri="{28A0092B-C50C-407E-A947-70E740481C1C}">
+                <a14:useLocalDpi xmlns:a14="http://schemas.microsoft.com/office/drawing/2010/main" val="0"/>
+              </a:ext>
+            </a:extLst>
+          </a:blip>
+          <a:stretch>
+            <a:fillRect/>
+          </a:stretch>
+        </p:blipFill>
+        <p:spPr bwMode="auto">
+          <a:xfrm>
+            <a:off x="-144031" y="57689"/>
+            <a:ext cx="7560476" cy="3423989"/>
+          </a:xfrm>
+          <a:prstGeom prst="rect">
+            <a:avLst/>
+          </a:prstGeom>
+          <a:noFill/>
+          <a:extLst>
+            <a:ext uri="{909E8E84-426E-40DD-AFC4-6F175D3DCCD1}">
+              <a14:hiddenFill xmlns:a14="http://schemas.microsoft.com/office/drawing/2010/main">
+                <a:solidFill>
+                  <a:srgbClr val="FFFFFF"/>
+                </a:solidFill>
+              </a14:hiddenFill>
+            </a:ext>
+          </a:extLst>
+        </p:spPr>
+      </p:pic>
+      <p:sp>
+        <p:nvSpPr>
+          <p:cNvPr id="8" name="Title 7">
+            <a:extLst>
+              <a:ext uri="{FF2B5EF4-FFF2-40B4-BE49-F238E27FC236}">
+                <a16:creationId xmlns:a16="http://schemas.microsoft.com/office/drawing/2014/main" id="{D691C9CB-A11C-4A9F-BEA0-AACAC60FE7E6}"/>
+              </a:ext>
+            </a:extLst>
+          </p:cNvPr>
+          <p:cNvSpPr>
+            <a:spLocks noGrp="1"/>
+          </p:cNvSpPr>
+          <p:nvPr>
+            <p:ph type="title"/>
+          </p:nvPr>
+        </p:nvSpPr>
+        <p:spPr/>
+        <p:txBody>
+          <a:bodyPr/>
+          <a:lstStyle/>
+          <a:p>
+            <a:r>
+              <a:rPr lang="en-CA" dirty="0"/>
+              <a:t>PCA</a:t>
+            </a:r>
+          </a:p>
+        </p:txBody>
+      </p:sp>
+      <p:sp>
+        <p:nvSpPr>
+          <p:cNvPr id="9" name="Text Placeholder 8">
+            <a:extLst>
+              <a:ext uri="{FF2B5EF4-FFF2-40B4-BE49-F238E27FC236}">
+                <a16:creationId xmlns:a16="http://schemas.microsoft.com/office/drawing/2014/main" id="{94B0A426-0C5F-41C1-B575-1204E830E9C7}"/>
+              </a:ext>
+            </a:extLst>
+          </p:cNvPr>
+          <p:cNvSpPr>
+            <a:spLocks noGrp="1"/>
+          </p:cNvSpPr>
+          <p:nvPr>
+            <p:ph type="body" idx="1"/>
+          </p:nvPr>
+        </p:nvSpPr>
+        <p:spPr>
+          <a:xfrm>
+            <a:off x="1141411" y="1349374"/>
+            <a:ext cx="4649783" cy="823912"/>
+          </a:xfrm>
+        </p:spPr>
+        <p:txBody>
+          <a:bodyPr/>
+          <a:lstStyle/>
+          <a:p>
+            <a:r>
+              <a:rPr lang="en-CA" dirty="0"/>
+              <a:t>Word2vec</a:t>
+            </a:r>
+          </a:p>
+        </p:txBody>
+      </p:sp>
+      <p:sp>
+        <p:nvSpPr>
+          <p:cNvPr id="10" name="Text Placeholder 9">
+            <a:extLst>
+              <a:ext uri="{FF2B5EF4-FFF2-40B4-BE49-F238E27FC236}">
+                <a16:creationId xmlns:a16="http://schemas.microsoft.com/office/drawing/2014/main" id="{B1A2E0E5-89D6-4649-9A87-F20F9D180359}"/>
+              </a:ext>
+            </a:extLst>
+          </p:cNvPr>
+          <p:cNvSpPr>
+            <a:spLocks noGrp="1"/>
+          </p:cNvSpPr>
+          <p:nvPr>
+            <p:ph type="body" sz="quarter" idx="3"/>
+          </p:nvPr>
+        </p:nvSpPr>
+        <p:spPr>
+          <a:xfrm>
+            <a:off x="7479449" y="1068240"/>
+            <a:ext cx="4646602" cy="823912"/>
+          </a:xfrm>
+        </p:spPr>
+        <p:txBody>
+          <a:bodyPr/>
+          <a:lstStyle/>
+          <a:p>
+            <a:r>
+              <a:rPr lang="en-CA" dirty="0"/>
+              <a:t>Word2vec</a:t>
+            </a:r>
+          </a:p>
+        </p:txBody>
+      </p:sp>
+      <p:pic>
+        <p:nvPicPr>
+          <p:cNvPr id="1028" name="Picture 4">
+            <a:extLst>
+              <a:ext uri="{FF2B5EF4-FFF2-40B4-BE49-F238E27FC236}">
+                <a16:creationId xmlns:a16="http://schemas.microsoft.com/office/drawing/2014/main" id="{359AD0FA-900F-40C6-AD08-B5DDED1D0B1B}"/>
+              </a:ext>
+            </a:extLst>
+          </p:cNvPr>
+          <p:cNvPicPr>
+            <a:picLocks noGrp="1" noChangeAspect="1" noChangeArrowheads="1"/>
+          </p:cNvPicPr>
+          <p:nvPr>
+            <p:ph sz="quarter" idx="4"/>
+          </p:nvPr>
+        </p:nvPicPr>
+        <p:blipFill>
+          <a:blip r:embed="rId3">
+            <a:extLst>
+              <a:ext uri="{28A0092B-C50C-407E-A947-70E740481C1C}">
+                <a14:useLocalDpi xmlns:a14="http://schemas.microsoft.com/office/drawing/2010/main" val="0"/>
+              </a:ext>
+            </a:extLst>
+          </a:blip>
+          <a:stretch>
+            <a:fillRect/>
+          </a:stretch>
+        </p:blipFill>
+        <p:spPr bwMode="auto">
+          <a:xfrm>
+            <a:off x="-174813" y="3314843"/>
+            <a:ext cx="7793183" cy="3466896"/>
+          </a:xfrm>
+          <a:prstGeom prst="rect">
+            <a:avLst/>
+          </a:prstGeom>
+          <a:noFill/>
+          <a:extLst>
+            <a:ext uri="{909E8E84-426E-40DD-AFC4-6F175D3DCCD1}">
+              <a14:hiddenFill xmlns:a14="http://schemas.microsoft.com/office/drawing/2010/main">
+                <a:solidFill>
+                  <a:srgbClr val="FFFFFF"/>
+                </a:solidFill>
+              </a14:hiddenFill>
+            </a:ext>
+          </a:extLst>
+        </p:spPr>
+      </p:pic>
+      <p:sp>
+        <p:nvSpPr>
+          <p:cNvPr id="13" name="Text Placeholder 9">
+            <a:extLst>
+              <a:ext uri="{FF2B5EF4-FFF2-40B4-BE49-F238E27FC236}">
+                <a16:creationId xmlns:a16="http://schemas.microsoft.com/office/drawing/2014/main" id="{91C63B9A-F06B-4C51-9E16-392087A46797}"/>
+              </a:ext>
+            </a:extLst>
+          </p:cNvPr>
+          <p:cNvSpPr txBox="1">
+            <a:spLocks/>
+          </p:cNvSpPr>
+          <p:nvPr/>
+        </p:nvSpPr>
+        <p:spPr>
+          <a:xfrm>
+            <a:off x="7479449" y="3943539"/>
+            <a:ext cx="4646602" cy="823912"/>
+          </a:xfrm>
+          <a:prstGeom prst="rect">
+            <a:avLst/>
+          </a:prstGeom>
+        </p:spPr>
+        <p:txBody>
+          <a:bodyPr vert="horz" lIns="91440" tIns="45720" rIns="91440" bIns="45720" rtlCol="0" anchor="b">
+            <a:normAutofit/>
+          </a:bodyPr>
+          <a:lstStyle>
+            <a:lvl1pPr marL="0" indent="0" algn="l" defTabSz="914400" rtl="0" eaLnBrk="1" latinLnBrk="0" hangingPunct="1">
+              <a:lnSpc>
+                <a:spcPct val="90000"/>
+              </a:lnSpc>
+              <a:spcBef>
+                <a:spcPts val="1000"/>
+              </a:spcBef>
+              <a:buSzPct val="125000"/>
+              <a:buFont typeface="Arial" panose="020B0604020202020204" pitchFamily="34" charset="0"/>
+              <a:buNone/>
+              <a:defRPr sz="2400" b="0" kern="1200" cap="all" baseline="0">
+                <a:solidFill>
+                  <a:schemeClr val="tx1"/>
+                </a:solidFill>
+                <a:latin typeface="+mn-lt"/>
+                <a:ea typeface="+mn-ea"/>
+                <a:cs typeface="+mn-cs"/>
+              </a:defRPr>
+            </a:lvl1pPr>
+            <a:lvl2pPr marL="457200" indent="0" algn="l" defTabSz="914400" rtl="0" eaLnBrk="1" latinLnBrk="0" hangingPunct="1">
+              <a:lnSpc>
+                <a:spcPct val="120000"/>
+              </a:lnSpc>
+              <a:spcBef>
+                <a:spcPts val="500"/>
+              </a:spcBef>
+              <a:buSzPct val="125000"/>
+              <a:buFont typeface="Arial" panose="020B0604020202020204" pitchFamily="34" charset="0"/>
+              <a:buNone/>
+              <a:defRPr sz="2000" b="1" kern="1200">
+                <a:solidFill>
+                  <a:schemeClr val="tx1"/>
+                </a:solidFill>
+                <a:latin typeface="+mn-lt"/>
+                <a:ea typeface="+mn-ea"/>
+                <a:cs typeface="+mn-cs"/>
+              </a:defRPr>
+            </a:lvl2pPr>
+            <a:lvl3pPr marL="914400" indent="0" algn="l" defTabSz="914400" rtl="0" eaLnBrk="1" latinLnBrk="0" hangingPunct="1">
+              <a:lnSpc>
+                <a:spcPct val="120000"/>
+              </a:lnSpc>
+              <a:spcBef>
+                <a:spcPts val="500"/>
+              </a:spcBef>
+              <a:buSzPct val="125000"/>
+              <a:buFont typeface="Arial" panose="020B0604020202020204" pitchFamily="34" charset="0"/>
+              <a:buNone/>
+              <a:defRPr sz="1800" b="1" kern="1200">
+                <a:solidFill>
+                  <a:schemeClr val="tx1"/>
+                </a:solidFill>
+                <a:latin typeface="+mn-lt"/>
+                <a:ea typeface="+mn-ea"/>
+                <a:cs typeface="+mn-cs"/>
+              </a:defRPr>
+            </a:lvl3pPr>
+            <a:lvl4pPr marL="1371600" indent="0" algn="l" defTabSz="914400" rtl="0" eaLnBrk="1" latinLnBrk="0" hangingPunct="1">
+              <a:lnSpc>
+                <a:spcPct val="120000"/>
+              </a:lnSpc>
+              <a:spcBef>
+                <a:spcPts val="500"/>
+              </a:spcBef>
+              <a:buSzPct val="125000"/>
+              <a:buFont typeface="Arial" panose="020B0604020202020204" pitchFamily="34" charset="0"/>
+              <a:buNone/>
+              <a:defRPr sz="1600" b="1" kern="1200">
+                <a:solidFill>
+                  <a:schemeClr val="tx1"/>
+                </a:solidFill>
+                <a:latin typeface="+mn-lt"/>
+                <a:ea typeface="+mn-ea"/>
+                <a:cs typeface="+mn-cs"/>
+              </a:defRPr>
+            </a:lvl4pPr>
+            <a:lvl5pPr marL="1828800" indent="0" algn="l" defTabSz="914400" rtl="0" eaLnBrk="1" latinLnBrk="0" hangingPunct="1">
+              <a:lnSpc>
+                <a:spcPct val="120000"/>
+              </a:lnSpc>
+              <a:spcBef>
+                <a:spcPts val="500"/>
+              </a:spcBef>
+              <a:buSzPct val="125000"/>
+              <a:buFont typeface="Arial" panose="020B0604020202020204" pitchFamily="34" charset="0"/>
+              <a:buNone/>
+              <a:defRPr sz="1600" b="1" kern="1200">
+                <a:solidFill>
+                  <a:schemeClr val="tx1"/>
+                </a:solidFill>
+                <a:latin typeface="+mn-lt"/>
+                <a:ea typeface="+mn-ea"/>
+                <a:cs typeface="+mn-cs"/>
+              </a:defRPr>
+            </a:lvl5pPr>
+            <a:lvl6pPr marL="2286000" indent="0" algn="l" defTabSz="914400" rtl="0" eaLnBrk="1" latinLnBrk="0" hangingPunct="1">
+              <a:lnSpc>
+                <a:spcPct val="120000"/>
+              </a:lnSpc>
+              <a:spcBef>
+                <a:spcPts val="500"/>
+              </a:spcBef>
+              <a:buSzPct val="125000"/>
+              <a:buFont typeface="Arial" panose="020B0604020202020204" pitchFamily="34" charset="0"/>
+              <a:buNone/>
+              <a:defRPr sz="1600" b="1" kern="1200">
+                <a:solidFill>
+                  <a:schemeClr val="tx1"/>
+                </a:solidFill>
+                <a:latin typeface="+mn-lt"/>
+                <a:ea typeface="+mn-ea"/>
+                <a:cs typeface="+mn-cs"/>
+              </a:defRPr>
+            </a:lvl6pPr>
+            <a:lvl7pPr marL="2743200" indent="0" algn="l" defTabSz="914400" rtl="0" eaLnBrk="1" latinLnBrk="0" hangingPunct="1">
+              <a:lnSpc>
+                <a:spcPct val="120000"/>
+              </a:lnSpc>
+              <a:spcBef>
+                <a:spcPts val="500"/>
+              </a:spcBef>
+              <a:buSzPct val="125000"/>
+              <a:buFont typeface="Arial" panose="020B0604020202020204" pitchFamily="34" charset="0"/>
+              <a:buNone/>
+              <a:defRPr sz="1600" b="1" kern="1200">
+                <a:solidFill>
+                  <a:schemeClr val="tx1"/>
+                </a:solidFill>
+                <a:latin typeface="+mn-lt"/>
+                <a:ea typeface="+mn-ea"/>
+                <a:cs typeface="+mn-cs"/>
+              </a:defRPr>
+            </a:lvl7pPr>
+            <a:lvl8pPr marL="3200400" indent="0" algn="l" defTabSz="914400" rtl="0" eaLnBrk="1" latinLnBrk="0" hangingPunct="1">
+              <a:lnSpc>
+                <a:spcPct val="120000"/>
+              </a:lnSpc>
+              <a:spcBef>
+                <a:spcPts val="500"/>
+              </a:spcBef>
+              <a:buSzPct val="125000"/>
+              <a:buFont typeface="Arial" panose="020B0604020202020204" pitchFamily="34" charset="0"/>
+              <a:buNone/>
+              <a:defRPr sz="1600" b="1" kern="1200">
+                <a:solidFill>
+                  <a:schemeClr val="tx1"/>
+                </a:solidFill>
+                <a:latin typeface="+mn-lt"/>
+                <a:ea typeface="+mn-ea"/>
+                <a:cs typeface="+mn-cs"/>
+              </a:defRPr>
+            </a:lvl8pPr>
+            <a:lvl9pPr marL="3657600" indent="0" algn="l" defTabSz="914400" rtl="0" eaLnBrk="1" latinLnBrk="0" hangingPunct="1">
+              <a:lnSpc>
+                <a:spcPct val="120000"/>
+              </a:lnSpc>
+              <a:spcBef>
+                <a:spcPts val="500"/>
+              </a:spcBef>
+              <a:buSzPct val="125000"/>
+              <a:buFont typeface="Arial" panose="020B0604020202020204" pitchFamily="34" charset="0"/>
+              <a:buNone/>
+              <a:defRPr sz="1600" b="1" kern="1200">
+                <a:solidFill>
+                  <a:schemeClr val="tx1"/>
+                </a:solidFill>
+                <a:latin typeface="+mn-lt"/>
+                <a:ea typeface="+mn-ea"/>
+                <a:cs typeface="+mn-cs"/>
+              </a:defRPr>
+            </a:lvl9pPr>
+          </a:lstStyle>
+          <a:p>
+            <a:r>
+              <a:rPr lang="en-CA" dirty="0"/>
+              <a:t>CUSTOM</a:t>
+            </a:r>
+          </a:p>
+        </p:txBody>
+      </p:sp>
+      <p:sp>
+        <p:nvSpPr>
+          <p:cNvPr id="14" name="Oval 13">
+            <a:extLst>
+              <a:ext uri="{FF2B5EF4-FFF2-40B4-BE49-F238E27FC236}">
+                <a16:creationId xmlns:a16="http://schemas.microsoft.com/office/drawing/2014/main" id="{C57DA1D3-AB56-4716-A520-057AD46C0166}"/>
+              </a:ext>
+            </a:extLst>
+          </p:cNvPr>
+          <p:cNvSpPr/>
+          <p:nvPr/>
+        </p:nvSpPr>
+        <p:spPr>
+          <a:xfrm>
+            <a:off x="2523721" y="1698200"/>
+            <a:ext cx="1579418" cy="253284"/>
+          </a:xfrm>
+          <a:prstGeom prst="ellipse">
+            <a:avLst/>
+          </a:prstGeom>
+          <a:noFill/>
+          <a:ln>
+            <a:solidFill>
+              <a:srgbClr val="FF0000"/>
+            </a:solidFill>
+          </a:ln>
+        </p:spPr>
+        <p:style>
+          <a:lnRef idx="2">
+            <a:schemeClr val="accent1">
+              <a:shade val="50000"/>
+            </a:schemeClr>
+          </a:lnRef>
+          <a:fillRef idx="1">
+            <a:schemeClr val="accent1"/>
+          </a:fillRef>
+          <a:effectRef idx="0">
+            <a:schemeClr val="accent1"/>
+          </a:effectRef>
+          <a:fontRef idx="minor">
+            <a:schemeClr val="lt1"/>
+          </a:fontRef>
+        </p:style>
+        <p:txBody>
+          <a:bodyPr rtlCol="0" anchor="ctr"/>
+          <a:lstStyle/>
+          <a:p>
+            <a:pPr algn="ctr"/>
+            <a:endParaRPr lang="en-CA"/>
+          </a:p>
+        </p:txBody>
+      </p:sp>
+      <p:sp>
+        <p:nvSpPr>
+          <p:cNvPr id="15" name="Oval 14">
+            <a:extLst>
+              <a:ext uri="{FF2B5EF4-FFF2-40B4-BE49-F238E27FC236}">
+                <a16:creationId xmlns:a16="http://schemas.microsoft.com/office/drawing/2014/main" id="{7ECA35D6-BB2A-4172-ABD5-F49205494DDF}"/>
+              </a:ext>
+            </a:extLst>
+          </p:cNvPr>
+          <p:cNvSpPr/>
+          <p:nvPr/>
+        </p:nvSpPr>
+        <p:spPr>
+          <a:xfrm>
+            <a:off x="136916" y="57689"/>
+            <a:ext cx="1227349" cy="1154991"/>
+          </a:xfrm>
+          <a:prstGeom prst="ellipse">
+            <a:avLst/>
+          </a:prstGeom>
+          <a:noFill/>
+          <a:ln>
+            <a:solidFill>
+              <a:srgbClr val="FF0000"/>
+            </a:solidFill>
+          </a:ln>
+        </p:spPr>
+        <p:style>
+          <a:lnRef idx="2">
+            <a:schemeClr val="accent1">
+              <a:shade val="50000"/>
+            </a:schemeClr>
+          </a:lnRef>
+          <a:fillRef idx="1">
+            <a:schemeClr val="accent1"/>
+          </a:fillRef>
+          <a:effectRef idx="0">
+            <a:schemeClr val="accent1"/>
+          </a:effectRef>
+          <a:fontRef idx="minor">
+            <a:schemeClr val="lt1"/>
+          </a:fontRef>
+        </p:style>
+        <p:txBody>
+          <a:bodyPr rtlCol="0" anchor="ctr"/>
+          <a:lstStyle/>
+          <a:p>
+            <a:pPr algn="ctr"/>
+            <a:endParaRPr lang="en-CA"/>
+          </a:p>
+        </p:txBody>
+      </p:sp>
+      <p:sp>
+        <p:nvSpPr>
+          <p:cNvPr id="16" name="Oval 15">
+            <a:extLst>
+              <a:ext uri="{FF2B5EF4-FFF2-40B4-BE49-F238E27FC236}">
+                <a16:creationId xmlns:a16="http://schemas.microsoft.com/office/drawing/2014/main" id="{ECB3CDB2-D7D7-4ED6-8DEC-7D5907DC4CED}"/>
+              </a:ext>
+            </a:extLst>
+          </p:cNvPr>
+          <p:cNvSpPr/>
+          <p:nvPr/>
+        </p:nvSpPr>
+        <p:spPr>
+          <a:xfrm>
+            <a:off x="5452171" y="4889840"/>
+            <a:ext cx="459645" cy="229822"/>
+          </a:xfrm>
+          <a:prstGeom prst="ellipse">
+            <a:avLst/>
+          </a:prstGeom>
+          <a:noFill/>
+          <a:ln>
+            <a:solidFill>
+              <a:srgbClr val="FF0000"/>
+            </a:solidFill>
+          </a:ln>
+        </p:spPr>
+        <p:style>
+          <a:lnRef idx="2">
+            <a:schemeClr val="accent1">
+              <a:shade val="50000"/>
+            </a:schemeClr>
+          </a:lnRef>
+          <a:fillRef idx="1">
+            <a:schemeClr val="accent1"/>
+          </a:fillRef>
+          <a:effectRef idx="0">
+            <a:schemeClr val="accent1"/>
+          </a:effectRef>
+          <a:fontRef idx="minor">
+            <a:schemeClr val="lt1"/>
+          </a:fontRef>
+        </p:style>
+        <p:txBody>
+          <a:bodyPr rtlCol="0" anchor="ctr"/>
+          <a:lstStyle/>
+          <a:p>
+            <a:pPr algn="ctr"/>
+            <a:endParaRPr lang="en-CA"/>
+          </a:p>
+        </p:txBody>
+      </p:sp>
+      <p:sp>
+        <p:nvSpPr>
+          <p:cNvPr id="17" name="Oval 16">
+            <a:extLst>
+              <a:ext uri="{FF2B5EF4-FFF2-40B4-BE49-F238E27FC236}">
+                <a16:creationId xmlns:a16="http://schemas.microsoft.com/office/drawing/2014/main" id="{E93E9A6D-CA3C-4B66-933B-EC655FD4513A}"/>
+              </a:ext>
+            </a:extLst>
+          </p:cNvPr>
+          <p:cNvSpPr/>
+          <p:nvPr/>
+        </p:nvSpPr>
+        <p:spPr>
+          <a:xfrm>
+            <a:off x="5549968" y="5271247"/>
+            <a:ext cx="650349" cy="229822"/>
+          </a:xfrm>
+          <a:prstGeom prst="ellipse">
+            <a:avLst/>
+          </a:prstGeom>
+          <a:noFill/>
+          <a:ln>
+            <a:solidFill>
+              <a:srgbClr val="FF0000"/>
+            </a:solidFill>
+          </a:ln>
+        </p:spPr>
+        <p:style>
+          <a:lnRef idx="2">
+            <a:schemeClr val="accent1">
+              <a:shade val="50000"/>
+            </a:schemeClr>
+          </a:lnRef>
+          <a:fillRef idx="1">
+            <a:schemeClr val="accent1"/>
+          </a:fillRef>
+          <a:effectRef idx="0">
+            <a:schemeClr val="accent1"/>
+          </a:effectRef>
+          <a:fontRef idx="minor">
+            <a:schemeClr val="lt1"/>
+          </a:fontRef>
+        </p:style>
+        <p:txBody>
+          <a:bodyPr rtlCol="0" anchor="ctr"/>
+          <a:lstStyle/>
+          <a:p>
+            <a:pPr algn="ctr"/>
+            <a:endParaRPr lang="en-CA"/>
+          </a:p>
+        </p:txBody>
+      </p:sp>
+    </p:spTree>
+    <p:extLst>
+      <p:ext uri="{BB962C8B-B14F-4D97-AF65-F5344CB8AC3E}">
+        <p14:creationId xmlns:p14="http://schemas.microsoft.com/office/powerpoint/2010/main" val="519946502"/>
+      </p:ext>
+    </p:extLst>
+  </p:cSld>
+  <p:clrMapOvr>
+    <a:masterClrMapping/>
+  </p:clrMapOvr>
+</p:sld>
+</file>
+
+<file path=ppt/slides/slide2.xml><?xml version="1.0" encoding="utf-8"?>
+<p:sld xmlns:a="http://schemas.openxmlformats.org/drawingml/2006/main" xmlns:r="http://schemas.openxmlformats.org/officeDocument/2006/relationships" xmlns:p="http://schemas.openxmlformats.org/presentationml/2006/main">
+  <p:cSld>
+    <p:spTree>
+      <p:nvGrpSpPr>
+        <p:cNvPr id="1" name=""/>
+        <p:cNvGrpSpPr/>
+        <p:nvPr/>
+      </p:nvGrpSpPr>
+      <p:grpSpPr>
+        <a:xfrm>
+          <a:off x="0" y="0"/>
+          <a:ext cx="0" cy="0"/>
+          <a:chOff x="0" y="0"/>
+          <a:chExt cx="0" cy="0"/>
+        </a:xfrm>
+      </p:grpSpPr>
+      <p:sp>
+        <p:nvSpPr>
+          <p:cNvPr id="2" name="Title 1">
+            <a:extLst>
+              <a:ext uri="{FF2B5EF4-FFF2-40B4-BE49-F238E27FC236}">
+                <a16:creationId xmlns:a16="http://schemas.microsoft.com/office/drawing/2014/main" id="{DAD90716-1DCC-AC48-AAC0-C1E1BD35EF90}"/>
+              </a:ext>
+            </a:extLst>
+          </p:cNvPr>
+          <p:cNvSpPr>
+            <a:spLocks noGrp="1"/>
+          </p:cNvSpPr>
+          <p:nvPr>
+            <p:ph type="title"/>
+          </p:nvPr>
+        </p:nvSpPr>
+        <p:spPr/>
+        <p:txBody>
+          <a:bodyPr/>
+          <a:lstStyle/>
+          <a:p>
+            <a:r>
+              <a:rPr lang="en-US" dirty="0"/>
+              <a:t>Feature creation and extraction</a:t>
+            </a:r>
+          </a:p>
+        </p:txBody>
+      </p:sp>
+      <p:sp>
+        <p:nvSpPr>
+          <p:cNvPr id="3" name="Content Placeholder 2">
+            <a:extLst>
+              <a:ext uri="{FF2B5EF4-FFF2-40B4-BE49-F238E27FC236}">
+                <a16:creationId xmlns:a16="http://schemas.microsoft.com/office/drawing/2014/main" id="{AD35DE78-AB2E-CF4A-9E40-42DF457E8409}"/>
+              </a:ext>
+            </a:extLst>
+          </p:cNvPr>
+          <p:cNvSpPr>
+            <a:spLocks noGrp="1"/>
+          </p:cNvSpPr>
+          <p:nvPr>
+            <p:ph idx="1"/>
+          </p:nvPr>
+        </p:nvSpPr>
+        <p:spPr/>
+        <p:txBody>
+          <a:bodyPr>
+            <a:normAutofit fontScale="92500"/>
+          </a:bodyPr>
+          <a:lstStyle/>
+          <a:p>
+            <a:r>
+              <a:rPr lang="en-US" dirty="0"/>
+              <a:t>We created the following features: </a:t>
+            </a:r>
+          </a:p>
+          <a:p>
+            <a:pPr lvl="1"/>
+            <a:r>
+              <a:rPr lang="en-US" dirty="0" err="1"/>
+              <a:t>num_tokens</a:t>
+            </a:r>
+            <a:r>
+              <a:rPr lang="en-US" dirty="0"/>
+              <a:t>, </a:t>
+            </a:r>
+            <a:r>
+              <a:rPr lang="en-US" dirty="0" err="1"/>
+              <a:t>num_mentions</a:t>
+            </a:r>
+            <a:r>
+              <a:rPr lang="en-US" dirty="0"/>
+              <a:t>, </a:t>
+            </a:r>
+            <a:r>
+              <a:rPr lang="en-US" dirty="0" err="1"/>
+              <a:t>num_urls</a:t>
+            </a:r>
+            <a:r>
+              <a:rPr lang="en-US" dirty="0"/>
+              <a:t>, </a:t>
+            </a:r>
+            <a:r>
+              <a:rPr lang="en-US" dirty="0" err="1"/>
+              <a:t>num_hashtags</a:t>
+            </a:r>
+            <a:endParaRPr lang="en-US" dirty="0"/>
+          </a:p>
+          <a:p>
+            <a:r>
+              <a:rPr lang="en-US" dirty="0"/>
+              <a:t>We tested out the following features:</a:t>
+            </a:r>
+          </a:p>
+          <a:p>
+            <a:pPr lvl="1"/>
+            <a:r>
+              <a:rPr lang="en-US" dirty="0"/>
+              <a:t>Bag of words, </a:t>
+            </a:r>
+            <a:r>
+              <a:rPr lang="en-US" dirty="0" err="1"/>
+              <a:t>ngrams</a:t>
+            </a:r>
+            <a:r>
+              <a:rPr lang="en-US" dirty="0"/>
+              <a:t> (n=2, &amp; n=3), TF-IDF</a:t>
+            </a:r>
+          </a:p>
+          <a:p>
+            <a:pPr lvl="1"/>
+            <a:r>
+              <a:rPr lang="en-US" dirty="0"/>
+              <a:t>Word2Vec - CBOW, </a:t>
+            </a:r>
+            <a:r>
+              <a:rPr lang="en-US" dirty="0" err="1"/>
+              <a:t>concat</a:t>
+            </a:r>
+            <a:r>
+              <a:rPr lang="en-US" dirty="0"/>
+              <a:t>(Word2Vec - CBOW, BOW), and Custom - CBOW</a:t>
+            </a:r>
+          </a:p>
+          <a:p>
+            <a:r>
+              <a:rPr lang="en-US" dirty="0"/>
+              <a:t>We ran logistic regression and decision tree on each embedding as a benchmark</a:t>
+            </a:r>
+          </a:p>
+          <a:p>
+            <a:pPr marL="0" indent="0">
+              <a:buNone/>
+            </a:pPr>
+            <a:r>
+              <a:rPr lang="en-US" dirty="0"/>
+              <a:t> </a:t>
+            </a:r>
+          </a:p>
+        </p:txBody>
+      </p:sp>
+    </p:spTree>
+    <p:extLst>
+      <p:ext uri="{BB962C8B-B14F-4D97-AF65-F5344CB8AC3E}">
+        <p14:creationId xmlns:p14="http://schemas.microsoft.com/office/powerpoint/2010/main" val="3882396623"/>
+      </p:ext>
+    </p:extLst>
+  </p:cSld>
+  <p:clrMapOvr>
+    <a:masterClrMapping/>
+  </p:clrMapOvr>
+</p:sld>
+</file>
+
+<file path=ppt/slides/slide20.xml><?xml version="1.0" encoding="utf-8"?>
+<p:sld xmlns:a="http://schemas.openxmlformats.org/drawingml/2006/main" xmlns:r="http://schemas.openxmlformats.org/officeDocument/2006/relationships" xmlns:p="http://schemas.openxmlformats.org/presentationml/2006/main">
+  <p:cSld>
+    <p:spTree>
+      <p:nvGrpSpPr>
+        <p:cNvPr id="1" name=""/>
+        <p:cNvGrpSpPr/>
+        <p:nvPr/>
+      </p:nvGrpSpPr>
+      <p:grpSpPr>
+        <a:xfrm>
+          <a:off x="0" y="0"/>
+          <a:ext cx="0" cy="0"/>
+          <a:chOff x="0" y="0"/>
+          <a:chExt cx="0" cy="0"/>
+        </a:xfrm>
+      </p:grpSpPr>
+      <p:sp>
+        <p:nvSpPr>
+          <p:cNvPr id="2" name="Title 1">
+            <a:extLst>
+              <a:ext uri="{FF2B5EF4-FFF2-40B4-BE49-F238E27FC236}">
+                <a16:creationId xmlns:a16="http://schemas.microsoft.com/office/drawing/2014/main" id="{4C5D60B5-20AD-DD4B-98EB-005848137C91}"/>
+              </a:ext>
+            </a:extLst>
+          </p:cNvPr>
+          <p:cNvSpPr>
+            <a:spLocks noGrp="1"/>
+          </p:cNvSpPr>
+          <p:nvPr>
+            <p:ph type="title"/>
+          </p:nvPr>
+        </p:nvSpPr>
+        <p:spPr/>
+        <p:txBody>
+          <a:bodyPr/>
+          <a:lstStyle/>
+          <a:p>
+            <a:pPr algn="ctr"/>
+            <a:r>
+              <a:rPr lang="en-US" dirty="0"/>
+              <a:t>LIME – Specific Example (Offensive)</a:t>
+            </a:r>
+          </a:p>
+        </p:txBody>
+      </p:sp>
+      <p:pic>
+        <p:nvPicPr>
+          <p:cNvPr id="5" name="Content Placeholder 4">
+            <a:extLst>
+              <a:ext uri="{FF2B5EF4-FFF2-40B4-BE49-F238E27FC236}">
+                <a16:creationId xmlns:a16="http://schemas.microsoft.com/office/drawing/2014/main" id="{0DD75B47-1C10-804B-A672-32D68FF9069F}"/>
+              </a:ext>
+            </a:extLst>
+          </p:cNvPr>
+          <p:cNvPicPr>
+            <a:picLocks noGrp="1" noChangeAspect="1"/>
+          </p:cNvPicPr>
+          <p:nvPr>
+            <p:ph idx="1"/>
+          </p:nvPr>
+        </p:nvPicPr>
+        <p:blipFill>
+          <a:blip r:embed="rId2"/>
+          <a:stretch>
+            <a:fillRect/>
+          </a:stretch>
+        </p:blipFill>
+        <p:spPr>
+          <a:xfrm>
+            <a:off x="3282173" y="2249488"/>
+            <a:ext cx="5624480" cy="3541712"/>
+          </a:xfrm>
+        </p:spPr>
+      </p:pic>
+    </p:spTree>
+    <p:extLst>
+      <p:ext uri="{BB962C8B-B14F-4D97-AF65-F5344CB8AC3E}">
+        <p14:creationId xmlns:p14="http://schemas.microsoft.com/office/powerpoint/2010/main" val="2015389126"/>
+      </p:ext>
+    </p:extLst>
+  </p:cSld>
+  <p:clrMapOvr>
+    <a:masterClrMapping/>
+  </p:clrMapOvr>
+</p:sld>
+</file>
+
+<file path=ppt/slides/slide21.xml><?xml version="1.0" encoding="utf-8"?>
+<p:sld xmlns:a="http://schemas.openxmlformats.org/drawingml/2006/main" xmlns:r="http://schemas.openxmlformats.org/officeDocument/2006/relationships" xmlns:p="http://schemas.openxmlformats.org/presentationml/2006/main">
+  <p:cSld>
+    <p:spTree>
+      <p:nvGrpSpPr>
+        <p:cNvPr id="1" name=""/>
+        <p:cNvGrpSpPr/>
+        <p:nvPr/>
+      </p:nvGrpSpPr>
+      <p:grpSpPr>
+        <a:xfrm>
+          <a:off x="0" y="0"/>
+          <a:ext cx="0" cy="0"/>
+          <a:chOff x="0" y="0"/>
+          <a:chExt cx="0" cy="0"/>
+        </a:xfrm>
+      </p:grpSpPr>
+      <p:sp>
+        <p:nvSpPr>
+          <p:cNvPr id="2" name="Title 1">
+            <a:extLst>
+              <a:ext uri="{FF2B5EF4-FFF2-40B4-BE49-F238E27FC236}">
+                <a16:creationId xmlns:a16="http://schemas.microsoft.com/office/drawing/2014/main" id="{4C5D60B5-20AD-DD4B-98EB-005848137C91}"/>
+              </a:ext>
+            </a:extLst>
+          </p:cNvPr>
+          <p:cNvSpPr>
+            <a:spLocks noGrp="1"/>
+          </p:cNvSpPr>
+          <p:nvPr>
+            <p:ph type="title"/>
+          </p:nvPr>
+        </p:nvSpPr>
+        <p:spPr/>
+        <p:txBody>
+          <a:bodyPr/>
+          <a:lstStyle/>
+          <a:p>
+            <a:pPr algn="ctr"/>
+            <a:r>
+              <a:rPr lang="en-US" dirty="0"/>
+              <a:t>LIME – Specific Example (Hate)</a:t>
+            </a:r>
+          </a:p>
+        </p:txBody>
+      </p:sp>
+      <p:sp>
+        <p:nvSpPr>
+          <p:cNvPr id="7" name="Content Placeholder 6">
+            <a:extLst>
+              <a:ext uri="{FF2B5EF4-FFF2-40B4-BE49-F238E27FC236}">
+                <a16:creationId xmlns:a16="http://schemas.microsoft.com/office/drawing/2014/main" id="{1A22E0D8-1D86-4527-873E-CBE208DAA508}"/>
+              </a:ext>
+            </a:extLst>
+          </p:cNvPr>
+          <p:cNvSpPr>
+            <a:spLocks noGrp="1"/>
+          </p:cNvSpPr>
+          <p:nvPr>
+            <p:ph idx="1"/>
+          </p:nvPr>
+        </p:nvSpPr>
+        <p:spPr/>
+        <p:txBody>
+          <a:bodyPr/>
+          <a:lstStyle/>
+          <a:p>
+            <a:endParaRPr lang="en-CA"/>
+          </a:p>
+        </p:txBody>
+      </p:sp>
+      <p:pic>
+        <p:nvPicPr>
+          <p:cNvPr id="9" name="Picture 8">
+            <a:extLst>
+              <a:ext uri="{FF2B5EF4-FFF2-40B4-BE49-F238E27FC236}">
+                <a16:creationId xmlns:a16="http://schemas.microsoft.com/office/drawing/2014/main" id="{469C739F-D76B-427A-A40E-9D3591CF38F8}"/>
+              </a:ext>
+            </a:extLst>
+          </p:cNvPr>
+          <p:cNvPicPr>
+            <a:picLocks noChangeAspect="1"/>
+          </p:cNvPicPr>
+          <p:nvPr/>
+        </p:nvPicPr>
+        <p:blipFill>
+          <a:blip r:embed="rId2"/>
+          <a:stretch>
+            <a:fillRect/>
+          </a:stretch>
+        </p:blipFill>
+        <p:spPr>
+          <a:xfrm>
+            <a:off x="3007252" y="2249487"/>
+            <a:ext cx="6514944" cy="3730646"/>
+          </a:xfrm>
+          <a:prstGeom prst="rect">
+            <a:avLst/>
+          </a:prstGeom>
+        </p:spPr>
+      </p:pic>
+    </p:spTree>
+    <p:extLst>
+      <p:ext uri="{BB962C8B-B14F-4D97-AF65-F5344CB8AC3E}">
+        <p14:creationId xmlns:p14="http://schemas.microsoft.com/office/powerpoint/2010/main" val="3674825331"/>
+      </p:ext>
+    </p:extLst>
+  </p:cSld>
+  <p:clrMapOvr>
+    <a:masterClrMapping/>
+  </p:clrMapOvr>
+</p:sld>
+</file>
+
+<file path=ppt/slides/slide22.xml><?xml version="1.0" encoding="utf-8"?>
+<p:sld xmlns:a="http://schemas.openxmlformats.org/drawingml/2006/main" xmlns:r="http://schemas.openxmlformats.org/officeDocument/2006/relationships" xmlns:p="http://schemas.openxmlformats.org/presentationml/2006/main">
+  <p:cSld>
+    <p:spTree>
+      <p:nvGrpSpPr>
+        <p:cNvPr id="1" name=""/>
+        <p:cNvGrpSpPr/>
+        <p:nvPr/>
+      </p:nvGrpSpPr>
+      <p:grpSpPr>
+        <a:xfrm>
+          <a:off x="0" y="0"/>
+          <a:ext cx="0" cy="0"/>
+          <a:chOff x="0" y="0"/>
+          <a:chExt cx="0" cy="0"/>
+        </a:xfrm>
+      </p:grpSpPr>
+      <p:sp>
+        <p:nvSpPr>
+          <p:cNvPr id="2" name="Title 1">
+            <a:extLst>
+              <a:ext uri="{FF2B5EF4-FFF2-40B4-BE49-F238E27FC236}">
+                <a16:creationId xmlns:a16="http://schemas.microsoft.com/office/drawing/2014/main" id="{2F920343-DAA0-472B-B19D-B4577CC7FD94}"/>
+              </a:ext>
+            </a:extLst>
+          </p:cNvPr>
+          <p:cNvSpPr>
+            <a:spLocks noGrp="1"/>
+          </p:cNvSpPr>
+          <p:nvPr>
+            <p:ph type="title"/>
+          </p:nvPr>
+        </p:nvSpPr>
+        <p:spPr/>
+        <p:txBody>
+          <a:bodyPr/>
+          <a:lstStyle/>
+          <a:p>
+            <a:r>
+              <a:rPr lang="en-CA" dirty="0"/>
+              <a:t>summary</a:t>
+            </a:r>
+          </a:p>
+        </p:txBody>
+      </p:sp>
+      <p:sp>
+        <p:nvSpPr>
+          <p:cNvPr id="3" name="Content Placeholder 2">
+            <a:extLst>
+              <a:ext uri="{FF2B5EF4-FFF2-40B4-BE49-F238E27FC236}">
+                <a16:creationId xmlns:a16="http://schemas.microsoft.com/office/drawing/2014/main" id="{C95A626B-10A0-4748-90CE-CD3126DF3E00}"/>
+              </a:ext>
+            </a:extLst>
+          </p:cNvPr>
+          <p:cNvSpPr>
+            <a:spLocks noGrp="1"/>
+          </p:cNvSpPr>
+          <p:nvPr>
+            <p:ph idx="1"/>
+          </p:nvPr>
+        </p:nvSpPr>
+        <p:spPr/>
+        <p:txBody>
+          <a:bodyPr>
+            <a:normAutofit lnSpcReduction="10000"/>
+          </a:bodyPr>
+          <a:lstStyle/>
+          <a:p>
+            <a:r>
+              <a:rPr lang="en-CA" dirty="0"/>
+              <a:t>TF-IDF + extracted features appears to be best for prediction and interpretability</a:t>
+            </a:r>
+          </a:p>
+          <a:p>
+            <a:r>
+              <a:rPr lang="en-CA" dirty="0"/>
+              <a:t>Hateful words were captured by feature importance</a:t>
+            </a:r>
+          </a:p>
+          <a:p>
+            <a:r>
+              <a:rPr lang="en-CA" dirty="0"/>
+              <a:t>Differences in W2V and Custom CBOW – some semantic meaning is still captured</a:t>
+            </a:r>
+          </a:p>
+          <a:p>
+            <a:r>
+              <a:rPr lang="en-CA" dirty="0"/>
+              <a:t>Model performance already exceeds that of original authors’ (80% vs 60%)</a:t>
+            </a:r>
+          </a:p>
+          <a:p>
+            <a:r>
+              <a:rPr lang="en-CA" dirty="0"/>
+              <a:t>Will use TF-IDF + extracted features moving on</a:t>
+            </a:r>
+          </a:p>
+          <a:p>
+            <a:endParaRPr lang="en-CA" dirty="0"/>
+          </a:p>
+          <a:p>
+            <a:endParaRPr lang="en-CA" dirty="0"/>
+          </a:p>
+        </p:txBody>
+      </p:sp>
+    </p:spTree>
+    <p:extLst>
+      <p:ext uri="{BB962C8B-B14F-4D97-AF65-F5344CB8AC3E}">
+        <p14:creationId xmlns:p14="http://schemas.microsoft.com/office/powerpoint/2010/main" val="4201739720"/>
+      </p:ext>
+    </p:extLst>
+  </p:cSld>
+  <p:clrMapOvr>
+    <a:masterClrMapping/>
+  </p:clrMapOvr>
+</p:sld>
+</file>
+
+<file path=ppt/slides/slide3.xml><?xml version="1.0" encoding="utf-8"?>
+<p:sld xmlns:a="http://schemas.openxmlformats.org/drawingml/2006/main" xmlns:r="http://schemas.openxmlformats.org/officeDocument/2006/relationships" xmlns:p="http://schemas.openxmlformats.org/presentationml/2006/main">
+  <p:cSld>
+    <p:spTree>
+      <p:nvGrpSpPr>
+        <p:cNvPr id="1" name=""/>
+        <p:cNvGrpSpPr/>
+        <p:nvPr/>
+      </p:nvGrpSpPr>
+      <p:grpSpPr>
+        <a:xfrm>
+          <a:off x="0" y="0"/>
+          <a:ext cx="0" cy="0"/>
+          <a:chOff x="0" y="0"/>
+          <a:chExt cx="0" cy="0"/>
+        </a:xfrm>
+      </p:grpSpPr>
+      <p:sp>
+        <p:nvSpPr>
+          <p:cNvPr id="2" name="Title 1">
+            <a:extLst>
+              <a:ext uri="{FF2B5EF4-FFF2-40B4-BE49-F238E27FC236}">
+                <a16:creationId xmlns:a16="http://schemas.microsoft.com/office/drawing/2014/main" id="{FFF39CFB-F6C2-1A43-8841-7F9725F66A06}"/>
+              </a:ext>
+            </a:extLst>
+          </p:cNvPr>
+          <p:cNvSpPr>
+            <a:spLocks noGrp="1"/>
+          </p:cNvSpPr>
+          <p:nvPr>
+            <p:ph type="title"/>
+          </p:nvPr>
+        </p:nvSpPr>
+        <p:spPr/>
+        <p:txBody>
+          <a:bodyPr/>
+          <a:lstStyle/>
+          <a:p>
+            <a:pPr algn="ctr"/>
+            <a:r>
+              <a:rPr lang="en-US" dirty="0"/>
+              <a:t>Data before embedding</a:t>
+            </a:r>
+          </a:p>
+        </p:txBody>
+      </p:sp>
+      <p:pic>
+        <p:nvPicPr>
+          <p:cNvPr id="5" name="Content Placeholder 4">
+            <a:extLst>
+              <a:ext uri="{FF2B5EF4-FFF2-40B4-BE49-F238E27FC236}">
+                <a16:creationId xmlns:a16="http://schemas.microsoft.com/office/drawing/2014/main" id="{70067DF4-0D35-8E4D-B1BA-9B4B17765C49}"/>
+              </a:ext>
+            </a:extLst>
+          </p:cNvPr>
+          <p:cNvPicPr>
+            <a:picLocks noGrp="1" noChangeAspect="1"/>
+          </p:cNvPicPr>
+          <p:nvPr>
+            <p:ph idx="1"/>
+          </p:nvPr>
+        </p:nvPicPr>
+        <p:blipFill>
+          <a:blip r:embed="rId2"/>
+          <a:stretch>
+            <a:fillRect/>
+          </a:stretch>
+        </p:blipFill>
+        <p:spPr>
+          <a:xfrm>
+            <a:off x="2246207" y="2249488"/>
+            <a:ext cx="7696412" cy="3541712"/>
+          </a:xfrm>
+        </p:spPr>
+      </p:pic>
+    </p:spTree>
+    <p:extLst>
+      <p:ext uri="{BB962C8B-B14F-4D97-AF65-F5344CB8AC3E}">
+        <p14:creationId xmlns:p14="http://schemas.microsoft.com/office/powerpoint/2010/main" val="1180396957"/>
+      </p:ext>
+    </p:extLst>
+  </p:cSld>
+  <p:clrMapOvr>
+    <a:masterClrMapping/>
+  </p:clrMapOvr>
+</p:sld>
+</file>
+
+<file path=ppt/slides/slide4.xml><?xml version="1.0" encoding="utf-8"?>
+<p:sld xmlns:a="http://schemas.openxmlformats.org/drawingml/2006/main" xmlns:r="http://schemas.openxmlformats.org/officeDocument/2006/relationships" xmlns:p="http://schemas.openxmlformats.org/presentationml/2006/main">
+  <p:cSld>
+    <p:spTree>
+      <p:nvGrpSpPr>
+        <p:cNvPr id="1" name=""/>
+        <p:cNvGrpSpPr/>
+        <p:nvPr/>
+      </p:nvGrpSpPr>
+      <p:grpSpPr>
+        <a:xfrm>
+          <a:off x="0" y="0"/>
+          <a:ext cx="0" cy="0"/>
+          <a:chOff x="0" y="0"/>
+          <a:chExt cx="0" cy="0"/>
+        </a:xfrm>
+      </p:grpSpPr>
+      <p:sp>
+        <p:nvSpPr>
+          <p:cNvPr id="2" name="Title 1">
+            <a:extLst>
+              <a:ext uri="{FF2B5EF4-FFF2-40B4-BE49-F238E27FC236}">
+                <a16:creationId xmlns:a16="http://schemas.microsoft.com/office/drawing/2014/main" id="{65CCC742-814F-4547-AFEC-B86881979319}"/>
+              </a:ext>
+            </a:extLst>
+          </p:cNvPr>
+          <p:cNvSpPr>
+            <a:spLocks noGrp="1"/>
+          </p:cNvSpPr>
+          <p:nvPr>
+            <p:ph type="title"/>
+          </p:nvPr>
+        </p:nvSpPr>
+        <p:spPr/>
+        <p:txBody>
+          <a:bodyPr/>
+          <a:lstStyle/>
+          <a:p>
+            <a:pPr algn="ctr"/>
+            <a:r>
+              <a:rPr lang="en-US" dirty="0"/>
+              <a:t>Bag of Words</a:t>
+            </a:r>
+          </a:p>
+        </p:txBody>
+      </p:sp>
+      <p:pic>
+        <p:nvPicPr>
+          <p:cNvPr id="5" name="Content Placeholder 4">
+            <a:extLst>
+              <a:ext uri="{FF2B5EF4-FFF2-40B4-BE49-F238E27FC236}">
+                <a16:creationId xmlns:a16="http://schemas.microsoft.com/office/drawing/2014/main" id="{7FC708B3-41FF-064D-BE1A-5C0006BFF7F0}"/>
+              </a:ext>
+            </a:extLst>
+          </p:cNvPr>
+          <p:cNvPicPr>
+            <a:picLocks noGrp="1" noChangeAspect="1"/>
+          </p:cNvPicPr>
+          <p:nvPr>
+            <p:ph idx="1"/>
+          </p:nvPr>
+        </p:nvPicPr>
+        <p:blipFill>
+          <a:blip r:embed="rId2"/>
+          <a:stretch>
+            <a:fillRect/>
+          </a:stretch>
+        </p:blipFill>
+        <p:spPr>
+          <a:xfrm>
+            <a:off x="1153874" y="2249488"/>
+            <a:ext cx="9881078" cy="3541712"/>
+          </a:xfrm>
+        </p:spPr>
+      </p:pic>
+    </p:spTree>
+    <p:extLst>
+      <p:ext uri="{BB962C8B-B14F-4D97-AF65-F5344CB8AC3E}">
+        <p14:creationId xmlns:p14="http://schemas.microsoft.com/office/powerpoint/2010/main" val="2200598299"/>
+      </p:ext>
+    </p:extLst>
+  </p:cSld>
+  <p:clrMapOvr>
+    <a:masterClrMapping/>
+  </p:clrMapOvr>
+</p:sld>
+</file>
+
+<file path=ppt/slides/slide5.xml><?xml version="1.0" encoding="utf-8"?>
+<p:sld xmlns:a="http://schemas.openxmlformats.org/drawingml/2006/main" xmlns:r="http://schemas.openxmlformats.org/officeDocument/2006/relationships" xmlns:p="http://schemas.openxmlformats.org/presentationml/2006/main">
+  <p:cSld>
+    <p:spTree>
+      <p:nvGrpSpPr>
+        <p:cNvPr id="1" name=""/>
+        <p:cNvGrpSpPr/>
+        <p:nvPr/>
+      </p:nvGrpSpPr>
+      <p:grpSpPr>
+        <a:xfrm>
+          <a:off x="0" y="0"/>
+          <a:ext cx="0" cy="0"/>
+          <a:chOff x="0" y="0"/>
+          <a:chExt cx="0" cy="0"/>
+        </a:xfrm>
+      </p:grpSpPr>
+      <p:sp>
+        <p:nvSpPr>
+          <p:cNvPr id="2" name="Title 1">
+            <a:extLst>
+              <a:ext uri="{FF2B5EF4-FFF2-40B4-BE49-F238E27FC236}">
+                <a16:creationId xmlns:a16="http://schemas.microsoft.com/office/drawing/2014/main" id="{5EEA638A-AE43-2340-B9E2-73BB6B07ED7E}"/>
+              </a:ext>
+            </a:extLst>
+          </p:cNvPr>
+          <p:cNvSpPr>
+            <a:spLocks noGrp="1"/>
+          </p:cNvSpPr>
+          <p:nvPr>
+            <p:ph type="title"/>
+          </p:nvPr>
+        </p:nvSpPr>
+        <p:spPr/>
+        <p:txBody>
+          <a:bodyPr/>
+          <a:lstStyle/>
+          <a:p>
+            <a:pPr algn="ctr"/>
+            <a:r>
+              <a:rPr lang="en-US" dirty="0"/>
+              <a:t>Bag of Words – Feature counts</a:t>
+            </a:r>
+          </a:p>
+        </p:txBody>
+      </p:sp>
+      <p:pic>
+        <p:nvPicPr>
+          <p:cNvPr id="5" name="Content Placeholder 4">
+            <a:extLst>
+              <a:ext uri="{FF2B5EF4-FFF2-40B4-BE49-F238E27FC236}">
+                <a16:creationId xmlns:a16="http://schemas.microsoft.com/office/drawing/2014/main" id="{2B381272-6FEA-5845-9278-02CA96AB6ABD}"/>
+              </a:ext>
+            </a:extLst>
+          </p:cNvPr>
+          <p:cNvPicPr>
+            <a:picLocks noGrp="1" noChangeAspect="1"/>
+          </p:cNvPicPr>
+          <p:nvPr>
+            <p:ph idx="1"/>
+          </p:nvPr>
+        </p:nvPicPr>
+        <p:blipFill>
+          <a:blip r:embed="rId2"/>
+          <a:stretch>
+            <a:fillRect/>
+          </a:stretch>
+        </p:blipFill>
+        <p:spPr>
+          <a:xfrm>
+            <a:off x="6384758" y="2734778"/>
+            <a:ext cx="4662653" cy="3447387"/>
+          </a:xfrm>
+        </p:spPr>
+      </p:pic>
+      <p:pic>
+        <p:nvPicPr>
+          <p:cNvPr id="7" name="Picture 6">
+            <a:extLst>
+              <a:ext uri="{FF2B5EF4-FFF2-40B4-BE49-F238E27FC236}">
+                <a16:creationId xmlns:a16="http://schemas.microsoft.com/office/drawing/2014/main" id="{DDBD9287-210D-2E46-8513-8822D270C2F8}"/>
+              </a:ext>
+            </a:extLst>
+          </p:cNvPr>
+          <p:cNvPicPr>
+            <a:picLocks noChangeAspect="1"/>
+          </p:cNvPicPr>
+          <p:nvPr/>
+        </p:nvPicPr>
+        <p:blipFill>
+          <a:blip r:embed="rId3"/>
+          <a:stretch>
+            <a:fillRect/>
+          </a:stretch>
+        </p:blipFill>
+        <p:spPr>
+          <a:xfrm>
+            <a:off x="948907" y="2740465"/>
+            <a:ext cx="4762500" cy="3441700"/>
+          </a:xfrm>
+          <a:prstGeom prst="rect">
+            <a:avLst/>
+          </a:prstGeom>
+        </p:spPr>
+      </p:pic>
+      <p:sp>
+        <p:nvSpPr>
+          <p:cNvPr id="8" name="TextBox 7">
+            <a:extLst>
+              <a:ext uri="{FF2B5EF4-FFF2-40B4-BE49-F238E27FC236}">
+                <a16:creationId xmlns:a16="http://schemas.microsoft.com/office/drawing/2014/main" id="{68E9C74C-B5B8-CC43-A097-EEA6BF09E5AB}"/>
+              </a:ext>
+            </a:extLst>
+          </p:cNvPr>
+          <p:cNvSpPr txBox="1"/>
+          <p:nvPr/>
+        </p:nvSpPr>
+        <p:spPr>
+          <a:xfrm>
+            <a:off x="1389062" y="2296897"/>
+            <a:ext cx="3882190" cy="400110"/>
+          </a:xfrm>
+          <a:prstGeom prst="rect">
+            <a:avLst/>
+          </a:prstGeom>
+          <a:noFill/>
+        </p:spPr>
+        <p:txBody>
+          <a:bodyPr wrap="square" rtlCol="0">
+            <a:spAutoFit/>
+          </a:bodyPr>
+          <a:lstStyle/>
+          <a:p>
+            <a:pPr algn="ctr"/>
+            <a:r>
+              <a:rPr lang="en-US" sz="2000" dirty="0"/>
+              <a:t>Offensive</a:t>
+            </a:r>
+            <a:r>
+              <a:rPr lang="en-US" dirty="0"/>
+              <a:t> Tweets</a:t>
+            </a:r>
+          </a:p>
+        </p:txBody>
+      </p:sp>
+      <p:sp>
+        <p:nvSpPr>
+          <p:cNvPr id="9" name="TextBox 8">
+            <a:extLst>
+              <a:ext uri="{FF2B5EF4-FFF2-40B4-BE49-F238E27FC236}">
+                <a16:creationId xmlns:a16="http://schemas.microsoft.com/office/drawing/2014/main" id="{3628B15D-D322-0942-91AA-0B3D933C984D}"/>
+              </a:ext>
+            </a:extLst>
+          </p:cNvPr>
+          <p:cNvSpPr txBox="1"/>
+          <p:nvPr/>
+        </p:nvSpPr>
+        <p:spPr>
+          <a:xfrm>
+            <a:off x="6774989" y="2296897"/>
+            <a:ext cx="3882190" cy="400110"/>
+          </a:xfrm>
+          <a:prstGeom prst="rect">
+            <a:avLst/>
+          </a:prstGeom>
+          <a:noFill/>
+        </p:spPr>
+        <p:txBody>
+          <a:bodyPr wrap="square" rtlCol="0">
+            <a:spAutoFit/>
+          </a:bodyPr>
+          <a:lstStyle/>
+          <a:p>
+            <a:pPr algn="ctr"/>
+            <a:r>
+              <a:rPr lang="en-US" dirty="0"/>
+              <a:t>Hate </a:t>
+            </a:r>
+            <a:r>
+              <a:rPr lang="en-US" sz="2000" dirty="0"/>
+              <a:t>Tweets</a:t>
+            </a:r>
+            <a:endParaRPr lang="en-US" dirty="0"/>
+          </a:p>
+        </p:txBody>
+      </p:sp>
+    </p:spTree>
+    <p:extLst>
+      <p:ext uri="{BB962C8B-B14F-4D97-AF65-F5344CB8AC3E}">
+        <p14:creationId xmlns:p14="http://schemas.microsoft.com/office/powerpoint/2010/main" val="2555008223"/>
+      </p:ext>
+    </p:extLst>
+  </p:cSld>
+  <p:clrMapOvr>
+    <a:masterClrMapping/>
+  </p:clrMapOvr>
+</p:sld>
+</file>
+
+<file path=ppt/slides/slide6.xml><?xml version="1.0" encoding="utf-8"?>
+<p:sld xmlns:a="http://schemas.openxmlformats.org/drawingml/2006/main" xmlns:r="http://schemas.openxmlformats.org/officeDocument/2006/relationships" xmlns:p="http://schemas.openxmlformats.org/presentationml/2006/main">
+  <p:cSld>
+    <p:spTree>
+      <p:nvGrpSpPr>
+        <p:cNvPr id="1" name=""/>
+        <p:cNvGrpSpPr/>
+        <p:nvPr/>
+      </p:nvGrpSpPr>
+      <p:grpSpPr>
+        <a:xfrm>
+          <a:off x="0" y="0"/>
+          <a:ext cx="0" cy="0"/>
+          <a:chOff x="0" y="0"/>
+          <a:chExt cx="0" cy="0"/>
+        </a:xfrm>
+      </p:grpSpPr>
+      <p:sp>
+        <p:nvSpPr>
+          <p:cNvPr id="2" name="Title 1">
+            <a:extLst>
+              <a:ext uri="{FF2B5EF4-FFF2-40B4-BE49-F238E27FC236}">
+                <a16:creationId xmlns:a16="http://schemas.microsoft.com/office/drawing/2014/main" id="{2F761610-9E76-2A49-8309-CB2E9BFC68A8}"/>
+              </a:ext>
+            </a:extLst>
+          </p:cNvPr>
+          <p:cNvSpPr>
+            <a:spLocks noGrp="1"/>
+          </p:cNvSpPr>
+          <p:nvPr>
+            <p:ph type="title"/>
+          </p:nvPr>
+        </p:nvSpPr>
+        <p:spPr/>
+        <p:txBody>
+          <a:bodyPr/>
+          <a:lstStyle/>
+          <a:p>
+            <a:pPr algn="ctr"/>
+            <a:r>
+              <a:rPr lang="en-US" dirty="0" err="1"/>
+              <a:t>Ngrams</a:t>
+            </a:r>
+            <a:r>
+              <a:rPr lang="en-US" dirty="0"/>
+              <a:t> (N=2)</a:t>
+            </a:r>
+          </a:p>
+        </p:txBody>
+      </p:sp>
+      <p:pic>
+        <p:nvPicPr>
+          <p:cNvPr id="5" name="Content Placeholder 4">
+            <a:extLst>
+              <a:ext uri="{FF2B5EF4-FFF2-40B4-BE49-F238E27FC236}">
+                <a16:creationId xmlns:a16="http://schemas.microsoft.com/office/drawing/2014/main" id="{D0A9C145-89F2-BE43-81EA-42570B549306}"/>
+              </a:ext>
+            </a:extLst>
+          </p:cNvPr>
+          <p:cNvPicPr>
+            <a:picLocks noGrp="1" noChangeAspect="1"/>
+          </p:cNvPicPr>
+          <p:nvPr>
+            <p:ph idx="1"/>
+          </p:nvPr>
+        </p:nvPicPr>
+        <p:blipFill>
+          <a:blip r:embed="rId2"/>
+          <a:stretch>
+            <a:fillRect/>
+          </a:stretch>
+        </p:blipFill>
+        <p:spPr>
+          <a:xfrm>
+            <a:off x="1141413" y="2313434"/>
+            <a:ext cx="9906000" cy="3413820"/>
+          </a:xfrm>
+        </p:spPr>
+      </p:pic>
+    </p:spTree>
+    <p:extLst>
+      <p:ext uri="{BB962C8B-B14F-4D97-AF65-F5344CB8AC3E}">
+        <p14:creationId xmlns:p14="http://schemas.microsoft.com/office/powerpoint/2010/main" val="3368977445"/>
+      </p:ext>
+    </p:extLst>
+  </p:cSld>
+  <p:clrMapOvr>
+    <a:masterClrMapping/>
+  </p:clrMapOvr>
+</p:sld>
+</file>
+
+<file path=ppt/slides/slide7.xml><?xml version="1.0" encoding="utf-8"?>
+<p:sld xmlns:a="http://schemas.openxmlformats.org/drawingml/2006/main" xmlns:r="http://schemas.openxmlformats.org/officeDocument/2006/relationships" xmlns:p="http://schemas.openxmlformats.org/presentationml/2006/main">
+  <p:cSld>
+    <p:spTree>
+      <p:nvGrpSpPr>
+        <p:cNvPr id="1" name=""/>
+        <p:cNvGrpSpPr/>
+        <p:nvPr/>
+      </p:nvGrpSpPr>
+      <p:grpSpPr>
+        <a:xfrm>
+          <a:off x="0" y="0"/>
+          <a:ext cx="0" cy="0"/>
+          <a:chOff x="0" y="0"/>
+          <a:chExt cx="0" cy="0"/>
+        </a:xfrm>
+      </p:grpSpPr>
+      <p:sp>
+        <p:nvSpPr>
+          <p:cNvPr id="2" name="Title 1">
+            <a:extLst>
+              <a:ext uri="{FF2B5EF4-FFF2-40B4-BE49-F238E27FC236}">
+                <a16:creationId xmlns:a16="http://schemas.microsoft.com/office/drawing/2014/main" id="{D653C2FE-CC96-C242-A4A0-4014F0966A4A}"/>
+              </a:ext>
+            </a:extLst>
+          </p:cNvPr>
+          <p:cNvSpPr>
+            <a:spLocks noGrp="1"/>
+          </p:cNvSpPr>
+          <p:nvPr>
+            <p:ph type="title"/>
+          </p:nvPr>
+        </p:nvSpPr>
+        <p:spPr/>
+        <p:txBody>
+          <a:bodyPr/>
+          <a:lstStyle/>
+          <a:p>
+            <a:r>
+              <a:rPr lang="en-US" dirty="0" err="1"/>
+              <a:t>Ngrams</a:t>
+            </a:r>
+            <a:r>
+              <a:rPr lang="en-US" dirty="0"/>
+              <a:t> (n=2) – feature count</a:t>
+            </a:r>
+          </a:p>
+        </p:txBody>
+      </p:sp>
+      <p:pic>
+        <p:nvPicPr>
+          <p:cNvPr id="5" name="Content Placeholder 4">
+            <a:extLst>
+              <a:ext uri="{FF2B5EF4-FFF2-40B4-BE49-F238E27FC236}">
+                <a16:creationId xmlns:a16="http://schemas.microsoft.com/office/drawing/2014/main" id="{01BF2F64-8D63-2541-9342-E74F6935286F}"/>
+              </a:ext>
+            </a:extLst>
+          </p:cNvPr>
+          <p:cNvPicPr>
+            <a:picLocks noGrp="1" noChangeAspect="1"/>
+          </p:cNvPicPr>
+          <p:nvPr>
+            <p:ph idx="1"/>
+          </p:nvPr>
+        </p:nvPicPr>
+        <p:blipFill>
+          <a:blip r:embed="rId2"/>
+          <a:stretch>
+            <a:fillRect/>
+          </a:stretch>
+        </p:blipFill>
+        <p:spPr>
+          <a:xfrm>
+            <a:off x="6497245" y="2378076"/>
+            <a:ext cx="4550166" cy="3670300"/>
+          </a:xfrm>
+        </p:spPr>
+      </p:pic>
+      <p:pic>
+        <p:nvPicPr>
+          <p:cNvPr id="7" name="Picture 6">
+            <a:extLst>
+              <a:ext uri="{FF2B5EF4-FFF2-40B4-BE49-F238E27FC236}">
+                <a16:creationId xmlns:a16="http://schemas.microsoft.com/office/drawing/2014/main" id="{67FBB939-C39E-6547-980A-9307FB8DA165}"/>
+              </a:ext>
+            </a:extLst>
+          </p:cNvPr>
+          <p:cNvPicPr>
+            <a:picLocks noChangeAspect="1"/>
+          </p:cNvPicPr>
+          <p:nvPr/>
+        </p:nvPicPr>
+        <p:blipFill>
+          <a:blip r:embed="rId3"/>
+          <a:stretch>
+            <a:fillRect/>
+          </a:stretch>
+        </p:blipFill>
+        <p:spPr>
+          <a:xfrm>
+            <a:off x="1141413" y="2378076"/>
+            <a:ext cx="4648200" cy="3670300"/>
+          </a:xfrm>
+          <a:prstGeom prst="rect">
+            <a:avLst/>
+          </a:prstGeom>
+        </p:spPr>
+      </p:pic>
+      <p:sp>
+        <p:nvSpPr>
+          <p:cNvPr id="8" name="TextBox 7">
+            <a:extLst>
+              <a:ext uri="{FF2B5EF4-FFF2-40B4-BE49-F238E27FC236}">
+                <a16:creationId xmlns:a16="http://schemas.microsoft.com/office/drawing/2014/main" id="{6927232B-77F6-2343-8564-B8A3041DDB54}"/>
+              </a:ext>
+            </a:extLst>
+          </p:cNvPr>
+          <p:cNvSpPr txBox="1"/>
+          <p:nvPr/>
+        </p:nvSpPr>
+        <p:spPr>
+          <a:xfrm>
+            <a:off x="1373020" y="1977966"/>
+            <a:ext cx="3882190" cy="400110"/>
+          </a:xfrm>
+          <a:prstGeom prst="rect">
+            <a:avLst/>
+          </a:prstGeom>
+          <a:noFill/>
+        </p:spPr>
+        <p:txBody>
+          <a:bodyPr wrap="square" rtlCol="0">
+            <a:spAutoFit/>
+          </a:bodyPr>
+          <a:lstStyle/>
+          <a:p>
+            <a:pPr algn="ctr"/>
+            <a:r>
+              <a:rPr lang="en-US" sz="2000" dirty="0"/>
+              <a:t>Offensive</a:t>
+            </a:r>
+            <a:r>
+              <a:rPr lang="en-US" dirty="0"/>
+              <a:t> Tweets</a:t>
+            </a:r>
+          </a:p>
+        </p:txBody>
+      </p:sp>
+      <p:sp>
+        <p:nvSpPr>
+          <p:cNvPr id="9" name="TextBox 8">
+            <a:extLst>
+              <a:ext uri="{FF2B5EF4-FFF2-40B4-BE49-F238E27FC236}">
+                <a16:creationId xmlns:a16="http://schemas.microsoft.com/office/drawing/2014/main" id="{025B6570-649C-884F-899C-396FB8BCD0B5}"/>
+              </a:ext>
+            </a:extLst>
+          </p:cNvPr>
+          <p:cNvSpPr txBox="1"/>
+          <p:nvPr/>
+        </p:nvSpPr>
+        <p:spPr>
+          <a:xfrm>
+            <a:off x="6758947" y="1977966"/>
+            <a:ext cx="3882190" cy="400110"/>
+          </a:xfrm>
+          <a:prstGeom prst="rect">
+            <a:avLst/>
+          </a:prstGeom>
+          <a:noFill/>
+        </p:spPr>
+        <p:txBody>
+          <a:bodyPr wrap="square" rtlCol="0">
+            <a:spAutoFit/>
+          </a:bodyPr>
+          <a:lstStyle/>
+          <a:p>
+            <a:pPr algn="ctr"/>
+            <a:r>
+              <a:rPr lang="en-US" dirty="0"/>
+              <a:t>Hate </a:t>
+            </a:r>
+            <a:r>
+              <a:rPr lang="en-US" sz="2000" dirty="0"/>
+              <a:t>Tweets</a:t>
+            </a:r>
+            <a:endParaRPr lang="en-US" dirty="0"/>
+          </a:p>
+        </p:txBody>
+      </p:sp>
+    </p:spTree>
+    <p:extLst>
+      <p:ext uri="{BB962C8B-B14F-4D97-AF65-F5344CB8AC3E}">
+        <p14:creationId xmlns:p14="http://schemas.microsoft.com/office/powerpoint/2010/main" val="487866584"/>
+      </p:ext>
+    </p:extLst>
+  </p:cSld>
+  <p:clrMapOvr>
+    <a:masterClrMapping/>
+  </p:clrMapOvr>
+</p:sld>
+</file>
+
+<file path=ppt/slides/slide8.xml><?xml version="1.0" encoding="utf-8"?>
+<p:sld xmlns:a="http://schemas.openxmlformats.org/drawingml/2006/main" xmlns:r="http://schemas.openxmlformats.org/officeDocument/2006/relationships" xmlns:p="http://schemas.openxmlformats.org/presentationml/2006/main">
+  <p:cSld>
+    <p:spTree>
+      <p:nvGrpSpPr>
+        <p:cNvPr id="1" name=""/>
+        <p:cNvGrpSpPr/>
+        <p:nvPr/>
+      </p:nvGrpSpPr>
+      <p:grpSpPr>
+        <a:xfrm>
+          <a:off x="0" y="0"/>
+          <a:ext cx="0" cy="0"/>
+          <a:chOff x="0" y="0"/>
+          <a:chExt cx="0" cy="0"/>
+        </a:xfrm>
+      </p:grpSpPr>
+      <p:sp>
+        <p:nvSpPr>
+          <p:cNvPr id="2" name="Title 1">
+            <a:extLst>
+              <a:ext uri="{FF2B5EF4-FFF2-40B4-BE49-F238E27FC236}">
+                <a16:creationId xmlns:a16="http://schemas.microsoft.com/office/drawing/2014/main" id="{0C1C485D-BF59-C440-B351-A3BFBE36B51A}"/>
+              </a:ext>
+            </a:extLst>
+          </p:cNvPr>
+          <p:cNvSpPr>
+            <a:spLocks noGrp="1"/>
+          </p:cNvSpPr>
+          <p:nvPr>
+            <p:ph type="title"/>
+          </p:nvPr>
+        </p:nvSpPr>
+        <p:spPr/>
+        <p:txBody>
+          <a:bodyPr/>
+          <a:lstStyle/>
+          <a:p>
+            <a:pPr algn="ctr"/>
+            <a:r>
+              <a:rPr lang="en-US" dirty="0" err="1"/>
+              <a:t>Ngrams</a:t>
+            </a:r>
+            <a:r>
+              <a:rPr lang="en-US" dirty="0"/>
+              <a:t> (n=3)</a:t>
+            </a:r>
+          </a:p>
+        </p:txBody>
+      </p:sp>
+      <p:pic>
+        <p:nvPicPr>
+          <p:cNvPr id="5" name="Content Placeholder 4">
+            <a:extLst>
+              <a:ext uri="{FF2B5EF4-FFF2-40B4-BE49-F238E27FC236}">
+                <a16:creationId xmlns:a16="http://schemas.microsoft.com/office/drawing/2014/main" id="{A33B5D87-9DB1-5E4A-8F00-945F7474C96F}"/>
+              </a:ext>
+            </a:extLst>
+          </p:cNvPr>
+          <p:cNvPicPr>
+            <a:picLocks noGrp="1" noChangeAspect="1"/>
+          </p:cNvPicPr>
+          <p:nvPr>
+            <p:ph idx="1"/>
+          </p:nvPr>
+        </p:nvPicPr>
+        <p:blipFill>
+          <a:blip r:embed="rId2"/>
+          <a:stretch>
+            <a:fillRect/>
+          </a:stretch>
+        </p:blipFill>
+        <p:spPr>
+          <a:xfrm>
+            <a:off x="1141413" y="2278630"/>
+            <a:ext cx="9906000" cy="3483428"/>
+          </a:xfrm>
+        </p:spPr>
+      </p:pic>
+    </p:spTree>
+    <p:extLst>
+      <p:ext uri="{BB962C8B-B14F-4D97-AF65-F5344CB8AC3E}">
+        <p14:creationId xmlns:p14="http://schemas.microsoft.com/office/powerpoint/2010/main" val="2808852668"/>
+      </p:ext>
+    </p:extLst>
+  </p:cSld>
+  <p:clrMapOvr>
+    <a:masterClrMapping/>
+  </p:clrMapOvr>
+</p:sld>
+</file>
+
+<file path=ppt/slides/slide9.xml><?xml version="1.0" encoding="utf-8"?>
+<p:sld xmlns:a="http://schemas.openxmlformats.org/drawingml/2006/main" xmlns:r="http://schemas.openxmlformats.org/officeDocument/2006/relationships" xmlns:p="http://schemas.openxmlformats.org/presentationml/2006/main">
+  <p:cSld>
+    <p:spTree>
+      <p:nvGrpSpPr>
+        <p:cNvPr id="1" name=""/>
+        <p:cNvGrpSpPr/>
+        <p:nvPr/>
+      </p:nvGrpSpPr>
+      <p:grpSpPr>
+        <a:xfrm>
+          <a:off x="0" y="0"/>
+          <a:ext cx="0" cy="0"/>
+          <a:chOff x="0" y="0"/>
+          <a:chExt cx="0" cy="0"/>
+        </a:xfrm>
+      </p:grpSpPr>
+      <p:sp>
+        <p:nvSpPr>
+          <p:cNvPr id="2" name="Title 1">
+            <a:extLst>
+              <a:ext uri="{FF2B5EF4-FFF2-40B4-BE49-F238E27FC236}">
                 <a16:creationId xmlns:a16="http://schemas.microsoft.com/office/drawing/2014/main" id="{B77968C5-8E7F-F94D-84DE-1674365166E7}"/>
               </a:ext>
             </a:extLst>
@@ -12640,3199 +16649,6 @@
     <p:extLst>
       <p:ext uri="{BB962C8B-B14F-4D97-AF65-F5344CB8AC3E}">
         <p14:creationId xmlns:p14="http://schemas.microsoft.com/office/powerpoint/2010/main" val="431940155"/>
-      </p:ext>
-    </p:extLst>
-  </p:cSld>
-  <p:clrMapOvr>
-    <a:masterClrMapping/>
-  </p:clrMapOvr>
-</p:sld>
-</file>
-
-<file path=ppt/slides/slide11.xml><?xml version="1.0" encoding="utf-8"?>
-<p:sld xmlns:a="http://schemas.openxmlformats.org/drawingml/2006/main" xmlns:r="http://schemas.openxmlformats.org/officeDocument/2006/relationships" xmlns:p="http://schemas.openxmlformats.org/presentationml/2006/main">
-  <p:cSld>
-    <p:spTree>
-      <p:nvGrpSpPr>
-        <p:cNvPr id="1" name=""/>
-        <p:cNvGrpSpPr/>
-        <p:nvPr/>
-      </p:nvGrpSpPr>
-      <p:grpSpPr>
-        <a:xfrm>
-          <a:off x="0" y="0"/>
-          <a:ext cx="0" cy="0"/>
-          <a:chOff x="0" y="0"/>
-          <a:chExt cx="0" cy="0"/>
-        </a:xfrm>
-      </p:grpSpPr>
-      <p:sp>
-        <p:nvSpPr>
-          <p:cNvPr id="2" name="Title 1">
-            <a:extLst>
-              <a:ext uri="{FF2B5EF4-FFF2-40B4-BE49-F238E27FC236}">
-                <a16:creationId xmlns:a16="http://schemas.microsoft.com/office/drawing/2014/main" id="{E39CF7A6-1BC7-094C-AB9B-435E16A02C46}"/>
-              </a:ext>
-            </a:extLst>
-          </p:cNvPr>
-          <p:cNvSpPr>
-            <a:spLocks noGrp="1"/>
-          </p:cNvSpPr>
-          <p:nvPr>
-            <p:ph type="title"/>
-          </p:nvPr>
-        </p:nvSpPr>
-        <p:spPr/>
-        <p:txBody>
-          <a:bodyPr/>
-          <a:lstStyle/>
-          <a:p>
-            <a:pPr algn="ctr"/>
-            <a:r>
-              <a:rPr lang="en-US" dirty="0" err="1"/>
-              <a:t>tf-idf</a:t>
-            </a:r>
-            <a:endParaRPr lang="en-US" dirty="0"/>
-          </a:p>
-        </p:txBody>
-      </p:sp>
-      <p:pic>
-        <p:nvPicPr>
-          <p:cNvPr id="5" name="Content Placeholder 4">
-            <a:extLst>
-              <a:ext uri="{FF2B5EF4-FFF2-40B4-BE49-F238E27FC236}">
-                <a16:creationId xmlns:a16="http://schemas.microsoft.com/office/drawing/2014/main" id="{F5405784-B3F5-8544-ACCA-0F8F7B747687}"/>
-              </a:ext>
-            </a:extLst>
-          </p:cNvPr>
-          <p:cNvPicPr>
-            <a:picLocks noGrp="1" noChangeAspect="1"/>
-          </p:cNvPicPr>
-          <p:nvPr>
-            <p:ph idx="1"/>
-          </p:nvPr>
-        </p:nvPicPr>
-        <p:blipFill>
-          <a:blip r:embed="rId2"/>
-          <a:stretch>
-            <a:fillRect/>
-          </a:stretch>
-        </p:blipFill>
-        <p:spPr/>
-      </p:pic>
-    </p:spTree>
-    <p:extLst>
-      <p:ext uri="{BB962C8B-B14F-4D97-AF65-F5344CB8AC3E}">
-        <p14:creationId xmlns:p14="http://schemas.microsoft.com/office/powerpoint/2010/main" val="4207238226"/>
-      </p:ext>
-    </p:extLst>
-  </p:cSld>
-  <p:clrMapOvr>
-    <a:masterClrMapping/>
-  </p:clrMapOvr>
-</p:sld>
-</file>
-
-<file path=ppt/slides/slide12.xml><?xml version="1.0" encoding="utf-8"?>
-<p:sld xmlns:a="http://schemas.openxmlformats.org/drawingml/2006/main" xmlns:r="http://schemas.openxmlformats.org/officeDocument/2006/relationships" xmlns:p="http://schemas.openxmlformats.org/presentationml/2006/main">
-  <p:cSld>
-    <p:spTree>
-      <p:nvGrpSpPr>
-        <p:cNvPr id="1" name=""/>
-        <p:cNvGrpSpPr/>
-        <p:nvPr/>
-      </p:nvGrpSpPr>
-      <p:grpSpPr>
-        <a:xfrm>
-          <a:off x="0" y="0"/>
-          <a:ext cx="0" cy="0"/>
-          <a:chOff x="0" y="0"/>
-          <a:chExt cx="0" cy="0"/>
-        </a:xfrm>
-      </p:grpSpPr>
-      <p:sp>
-        <p:nvSpPr>
-          <p:cNvPr id="2" name="Title 1">
-            <a:extLst>
-              <a:ext uri="{FF2B5EF4-FFF2-40B4-BE49-F238E27FC236}">
-                <a16:creationId xmlns:a16="http://schemas.microsoft.com/office/drawing/2014/main" id="{57957B16-F34C-014F-BDA8-838B7FAB49A0}"/>
-              </a:ext>
-            </a:extLst>
-          </p:cNvPr>
-          <p:cNvSpPr>
-            <a:spLocks noGrp="1"/>
-          </p:cNvSpPr>
-          <p:nvPr>
-            <p:ph type="title"/>
-          </p:nvPr>
-        </p:nvSpPr>
-        <p:spPr/>
-        <p:txBody>
-          <a:bodyPr/>
-          <a:lstStyle/>
-          <a:p>
-            <a:pPr algn="ctr"/>
-            <a:r>
-              <a:rPr lang="en-US" dirty="0"/>
-              <a:t>TF-IDF – Feature Count</a:t>
-            </a:r>
-          </a:p>
-        </p:txBody>
-      </p:sp>
-      <p:pic>
-        <p:nvPicPr>
-          <p:cNvPr id="5" name="Content Placeholder 4">
-            <a:extLst>
-              <a:ext uri="{FF2B5EF4-FFF2-40B4-BE49-F238E27FC236}">
-                <a16:creationId xmlns:a16="http://schemas.microsoft.com/office/drawing/2014/main" id="{688055B0-F948-B04E-A2C3-6FCFDEE97BE3}"/>
-              </a:ext>
-            </a:extLst>
-          </p:cNvPr>
-          <p:cNvPicPr>
-            <a:picLocks noGrp="1" noChangeAspect="1"/>
-          </p:cNvPicPr>
-          <p:nvPr>
-            <p:ph idx="1"/>
-          </p:nvPr>
-        </p:nvPicPr>
-        <p:blipFill>
-          <a:blip r:embed="rId2"/>
-          <a:stretch>
-            <a:fillRect/>
-          </a:stretch>
-        </p:blipFill>
-        <p:spPr>
-          <a:xfrm>
-            <a:off x="6450011" y="2616200"/>
-            <a:ext cx="4597400" cy="3441700"/>
-          </a:xfrm>
-        </p:spPr>
-      </p:pic>
-      <p:pic>
-        <p:nvPicPr>
-          <p:cNvPr id="7" name="Picture 6">
-            <a:extLst>
-              <a:ext uri="{FF2B5EF4-FFF2-40B4-BE49-F238E27FC236}">
-                <a16:creationId xmlns:a16="http://schemas.microsoft.com/office/drawing/2014/main" id="{CE220E0B-B001-334F-8BCD-F6ECF653A621}"/>
-              </a:ext>
-            </a:extLst>
-          </p:cNvPr>
-          <p:cNvPicPr>
-            <a:picLocks noChangeAspect="1"/>
-          </p:cNvPicPr>
-          <p:nvPr/>
-        </p:nvPicPr>
-        <p:blipFill>
-          <a:blip r:embed="rId3"/>
-          <a:stretch>
-            <a:fillRect/>
-          </a:stretch>
-        </p:blipFill>
-        <p:spPr>
-          <a:xfrm>
-            <a:off x="1141413" y="2616200"/>
-            <a:ext cx="4834144" cy="3441700"/>
-          </a:xfrm>
-          <a:prstGeom prst="rect">
-            <a:avLst/>
-          </a:prstGeom>
-        </p:spPr>
-      </p:pic>
-      <p:sp>
-        <p:nvSpPr>
-          <p:cNvPr id="8" name="TextBox 7">
-            <a:extLst>
-              <a:ext uri="{FF2B5EF4-FFF2-40B4-BE49-F238E27FC236}">
-                <a16:creationId xmlns:a16="http://schemas.microsoft.com/office/drawing/2014/main" id="{E8E29C66-180C-0E48-9442-3C2D9A3AEE39}"/>
-              </a:ext>
-            </a:extLst>
-          </p:cNvPr>
-          <p:cNvSpPr txBox="1"/>
-          <p:nvPr/>
-        </p:nvSpPr>
-        <p:spPr>
-          <a:xfrm>
-            <a:off x="1578726" y="2216090"/>
-            <a:ext cx="3882190" cy="400110"/>
-          </a:xfrm>
-          <a:prstGeom prst="rect">
-            <a:avLst/>
-          </a:prstGeom>
-          <a:noFill/>
-        </p:spPr>
-        <p:txBody>
-          <a:bodyPr wrap="square" rtlCol="0">
-            <a:spAutoFit/>
-          </a:bodyPr>
-          <a:lstStyle/>
-          <a:p>
-            <a:pPr algn="ctr"/>
-            <a:r>
-              <a:rPr lang="en-US" sz="2000" dirty="0"/>
-              <a:t>Offensive</a:t>
-            </a:r>
-            <a:r>
-              <a:rPr lang="en-US" dirty="0"/>
-              <a:t> Tweets</a:t>
-            </a:r>
-          </a:p>
-        </p:txBody>
-      </p:sp>
-      <p:sp>
-        <p:nvSpPr>
-          <p:cNvPr id="9" name="TextBox 8">
-            <a:extLst>
-              <a:ext uri="{FF2B5EF4-FFF2-40B4-BE49-F238E27FC236}">
-                <a16:creationId xmlns:a16="http://schemas.microsoft.com/office/drawing/2014/main" id="{94335E12-F6D8-8047-B68D-C9613369F0FF}"/>
-              </a:ext>
-            </a:extLst>
-          </p:cNvPr>
-          <p:cNvSpPr txBox="1"/>
-          <p:nvPr/>
-        </p:nvSpPr>
-        <p:spPr>
-          <a:xfrm>
-            <a:off x="6964653" y="2216090"/>
-            <a:ext cx="3882190" cy="400110"/>
-          </a:xfrm>
-          <a:prstGeom prst="rect">
-            <a:avLst/>
-          </a:prstGeom>
-          <a:noFill/>
-        </p:spPr>
-        <p:txBody>
-          <a:bodyPr wrap="square" rtlCol="0">
-            <a:spAutoFit/>
-          </a:bodyPr>
-          <a:lstStyle/>
-          <a:p>
-            <a:pPr algn="ctr"/>
-            <a:r>
-              <a:rPr lang="en-US" dirty="0"/>
-              <a:t>Hate </a:t>
-            </a:r>
-            <a:r>
-              <a:rPr lang="en-US" sz="2000" dirty="0"/>
-              <a:t>Tweets</a:t>
-            </a:r>
-            <a:endParaRPr lang="en-US" dirty="0"/>
-          </a:p>
-        </p:txBody>
-      </p:sp>
-    </p:spTree>
-    <p:extLst>
-      <p:ext uri="{BB962C8B-B14F-4D97-AF65-F5344CB8AC3E}">
-        <p14:creationId xmlns:p14="http://schemas.microsoft.com/office/powerpoint/2010/main" val="372970809"/>
-      </p:ext>
-    </p:extLst>
-  </p:cSld>
-  <p:clrMapOvr>
-    <a:masterClrMapping/>
-  </p:clrMapOvr>
-</p:sld>
-</file>
-
-<file path=ppt/slides/slide13.xml><?xml version="1.0" encoding="utf-8"?>
-<p:sld xmlns:a="http://schemas.openxmlformats.org/drawingml/2006/main" xmlns:r="http://schemas.openxmlformats.org/officeDocument/2006/relationships" xmlns:p="http://schemas.openxmlformats.org/presentationml/2006/main">
-  <p:cSld>
-    <p:spTree>
-      <p:nvGrpSpPr>
-        <p:cNvPr id="1" name=""/>
-        <p:cNvGrpSpPr/>
-        <p:nvPr/>
-      </p:nvGrpSpPr>
-      <p:grpSpPr>
-        <a:xfrm>
-          <a:off x="0" y="0"/>
-          <a:ext cx="0" cy="0"/>
-          <a:chOff x="0" y="0"/>
-          <a:chExt cx="0" cy="0"/>
-        </a:xfrm>
-      </p:grpSpPr>
-      <p:sp>
-        <p:nvSpPr>
-          <p:cNvPr id="2" name="Title 1">
-            <a:extLst>
-              <a:ext uri="{FF2B5EF4-FFF2-40B4-BE49-F238E27FC236}">
-                <a16:creationId xmlns:a16="http://schemas.microsoft.com/office/drawing/2014/main" id="{5F8269A6-964B-D541-90B4-C9A90D9631C6}"/>
-              </a:ext>
-            </a:extLst>
-          </p:cNvPr>
-          <p:cNvSpPr>
-            <a:spLocks noGrp="1"/>
-          </p:cNvSpPr>
-          <p:nvPr>
-            <p:ph type="title"/>
-          </p:nvPr>
-        </p:nvSpPr>
-        <p:spPr/>
-        <p:txBody>
-          <a:bodyPr/>
-          <a:lstStyle/>
-          <a:p>
-            <a:pPr algn="ctr"/>
-            <a:r>
-              <a:rPr lang="en-US" dirty="0"/>
-              <a:t>Word2Vec - CBOW</a:t>
-            </a:r>
-          </a:p>
-        </p:txBody>
-      </p:sp>
-      <p:pic>
-        <p:nvPicPr>
-          <p:cNvPr id="5" name="Content Placeholder 4">
-            <a:extLst>
-              <a:ext uri="{FF2B5EF4-FFF2-40B4-BE49-F238E27FC236}">
-                <a16:creationId xmlns:a16="http://schemas.microsoft.com/office/drawing/2014/main" id="{2464FF44-EA14-064A-B142-E6B72B1EA192}"/>
-              </a:ext>
-            </a:extLst>
-          </p:cNvPr>
-          <p:cNvPicPr>
-            <a:picLocks noGrp="1" noChangeAspect="1"/>
-          </p:cNvPicPr>
-          <p:nvPr>
-            <p:ph idx="1"/>
-          </p:nvPr>
-        </p:nvPicPr>
-        <p:blipFill>
-          <a:blip r:embed="rId2"/>
-          <a:stretch>
-            <a:fillRect/>
-          </a:stretch>
-        </p:blipFill>
-        <p:spPr>
-          <a:xfrm>
-            <a:off x="1985275" y="2548660"/>
-            <a:ext cx="9053606" cy="3242539"/>
-          </a:xfrm>
-        </p:spPr>
-      </p:pic>
-    </p:spTree>
-    <p:extLst>
-      <p:ext uri="{BB962C8B-B14F-4D97-AF65-F5344CB8AC3E}">
-        <p14:creationId xmlns:p14="http://schemas.microsoft.com/office/powerpoint/2010/main" val="2896710304"/>
-      </p:ext>
-    </p:extLst>
-  </p:cSld>
-  <p:clrMapOvr>
-    <a:masterClrMapping/>
-  </p:clrMapOvr>
-</p:sld>
-</file>
-
-<file path=ppt/slides/slide14.xml><?xml version="1.0" encoding="utf-8"?>
-<p:sld xmlns:a="http://schemas.openxmlformats.org/drawingml/2006/main" xmlns:r="http://schemas.openxmlformats.org/officeDocument/2006/relationships" xmlns:p="http://schemas.openxmlformats.org/presentationml/2006/main">
-  <p:cSld>
-    <p:spTree>
-      <p:nvGrpSpPr>
-        <p:cNvPr id="1" name=""/>
-        <p:cNvGrpSpPr/>
-        <p:nvPr/>
-      </p:nvGrpSpPr>
-      <p:grpSpPr>
-        <a:xfrm>
-          <a:off x="0" y="0"/>
-          <a:ext cx="0" cy="0"/>
-          <a:chOff x="0" y="0"/>
-          <a:chExt cx="0" cy="0"/>
-        </a:xfrm>
-      </p:grpSpPr>
-      <p:sp>
-        <p:nvSpPr>
-          <p:cNvPr id="2" name="Title 1">
-            <a:extLst>
-              <a:ext uri="{FF2B5EF4-FFF2-40B4-BE49-F238E27FC236}">
-                <a16:creationId xmlns:a16="http://schemas.microsoft.com/office/drawing/2014/main" id="{5F8269A6-964B-D541-90B4-C9A90D9631C6}"/>
-              </a:ext>
-            </a:extLst>
-          </p:cNvPr>
-          <p:cNvSpPr>
-            <a:spLocks noGrp="1"/>
-          </p:cNvSpPr>
-          <p:nvPr>
-            <p:ph type="title"/>
-          </p:nvPr>
-        </p:nvSpPr>
-        <p:spPr/>
-        <p:txBody>
-          <a:bodyPr/>
-          <a:lstStyle/>
-          <a:p>
-            <a:pPr algn="ctr"/>
-            <a:r>
-              <a:rPr lang="en-US" dirty="0"/>
-              <a:t>Custom - CBOW</a:t>
-            </a:r>
-          </a:p>
-        </p:txBody>
-      </p:sp>
-      <p:sp>
-        <p:nvSpPr>
-          <p:cNvPr id="4" name="Content Placeholder 3">
-            <a:extLst>
-              <a:ext uri="{FF2B5EF4-FFF2-40B4-BE49-F238E27FC236}">
-                <a16:creationId xmlns:a16="http://schemas.microsoft.com/office/drawing/2014/main" id="{C4E3BCA3-CC79-4993-877D-C0C2F98D65CC}"/>
-              </a:ext>
-            </a:extLst>
-          </p:cNvPr>
-          <p:cNvSpPr>
-            <a:spLocks noGrp="1"/>
-          </p:cNvSpPr>
-          <p:nvPr>
-            <p:ph idx="1"/>
-          </p:nvPr>
-        </p:nvSpPr>
-        <p:spPr/>
-        <p:txBody>
-          <a:bodyPr/>
-          <a:lstStyle/>
-          <a:p>
-            <a:endParaRPr lang="en-CA"/>
-          </a:p>
-        </p:txBody>
-      </p:sp>
-      <p:pic>
-        <p:nvPicPr>
-          <p:cNvPr id="7" name="Picture 6">
-            <a:extLst>
-              <a:ext uri="{FF2B5EF4-FFF2-40B4-BE49-F238E27FC236}">
-                <a16:creationId xmlns:a16="http://schemas.microsoft.com/office/drawing/2014/main" id="{0C06CF07-2803-4E27-BFE0-12FB132E22C7}"/>
-              </a:ext>
-            </a:extLst>
-          </p:cNvPr>
-          <p:cNvPicPr>
-            <a:picLocks noChangeAspect="1"/>
-          </p:cNvPicPr>
-          <p:nvPr/>
-        </p:nvPicPr>
-        <p:blipFill>
-          <a:blip r:embed="rId2"/>
-          <a:stretch>
-            <a:fillRect/>
-          </a:stretch>
-        </p:blipFill>
-        <p:spPr>
-          <a:xfrm>
-            <a:off x="2073292" y="2338092"/>
-            <a:ext cx="8515376" cy="3760294"/>
-          </a:xfrm>
-          <a:prstGeom prst="rect">
-            <a:avLst/>
-          </a:prstGeom>
-        </p:spPr>
-      </p:pic>
-    </p:spTree>
-    <p:extLst>
-      <p:ext uri="{BB962C8B-B14F-4D97-AF65-F5344CB8AC3E}">
-        <p14:creationId xmlns:p14="http://schemas.microsoft.com/office/powerpoint/2010/main" val="3565395066"/>
-      </p:ext>
-    </p:extLst>
-  </p:cSld>
-  <p:clrMapOvr>
-    <a:masterClrMapping/>
-  </p:clrMapOvr>
-</p:sld>
-</file>
-
-<file path=ppt/slides/slide15.xml><?xml version="1.0" encoding="utf-8"?>
-<p:sld xmlns:a="http://schemas.openxmlformats.org/drawingml/2006/main" xmlns:r="http://schemas.openxmlformats.org/officeDocument/2006/relationships" xmlns:p="http://schemas.openxmlformats.org/presentationml/2006/main">
-  <p:cSld>
-    <p:spTree>
-      <p:nvGrpSpPr>
-        <p:cNvPr id="1" name=""/>
-        <p:cNvGrpSpPr/>
-        <p:nvPr/>
-      </p:nvGrpSpPr>
-      <p:grpSpPr>
-        <a:xfrm>
-          <a:off x="0" y="0"/>
-          <a:ext cx="0" cy="0"/>
-          <a:chOff x="0" y="0"/>
-          <a:chExt cx="0" cy="0"/>
-        </a:xfrm>
-      </p:grpSpPr>
-      <p:sp>
-        <p:nvSpPr>
-          <p:cNvPr id="2" name="Title 1">
-            <a:extLst>
-              <a:ext uri="{FF2B5EF4-FFF2-40B4-BE49-F238E27FC236}">
-                <a16:creationId xmlns:a16="http://schemas.microsoft.com/office/drawing/2014/main" id="{A52EDF1E-F03E-5648-A980-6074C1624DED}"/>
-              </a:ext>
-            </a:extLst>
-          </p:cNvPr>
-          <p:cNvSpPr>
-            <a:spLocks noGrp="1"/>
-          </p:cNvSpPr>
-          <p:nvPr>
-            <p:ph type="title"/>
-          </p:nvPr>
-        </p:nvSpPr>
-        <p:spPr/>
-        <p:txBody>
-          <a:bodyPr/>
-          <a:lstStyle/>
-          <a:p>
-            <a:pPr algn="ctr"/>
-            <a:r>
-              <a:rPr lang="en-US" dirty="0"/>
-              <a:t>Model and embedding accuracy</a:t>
-            </a:r>
-          </a:p>
-        </p:txBody>
-      </p:sp>
-      <p:sp>
-        <p:nvSpPr>
-          <p:cNvPr id="3" name="Content Placeholder 2">
-            <a:extLst>
-              <a:ext uri="{FF2B5EF4-FFF2-40B4-BE49-F238E27FC236}">
-                <a16:creationId xmlns:a16="http://schemas.microsoft.com/office/drawing/2014/main" id="{70FE35C9-5171-2B4D-8FB8-85D678F8624B}"/>
-              </a:ext>
-            </a:extLst>
-          </p:cNvPr>
-          <p:cNvSpPr>
-            <a:spLocks noGrp="1"/>
-          </p:cNvSpPr>
-          <p:nvPr>
-            <p:ph idx="1"/>
-          </p:nvPr>
-        </p:nvSpPr>
-        <p:spPr/>
-        <p:txBody>
-          <a:bodyPr/>
-          <a:lstStyle/>
-          <a:p>
-            <a:r>
-              <a:rPr lang="en-US" dirty="0"/>
-              <a:t>Model results (for graph)</a:t>
-            </a:r>
-          </a:p>
-          <a:p>
-            <a:r>
-              <a:rPr lang="en-US" dirty="0"/>
-              <a:t>LOGISTIC REGRESSION/DECISION TREE</a:t>
-            </a:r>
-          </a:p>
-          <a:p>
-            <a:pPr lvl="1"/>
-            <a:r>
-              <a:rPr lang="en-US" dirty="0"/>
-              <a:t>BOW: 0.79/0.76</a:t>
-            </a:r>
-          </a:p>
-          <a:p>
-            <a:pPr lvl="1"/>
-            <a:r>
-              <a:rPr lang="en-US" dirty="0"/>
-              <a:t>W2V: 0.79/0.66</a:t>
-            </a:r>
-          </a:p>
-          <a:p>
-            <a:pPr lvl="1"/>
-            <a:r>
-              <a:rPr lang="en-US" dirty="0" err="1"/>
-              <a:t>Concat</a:t>
-            </a:r>
-            <a:r>
-              <a:rPr lang="en-US" dirty="0"/>
-              <a:t>(BOW, W2V): 0.78/.69</a:t>
-            </a:r>
-          </a:p>
-          <a:p>
-            <a:pPr lvl="1"/>
-            <a:r>
-              <a:rPr lang="en-US" dirty="0"/>
-              <a:t>Custom W2V: 0.72/0.66</a:t>
-            </a:r>
-          </a:p>
-          <a:p>
-            <a:pPr lvl="1"/>
-            <a:endParaRPr lang="en-US" dirty="0"/>
-          </a:p>
-        </p:txBody>
-      </p:sp>
-    </p:spTree>
-    <p:extLst>
-      <p:ext uri="{BB962C8B-B14F-4D97-AF65-F5344CB8AC3E}">
-        <p14:creationId xmlns:p14="http://schemas.microsoft.com/office/powerpoint/2010/main" val="868540217"/>
-      </p:ext>
-    </p:extLst>
-  </p:cSld>
-  <p:clrMapOvr>
-    <a:masterClrMapping/>
-  </p:clrMapOvr>
-</p:sld>
-</file>
-
-<file path=ppt/slides/slide16.xml><?xml version="1.0" encoding="utf-8"?>
-<p:sld xmlns:a="http://schemas.openxmlformats.org/drawingml/2006/main" xmlns:r="http://schemas.openxmlformats.org/officeDocument/2006/relationships" xmlns:p="http://schemas.openxmlformats.org/presentationml/2006/main">
-  <p:cSld>
-    <p:spTree>
-      <p:nvGrpSpPr>
-        <p:cNvPr id="1" name=""/>
-        <p:cNvGrpSpPr/>
-        <p:nvPr/>
-      </p:nvGrpSpPr>
-      <p:grpSpPr>
-        <a:xfrm>
-          <a:off x="0" y="0"/>
-          <a:ext cx="0" cy="0"/>
-          <a:chOff x="0" y="0"/>
-          <a:chExt cx="0" cy="0"/>
-        </a:xfrm>
-      </p:grpSpPr>
-      <p:sp>
-        <p:nvSpPr>
-          <p:cNvPr id="2" name="Title 1">
-            <a:extLst>
-              <a:ext uri="{FF2B5EF4-FFF2-40B4-BE49-F238E27FC236}">
-                <a16:creationId xmlns:a16="http://schemas.microsoft.com/office/drawing/2014/main" id="{0790A92C-6725-47E9-A5CF-36D0E4D9D622}"/>
-              </a:ext>
-            </a:extLst>
-          </p:cNvPr>
-          <p:cNvSpPr>
-            <a:spLocks noGrp="1"/>
-          </p:cNvSpPr>
-          <p:nvPr>
-            <p:ph type="title"/>
-          </p:nvPr>
-        </p:nvSpPr>
-        <p:spPr/>
-        <p:txBody>
-          <a:bodyPr/>
-          <a:lstStyle/>
-          <a:p>
-            <a:endParaRPr lang="en-CA"/>
-          </a:p>
-        </p:txBody>
-      </p:sp>
-      <p:sp>
-        <p:nvSpPr>
-          <p:cNvPr id="3" name="Content Placeholder 2">
-            <a:extLst>
-              <a:ext uri="{FF2B5EF4-FFF2-40B4-BE49-F238E27FC236}">
-                <a16:creationId xmlns:a16="http://schemas.microsoft.com/office/drawing/2014/main" id="{FF2F7781-3A83-445A-BFE1-3C93993EB28E}"/>
-              </a:ext>
-            </a:extLst>
-          </p:cNvPr>
-          <p:cNvSpPr>
-            <a:spLocks noGrp="1"/>
-          </p:cNvSpPr>
-          <p:nvPr>
-            <p:ph idx="1"/>
-          </p:nvPr>
-        </p:nvSpPr>
-        <p:spPr/>
-        <p:txBody>
-          <a:bodyPr/>
-          <a:lstStyle/>
-          <a:p>
-            <a:endParaRPr lang="en-CA"/>
-          </a:p>
-        </p:txBody>
-      </p:sp>
-    </p:spTree>
-    <p:extLst>
-      <p:ext uri="{BB962C8B-B14F-4D97-AF65-F5344CB8AC3E}">
-        <p14:creationId xmlns:p14="http://schemas.microsoft.com/office/powerpoint/2010/main" val="1053601348"/>
-      </p:ext>
-    </p:extLst>
-  </p:cSld>
-  <p:clrMapOvr>
-    <a:masterClrMapping/>
-  </p:clrMapOvr>
-</p:sld>
-</file>
-
-<file path=ppt/slides/slide17.xml><?xml version="1.0" encoding="utf-8"?>
-<p:sld xmlns:a="http://schemas.openxmlformats.org/drawingml/2006/main" xmlns:r="http://schemas.openxmlformats.org/officeDocument/2006/relationships" xmlns:p="http://schemas.openxmlformats.org/presentationml/2006/main">
-  <p:cSld>
-    <p:spTree>
-      <p:nvGrpSpPr>
-        <p:cNvPr id="1" name=""/>
-        <p:cNvGrpSpPr/>
-        <p:nvPr/>
-      </p:nvGrpSpPr>
-      <p:grpSpPr>
-        <a:xfrm>
-          <a:off x="0" y="0"/>
-          <a:ext cx="0" cy="0"/>
-          <a:chOff x="0" y="0"/>
-          <a:chExt cx="0" cy="0"/>
-        </a:xfrm>
-      </p:grpSpPr>
-      <p:sp>
-        <p:nvSpPr>
-          <p:cNvPr id="2" name="Title 1">
-            <a:extLst>
-              <a:ext uri="{FF2B5EF4-FFF2-40B4-BE49-F238E27FC236}">
-                <a16:creationId xmlns:a16="http://schemas.microsoft.com/office/drawing/2014/main" id="{FF720207-9CC4-F54E-A05F-EDFCF0C91252}"/>
-              </a:ext>
-            </a:extLst>
-          </p:cNvPr>
-          <p:cNvSpPr>
-            <a:spLocks noGrp="1"/>
-          </p:cNvSpPr>
-          <p:nvPr>
-            <p:ph type="title"/>
-          </p:nvPr>
-        </p:nvSpPr>
-        <p:spPr/>
-        <p:txBody>
-          <a:bodyPr/>
-          <a:lstStyle/>
-          <a:p>
-            <a:r>
-              <a:rPr lang="en-US" dirty="0"/>
-              <a:t>Best model – logistic regression on </a:t>
-            </a:r>
-            <a:r>
-              <a:rPr lang="en-US" dirty="0" err="1"/>
-              <a:t>tf-idf</a:t>
-            </a:r>
-            <a:endParaRPr lang="en-US" dirty="0"/>
-          </a:p>
-        </p:txBody>
-      </p:sp>
-      <p:pic>
-        <p:nvPicPr>
-          <p:cNvPr id="5" name="Content Placeholder 4">
-            <a:extLst>
-              <a:ext uri="{FF2B5EF4-FFF2-40B4-BE49-F238E27FC236}">
-                <a16:creationId xmlns:a16="http://schemas.microsoft.com/office/drawing/2014/main" id="{BABF2169-5F4F-734A-954A-82522013BE38}"/>
-              </a:ext>
-            </a:extLst>
-          </p:cNvPr>
-          <p:cNvPicPr>
-            <a:picLocks noGrp="1" noChangeAspect="1"/>
-          </p:cNvPicPr>
-          <p:nvPr>
-            <p:ph idx="1"/>
-          </p:nvPr>
-        </p:nvPicPr>
-        <p:blipFill>
-          <a:blip r:embed="rId2"/>
-          <a:stretch>
-            <a:fillRect/>
-          </a:stretch>
-        </p:blipFill>
-        <p:spPr>
-          <a:xfrm>
-            <a:off x="2339770" y="2502568"/>
-            <a:ext cx="7509283" cy="2304173"/>
-          </a:xfrm>
-        </p:spPr>
-      </p:pic>
-    </p:spTree>
-    <p:extLst>
-      <p:ext uri="{BB962C8B-B14F-4D97-AF65-F5344CB8AC3E}">
-        <p14:creationId xmlns:p14="http://schemas.microsoft.com/office/powerpoint/2010/main" val="1324802324"/>
-      </p:ext>
-    </p:extLst>
-  </p:cSld>
-  <p:clrMapOvr>
-    <a:masterClrMapping/>
-  </p:clrMapOvr>
-</p:sld>
-</file>
-
-<file path=ppt/slides/slide18.xml><?xml version="1.0" encoding="utf-8"?>
-<p:sld xmlns:a="http://schemas.openxmlformats.org/drawingml/2006/main" xmlns:r="http://schemas.openxmlformats.org/officeDocument/2006/relationships" xmlns:p="http://schemas.openxmlformats.org/presentationml/2006/main">
-  <p:cSld>
-    <p:spTree>
-      <p:nvGrpSpPr>
-        <p:cNvPr id="1" name=""/>
-        <p:cNvGrpSpPr/>
-        <p:nvPr/>
-      </p:nvGrpSpPr>
-      <p:grpSpPr>
-        <a:xfrm>
-          <a:off x="0" y="0"/>
-          <a:ext cx="0" cy="0"/>
-          <a:chOff x="0" y="0"/>
-          <a:chExt cx="0" cy="0"/>
-        </a:xfrm>
-      </p:grpSpPr>
-      <p:sp>
-        <p:nvSpPr>
-          <p:cNvPr id="2" name="Title 1">
-            <a:extLst>
-              <a:ext uri="{FF2B5EF4-FFF2-40B4-BE49-F238E27FC236}">
-                <a16:creationId xmlns:a16="http://schemas.microsoft.com/office/drawing/2014/main" id="{48B1E2D5-B89A-C54F-867B-3D724F9D32A1}"/>
-              </a:ext>
-            </a:extLst>
-          </p:cNvPr>
-          <p:cNvSpPr>
-            <a:spLocks noGrp="1"/>
-          </p:cNvSpPr>
-          <p:nvPr>
-            <p:ph type="title"/>
-          </p:nvPr>
-        </p:nvSpPr>
-        <p:spPr/>
-        <p:txBody>
-          <a:bodyPr/>
-          <a:lstStyle/>
-          <a:p>
-            <a:pPr algn="ctr"/>
-            <a:r>
-              <a:rPr lang="en-US" dirty="0"/>
-              <a:t>Feature importance</a:t>
-            </a:r>
-            <a:br>
-              <a:rPr lang="en-US" dirty="0"/>
-            </a:br>
-            <a:r>
-              <a:rPr lang="en-US" dirty="0" err="1"/>
-              <a:t>tf-idf</a:t>
-            </a:r>
-            <a:r>
-              <a:rPr lang="en-US" dirty="0"/>
-              <a:t> – Logistic regression</a:t>
-            </a:r>
-          </a:p>
-        </p:txBody>
-      </p:sp>
-      <p:pic>
-        <p:nvPicPr>
-          <p:cNvPr id="5" name="Content Placeholder 4">
-            <a:extLst>
-              <a:ext uri="{FF2B5EF4-FFF2-40B4-BE49-F238E27FC236}">
-                <a16:creationId xmlns:a16="http://schemas.microsoft.com/office/drawing/2014/main" id="{1781EE97-EE8D-AD4E-8F8E-C66295442650}"/>
-              </a:ext>
-            </a:extLst>
-          </p:cNvPr>
-          <p:cNvPicPr>
-            <a:picLocks noGrp="1" noChangeAspect="1"/>
-          </p:cNvPicPr>
-          <p:nvPr>
-            <p:ph idx="1"/>
-          </p:nvPr>
-        </p:nvPicPr>
-        <p:blipFill rotWithShape="1">
-          <a:blip r:embed="rId2"/>
-          <a:srcRect l="-931" t="-245" r="-931" b="47923"/>
-          <a:stretch/>
-        </p:blipFill>
-        <p:spPr>
-          <a:xfrm>
-            <a:off x="3425268" y="2097088"/>
-            <a:ext cx="2669144" cy="4289228"/>
-          </a:xfrm>
-        </p:spPr>
-      </p:pic>
-      <p:pic>
-        <p:nvPicPr>
-          <p:cNvPr id="7" name="Picture 6">
-            <a:extLst>
-              <a:ext uri="{FF2B5EF4-FFF2-40B4-BE49-F238E27FC236}">
-                <a16:creationId xmlns:a16="http://schemas.microsoft.com/office/drawing/2014/main" id="{1EE55D8C-0E46-C240-AF8F-3D5E2386B0BC}"/>
-              </a:ext>
-            </a:extLst>
-          </p:cNvPr>
-          <p:cNvPicPr>
-            <a:picLocks noChangeAspect="1"/>
-          </p:cNvPicPr>
-          <p:nvPr/>
-        </p:nvPicPr>
-        <p:blipFill rotWithShape="1">
-          <a:blip r:embed="rId2"/>
-          <a:srcRect l="-1" t="51930" r="3164"/>
-          <a:stretch/>
-        </p:blipFill>
-        <p:spPr>
-          <a:xfrm>
-            <a:off x="6094412" y="2438400"/>
-            <a:ext cx="2542106" cy="3947916"/>
-          </a:xfrm>
-          <a:prstGeom prst="rect">
-            <a:avLst/>
-          </a:prstGeom>
-        </p:spPr>
-      </p:pic>
-    </p:spTree>
-    <p:extLst>
-      <p:ext uri="{BB962C8B-B14F-4D97-AF65-F5344CB8AC3E}">
-        <p14:creationId xmlns:p14="http://schemas.microsoft.com/office/powerpoint/2010/main" val="2071327830"/>
-      </p:ext>
-    </p:extLst>
-  </p:cSld>
-  <p:clrMapOvr>
-    <a:masterClrMapping/>
-  </p:clrMapOvr>
-</p:sld>
-</file>
-
-<file path=ppt/slides/slide19.xml><?xml version="1.0" encoding="utf-8"?>
-<p:sld xmlns:a="http://schemas.openxmlformats.org/drawingml/2006/main" xmlns:r="http://schemas.openxmlformats.org/officeDocument/2006/relationships" xmlns:p="http://schemas.openxmlformats.org/presentationml/2006/main">
-  <p:cSld>
-    <p:spTree>
-      <p:nvGrpSpPr>
-        <p:cNvPr id="1" name=""/>
-        <p:cNvGrpSpPr/>
-        <p:nvPr/>
-      </p:nvGrpSpPr>
-      <p:grpSpPr>
-        <a:xfrm>
-          <a:off x="0" y="0"/>
-          <a:ext cx="0" cy="0"/>
-          <a:chOff x="0" y="0"/>
-          <a:chExt cx="0" cy="0"/>
-        </a:xfrm>
-      </p:grpSpPr>
-      <p:sp>
-        <p:nvSpPr>
-          <p:cNvPr id="2" name="Title 1">
-            <a:extLst>
-              <a:ext uri="{FF2B5EF4-FFF2-40B4-BE49-F238E27FC236}">
-                <a16:creationId xmlns:a16="http://schemas.microsoft.com/office/drawing/2014/main" id="{1C91BE0F-7A0F-7743-8A1A-7EB08A0E366C}"/>
-              </a:ext>
-            </a:extLst>
-          </p:cNvPr>
-          <p:cNvSpPr>
-            <a:spLocks noGrp="1"/>
-          </p:cNvSpPr>
-          <p:nvPr>
-            <p:ph type="title"/>
-          </p:nvPr>
-        </p:nvSpPr>
-        <p:spPr/>
-        <p:txBody>
-          <a:bodyPr/>
-          <a:lstStyle/>
-          <a:p>
-            <a:pPr algn="ctr"/>
-            <a:r>
-              <a:rPr lang="en-US" dirty="0"/>
-              <a:t>Feature importance</a:t>
-            </a:r>
-            <a:br>
-              <a:rPr lang="en-US" dirty="0"/>
-            </a:br>
-            <a:r>
-              <a:rPr lang="en-US" dirty="0" err="1"/>
-              <a:t>tf-idf</a:t>
-            </a:r>
-            <a:r>
-              <a:rPr lang="en-US" dirty="0"/>
-              <a:t> – Decision tree</a:t>
-            </a:r>
-          </a:p>
-        </p:txBody>
-      </p:sp>
-      <p:pic>
-        <p:nvPicPr>
-          <p:cNvPr id="5" name="Content Placeholder 4">
-            <a:extLst>
-              <a:ext uri="{FF2B5EF4-FFF2-40B4-BE49-F238E27FC236}">
-                <a16:creationId xmlns:a16="http://schemas.microsoft.com/office/drawing/2014/main" id="{0D1CDF21-4985-2949-BAE2-C24BCA838511}"/>
-              </a:ext>
-            </a:extLst>
-          </p:cNvPr>
-          <p:cNvPicPr>
-            <a:picLocks noGrp="1" noChangeAspect="1"/>
-          </p:cNvPicPr>
-          <p:nvPr>
-            <p:ph idx="1"/>
-          </p:nvPr>
-        </p:nvPicPr>
-        <p:blipFill rotWithShape="1">
-          <a:blip r:embed="rId2"/>
-          <a:srcRect l="-1334" t="-59" r="525" b="48383"/>
-          <a:stretch/>
-        </p:blipFill>
-        <p:spPr>
-          <a:xfrm>
-            <a:off x="3271001" y="2097088"/>
-            <a:ext cx="2823411" cy="3814409"/>
-          </a:xfrm>
-        </p:spPr>
-      </p:pic>
-      <p:pic>
-        <p:nvPicPr>
-          <p:cNvPr id="6" name="Content Placeholder 4">
-            <a:extLst>
-              <a:ext uri="{FF2B5EF4-FFF2-40B4-BE49-F238E27FC236}">
-                <a16:creationId xmlns:a16="http://schemas.microsoft.com/office/drawing/2014/main" id="{75CAD44B-753A-2940-A4F9-55410AC060A9}"/>
-              </a:ext>
-            </a:extLst>
-          </p:cNvPr>
-          <p:cNvPicPr>
-            <a:picLocks noChangeAspect="1"/>
-          </p:cNvPicPr>
-          <p:nvPr/>
-        </p:nvPicPr>
-        <p:blipFill rotWithShape="1">
-          <a:blip r:embed="rId2"/>
-          <a:srcRect t="51856" r="917"/>
-          <a:stretch/>
-        </p:blipFill>
-        <p:spPr>
-          <a:xfrm>
-            <a:off x="6094412" y="2406315"/>
-            <a:ext cx="2737190" cy="3505182"/>
-          </a:xfrm>
-          <a:prstGeom prst="rect">
-            <a:avLst/>
-          </a:prstGeom>
-        </p:spPr>
-      </p:pic>
-    </p:spTree>
-    <p:extLst>
-      <p:ext uri="{BB962C8B-B14F-4D97-AF65-F5344CB8AC3E}">
-        <p14:creationId xmlns:p14="http://schemas.microsoft.com/office/powerpoint/2010/main" val="4229595256"/>
-      </p:ext>
-    </p:extLst>
-  </p:cSld>
-  <p:clrMapOvr>
-    <a:masterClrMapping/>
-  </p:clrMapOvr>
-</p:sld>
-</file>
-
-<file path=ppt/slides/slide2.xml><?xml version="1.0" encoding="utf-8"?>
-<p:sld xmlns:a="http://schemas.openxmlformats.org/drawingml/2006/main" xmlns:r="http://schemas.openxmlformats.org/officeDocument/2006/relationships" xmlns:p="http://schemas.openxmlformats.org/presentationml/2006/main">
-  <p:cSld>
-    <p:spTree>
-      <p:nvGrpSpPr>
-        <p:cNvPr id="1" name=""/>
-        <p:cNvGrpSpPr/>
-        <p:nvPr/>
-      </p:nvGrpSpPr>
-      <p:grpSpPr>
-        <a:xfrm>
-          <a:off x="0" y="0"/>
-          <a:ext cx="0" cy="0"/>
-          <a:chOff x="0" y="0"/>
-          <a:chExt cx="0" cy="0"/>
-        </a:xfrm>
-      </p:grpSpPr>
-      <p:sp>
-        <p:nvSpPr>
-          <p:cNvPr id="2" name="Title 1">
-            <a:extLst>
-              <a:ext uri="{FF2B5EF4-FFF2-40B4-BE49-F238E27FC236}">
-                <a16:creationId xmlns:a16="http://schemas.microsoft.com/office/drawing/2014/main" id="{DAD90716-1DCC-AC48-AAC0-C1E1BD35EF90}"/>
-              </a:ext>
-            </a:extLst>
-          </p:cNvPr>
-          <p:cNvSpPr>
-            <a:spLocks noGrp="1"/>
-          </p:cNvSpPr>
-          <p:nvPr>
-            <p:ph type="title"/>
-          </p:nvPr>
-        </p:nvSpPr>
-        <p:spPr/>
-        <p:txBody>
-          <a:bodyPr/>
-          <a:lstStyle/>
-          <a:p>
-            <a:r>
-              <a:rPr lang="en-US" dirty="0"/>
-              <a:t>Feature creation and extraction</a:t>
-            </a:r>
-          </a:p>
-        </p:txBody>
-      </p:sp>
-      <p:sp>
-        <p:nvSpPr>
-          <p:cNvPr id="3" name="Content Placeholder 2">
-            <a:extLst>
-              <a:ext uri="{FF2B5EF4-FFF2-40B4-BE49-F238E27FC236}">
-                <a16:creationId xmlns:a16="http://schemas.microsoft.com/office/drawing/2014/main" id="{AD35DE78-AB2E-CF4A-9E40-42DF457E8409}"/>
-              </a:ext>
-            </a:extLst>
-          </p:cNvPr>
-          <p:cNvSpPr>
-            <a:spLocks noGrp="1"/>
-          </p:cNvSpPr>
-          <p:nvPr>
-            <p:ph idx="1"/>
-          </p:nvPr>
-        </p:nvSpPr>
-        <p:spPr/>
-        <p:txBody>
-          <a:bodyPr/>
-          <a:lstStyle/>
-          <a:p>
-            <a:r>
-              <a:rPr lang="en-US" dirty="0"/>
-              <a:t>We created the following features: </a:t>
-            </a:r>
-          </a:p>
-          <a:p>
-            <a:pPr lvl="1"/>
-            <a:r>
-              <a:rPr lang="en-US" dirty="0" err="1"/>
-              <a:t>num_tokens</a:t>
-            </a:r>
-            <a:r>
-              <a:rPr lang="en-US" dirty="0"/>
-              <a:t>, </a:t>
-            </a:r>
-            <a:r>
-              <a:rPr lang="en-US" dirty="0" err="1"/>
-              <a:t>num_mentions</a:t>
-            </a:r>
-            <a:r>
-              <a:rPr lang="en-US" dirty="0"/>
-              <a:t>, </a:t>
-            </a:r>
-            <a:r>
-              <a:rPr lang="en-US" dirty="0" err="1"/>
-              <a:t>num_urls</a:t>
-            </a:r>
-            <a:r>
-              <a:rPr lang="en-US" dirty="0"/>
-              <a:t>, </a:t>
-            </a:r>
-            <a:r>
-              <a:rPr lang="en-US" dirty="0" err="1"/>
-              <a:t>num_hashtags</a:t>
-            </a:r>
-            <a:endParaRPr lang="en-US" dirty="0"/>
-          </a:p>
-          <a:p>
-            <a:r>
-              <a:rPr lang="en-US" dirty="0"/>
-              <a:t>We tested out the following word embeddings:</a:t>
-            </a:r>
-          </a:p>
-          <a:p>
-            <a:pPr lvl="1"/>
-            <a:r>
-              <a:rPr lang="en-US" dirty="0"/>
-              <a:t>Bag of words, </a:t>
-            </a:r>
-            <a:r>
-              <a:rPr lang="en-US" dirty="0" err="1"/>
-              <a:t>ngrams</a:t>
-            </a:r>
-            <a:r>
-              <a:rPr lang="en-US" dirty="0"/>
-              <a:t> (n=2, &amp; n=3), TF-IDF</a:t>
-            </a:r>
-          </a:p>
-          <a:p>
-            <a:pPr lvl="1"/>
-            <a:r>
-              <a:rPr lang="en-US" dirty="0"/>
-              <a:t>Word2Vec - CBOW, </a:t>
-            </a:r>
-            <a:r>
-              <a:rPr lang="en-US" dirty="0" err="1"/>
-              <a:t>concat</a:t>
-            </a:r>
-            <a:r>
-              <a:rPr lang="en-US" dirty="0"/>
-              <a:t>(Word2Vec, BOW), and Custom - CBOW</a:t>
-            </a:r>
-          </a:p>
-          <a:p>
-            <a:r>
-              <a:rPr lang="en-US" dirty="0"/>
-              <a:t>We ran logistic regression and decision on each embedding as a benchmark</a:t>
-            </a:r>
-          </a:p>
-          <a:p>
-            <a:pPr marL="0" indent="0">
-              <a:buNone/>
-            </a:pPr>
-            <a:r>
-              <a:rPr lang="en-US" dirty="0"/>
-              <a:t> </a:t>
-            </a:r>
-          </a:p>
-        </p:txBody>
-      </p:sp>
-    </p:spTree>
-    <p:extLst>
-      <p:ext uri="{BB962C8B-B14F-4D97-AF65-F5344CB8AC3E}">
-        <p14:creationId xmlns:p14="http://schemas.microsoft.com/office/powerpoint/2010/main" val="3882396623"/>
-      </p:ext>
-    </p:extLst>
-  </p:cSld>
-  <p:clrMapOvr>
-    <a:masterClrMapping/>
-  </p:clrMapOvr>
-</p:sld>
-</file>
-
-<file path=ppt/slides/slide20.xml><?xml version="1.0" encoding="utf-8"?>
-<p:sld xmlns:a="http://schemas.openxmlformats.org/drawingml/2006/main" xmlns:r="http://schemas.openxmlformats.org/officeDocument/2006/relationships" xmlns:p="http://schemas.openxmlformats.org/presentationml/2006/main">
-  <p:cSld>
-    <p:spTree>
-      <p:nvGrpSpPr>
-        <p:cNvPr id="1" name=""/>
-        <p:cNvGrpSpPr/>
-        <p:nvPr/>
-      </p:nvGrpSpPr>
-      <p:grpSpPr>
-        <a:xfrm>
-          <a:off x="0" y="0"/>
-          <a:ext cx="0" cy="0"/>
-          <a:chOff x="0" y="0"/>
-          <a:chExt cx="0" cy="0"/>
-        </a:xfrm>
-      </p:grpSpPr>
-      <p:sp>
-        <p:nvSpPr>
-          <p:cNvPr id="2" name="Title 1">
-            <a:extLst>
-              <a:ext uri="{FF2B5EF4-FFF2-40B4-BE49-F238E27FC236}">
-                <a16:creationId xmlns:a16="http://schemas.microsoft.com/office/drawing/2014/main" id="{71703F08-3627-4593-BD85-F9DBB5261F84}"/>
-              </a:ext>
-            </a:extLst>
-          </p:cNvPr>
-          <p:cNvSpPr>
-            <a:spLocks noGrp="1"/>
-          </p:cNvSpPr>
-          <p:nvPr>
-            <p:ph type="title"/>
-          </p:nvPr>
-        </p:nvSpPr>
-        <p:spPr/>
-        <p:txBody>
-          <a:bodyPr/>
-          <a:lstStyle/>
-          <a:p>
-            <a:r>
-              <a:rPr lang="en-CA" dirty="0"/>
-              <a:t>SIMILAR WORDS (from feature importance)</a:t>
-            </a:r>
-          </a:p>
-        </p:txBody>
-      </p:sp>
-      <p:sp>
-        <p:nvSpPr>
-          <p:cNvPr id="6" name="Content Placeholder 5">
-            <a:extLst>
-              <a:ext uri="{FF2B5EF4-FFF2-40B4-BE49-F238E27FC236}">
-                <a16:creationId xmlns:a16="http://schemas.microsoft.com/office/drawing/2014/main" id="{A9E910F9-BFED-4F83-AEF2-FEC5D365D3AF}"/>
-              </a:ext>
-            </a:extLst>
-          </p:cNvPr>
-          <p:cNvSpPr>
-            <a:spLocks noGrp="1"/>
-          </p:cNvSpPr>
-          <p:nvPr>
-            <p:ph sz="half" idx="1"/>
-          </p:nvPr>
-        </p:nvSpPr>
-        <p:spPr/>
-        <p:txBody>
-          <a:bodyPr/>
-          <a:lstStyle/>
-          <a:p>
-            <a:r>
-              <a:rPr lang="en-CA" dirty="0"/>
-              <a:t>WORD2VEC</a:t>
-            </a:r>
-          </a:p>
-        </p:txBody>
-      </p:sp>
-      <p:sp>
-        <p:nvSpPr>
-          <p:cNvPr id="7" name="Content Placeholder 6">
-            <a:extLst>
-              <a:ext uri="{FF2B5EF4-FFF2-40B4-BE49-F238E27FC236}">
-                <a16:creationId xmlns:a16="http://schemas.microsoft.com/office/drawing/2014/main" id="{D2AA0B41-0676-40ED-B362-BF17A9AC1574}"/>
-              </a:ext>
-            </a:extLst>
-          </p:cNvPr>
-          <p:cNvSpPr>
-            <a:spLocks noGrp="1"/>
-          </p:cNvSpPr>
-          <p:nvPr>
-            <p:ph sz="half" idx="2"/>
-          </p:nvPr>
-        </p:nvSpPr>
-        <p:spPr/>
-        <p:txBody>
-          <a:bodyPr/>
-          <a:lstStyle/>
-          <a:p>
-            <a:r>
-              <a:rPr lang="en-CA" dirty="0"/>
-              <a:t>CUSTOM-TRAINED</a:t>
-            </a:r>
-          </a:p>
-        </p:txBody>
-      </p:sp>
-      <p:pic>
-        <p:nvPicPr>
-          <p:cNvPr id="13" name="Picture 12">
-            <a:extLst>
-              <a:ext uri="{FF2B5EF4-FFF2-40B4-BE49-F238E27FC236}">
-                <a16:creationId xmlns:a16="http://schemas.microsoft.com/office/drawing/2014/main" id="{180C9924-F578-430A-9BD8-344BC87903FD}"/>
-              </a:ext>
-            </a:extLst>
-          </p:cNvPr>
-          <p:cNvPicPr>
-            <a:picLocks noChangeAspect="1"/>
-          </p:cNvPicPr>
-          <p:nvPr/>
-        </p:nvPicPr>
-        <p:blipFill>
-          <a:blip r:embed="rId2"/>
-          <a:stretch>
-            <a:fillRect/>
-          </a:stretch>
-        </p:blipFill>
-        <p:spPr>
-          <a:xfrm>
-            <a:off x="243793" y="3046370"/>
-            <a:ext cx="5594676" cy="2617693"/>
-          </a:xfrm>
-          <a:prstGeom prst="rect">
-            <a:avLst/>
-          </a:prstGeom>
-        </p:spPr>
-      </p:pic>
-      <p:pic>
-        <p:nvPicPr>
-          <p:cNvPr id="17" name="Picture 16">
-            <a:extLst>
-              <a:ext uri="{FF2B5EF4-FFF2-40B4-BE49-F238E27FC236}">
-                <a16:creationId xmlns:a16="http://schemas.microsoft.com/office/drawing/2014/main" id="{291475B1-D0B0-400F-85F7-FDDD9E461FC9}"/>
-              </a:ext>
-            </a:extLst>
-          </p:cNvPr>
-          <p:cNvPicPr>
-            <a:picLocks noChangeAspect="1"/>
-          </p:cNvPicPr>
-          <p:nvPr/>
-        </p:nvPicPr>
-        <p:blipFill>
-          <a:blip r:embed="rId3"/>
-          <a:stretch>
-            <a:fillRect/>
-          </a:stretch>
-        </p:blipFill>
-        <p:spPr>
-          <a:xfrm>
-            <a:off x="6327451" y="2981894"/>
-            <a:ext cx="5212570" cy="2746643"/>
-          </a:xfrm>
-          <a:prstGeom prst="rect">
-            <a:avLst/>
-          </a:prstGeom>
-        </p:spPr>
-      </p:pic>
-    </p:spTree>
-    <p:extLst>
-      <p:ext uri="{BB962C8B-B14F-4D97-AF65-F5344CB8AC3E}">
-        <p14:creationId xmlns:p14="http://schemas.microsoft.com/office/powerpoint/2010/main" val="3388006509"/>
-      </p:ext>
-    </p:extLst>
-  </p:cSld>
-  <p:clrMapOvr>
-    <a:masterClrMapping/>
-  </p:clrMapOvr>
-</p:sld>
-</file>
-
-<file path=ppt/slides/slide21.xml><?xml version="1.0" encoding="utf-8"?>
-<p:sld xmlns:a="http://schemas.openxmlformats.org/drawingml/2006/main" xmlns:r="http://schemas.openxmlformats.org/officeDocument/2006/relationships" xmlns:p="http://schemas.openxmlformats.org/presentationml/2006/main">
-  <p:cSld>
-    <p:spTree>
-      <p:nvGrpSpPr>
-        <p:cNvPr id="1" name=""/>
-        <p:cNvGrpSpPr/>
-        <p:nvPr/>
-      </p:nvGrpSpPr>
-      <p:grpSpPr>
-        <a:xfrm>
-          <a:off x="0" y="0"/>
-          <a:ext cx="0" cy="0"/>
-          <a:chOff x="0" y="0"/>
-          <a:chExt cx="0" cy="0"/>
-        </a:xfrm>
-      </p:grpSpPr>
-      <p:pic>
-        <p:nvPicPr>
-          <p:cNvPr id="1026" name="Picture 2">
-            <a:extLst>
-              <a:ext uri="{FF2B5EF4-FFF2-40B4-BE49-F238E27FC236}">
-                <a16:creationId xmlns:a16="http://schemas.microsoft.com/office/drawing/2014/main" id="{DE85448B-218A-441B-83E4-7E3AB6F282C0}"/>
-              </a:ext>
-            </a:extLst>
-          </p:cNvPr>
-          <p:cNvPicPr>
-            <a:picLocks noGrp="1" noChangeAspect="1" noChangeArrowheads="1"/>
-          </p:cNvPicPr>
-          <p:nvPr>
-            <p:ph sz="half" idx="2"/>
-          </p:nvPr>
-        </p:nvPicPr>
-        <p:blipFill>
-          <a:blip r:embed="rId2">
-            <a:extLst>
-              <a:ext uri="{28A0092B-C50C-407E-A947-70E740481C1C}">
-                <a14:useLocalDpi xmlns:a14="http://schemas.microsoft.com/office/drawing/2010/main" val="0"/>
-              </a:ext>
-            </a:extLst>
-          </a:blip>
-          <a:stretch>
-            <a:fillRect/>
-          </a:stretch>
-        </p:blipFill>
-        <p:spPr bwMode="auto">
-          <a:xfrm>
-            <a:off x="-144031" y="57689"/>
-            <a:ext cx="7560476" cy="3423989"/>
-          </a:xfrm>
-          <a:prstGeom prst="rect">
-            <a:avLst/>
-          </a:prstGeom>
-          <a:noFill/>
-          <a:extLst>
-            <a:ext uri="{909E8E84-426E-40DD-AFC4-6F175D3DCCD1}">
-              <a14:hiddenFill xmlns:a14="http://schemas.microsoft.com/office/drawing/2010/main">
-                <a:solidFill>
-                  <a:srgbClr val="FFFFFF"/>
-                </a:solidFill>
-              </a14:hiddenFill>
-            </a:ext>
-          </a:extLst>
-        </p:spPr>
-      </p:pic>
-      <p:sp>
-        <p:nvSpPr>
-          <p:cNvPr id="8" name="Title 7">
-            <a:extLst>
-              <a:ext uri="{FF2B5EF4-FFF2-40B4-BE49-F238E27FC236}">
-                <a16:creationId xmlns:a16="http://schemas.microsoft.com/office/drawing/2014/main" id="{D691C9CB-A11C-4A9F-BEA0-AACAC60FE7E6}"/>
-              </a:ext>
-            </a:extLst>
-          </p:cNvPr>
-          <p:cNvSpPr>
-            <a:spLocks noGrp="1"/>
-          </p:cNvSpPr>
-          <p:nvPr>
-            <p:ph type="title"/>
-          </p:nvPr>
-        </p:nvSpPr>
-        <p:spPr/>
-        <p:txBody>
-          <a:bodyPr/>
-          <a:lstStyle/>
-          <a:p>
-            <a:r>
-              <a:rPr lang="en-CA" dirty="0"/>
-              <a:t>PCA</a:t>
-            </a:r>
-          </a:p>
-        </p:txBody>
-      </p:sp>
-      <p:sp>
-        <p:nvSpPr>
-          <p:cNvPr id="9" name="Text Placeholder 8">
-            <a:extLst>
-              <a:ext uri="{FF2B5EF4-FFF2-40B4-BE49-F238E27FC236}">
-                <a16:creationId xmlns:a16="http://schemas.microsoft.com/office/drawing/2014/main" id="{94B0A426-0C5F-41C1-B575-1204E830E9C7}"/>
-              </a:ext>
-            </a:extLst>
-          </p:cNvPr>
-          <p:cNvSpPr>
-            <a:spLocks noGrp="1"/>
-          </p:cNvSpPr>
-          <p:nvPr>
-            <p:ph type="body" idx="1"/>
-          </p:nvPr>
-        </p:nvSpPr>
-        <p:spPr>
-          <a:xfrm>
-            <a:off x="1141411" y="1349374"/>
-            <a:ext cx="4649783" cy="823912"/>
-          </a:xfrm>
-        </p:spPr>
-        <p:txBody>
-          <a:bodyPr/>
-          <a:lstStyle/>
-          <a:p>
-            <a:r>
-              <a:rPr lang="en-CA" dirty="0"/>
-              <a:t>Word2vec</a:t>
-            </a:r>
-          </a:p>
-        </p:txBody>
-      </p:sp>
-      <p:sp>
-        <p:nvSpPr>
-          <p:cNvPr id="10" name="Text Placeholder 9">
-            <a:extLst>
-              <a:ext uri="{FF2B5EF4-FFF2-40B4-BE49-F238E27FC236}">
-                <a16:creationId xmlns:a16="http://schemas.microsoft.com/office/drawing/2014/main" id="{B1A2E0E5-89D6-4649-9A87-F20F9D180359}"/>
-              </a:ext>
-            </a:extLst>
-          </p:cNvPr>
-          <p:cNvSpPr>
-            <a:spLocks noGrp="1"/>
-          </p:cNvSpPr>
-          <p:nvPr>
-            <p:ph type="body" sz="quarter" idx="3"/>
-          </p:nvPr>
-        </p:nvSpPr>
-        <p:spPr>
-          <a:xfrm>
-            <a:off x="7479449" y="1068240"/>
-            <a:ext cx="4646602" cy="823912"/>
-          </a:xfrm>
-        </p:spPr>
-        <p:txBody>
-          <a:bodyPr/>
-          <a:lstStyle/>
-          <a:p>
-            <a:r>
-              <a:rPr lang="en-CA" dirty="0"/>
-              <a:t>Word2vec</a:t>
-            </a:r>
-          </a:p>
-        </p:txBody>
-      </p:sp>
-      <p:pic>
-        <p:nvPicPr>
-          <p:cNvPr id="1028" name="Picture 4">
-            <a:extLst>
-              <a:ext uri="{FF2B5EF4-FFF2-40B4-BE49-F238E27FC236}">
-                <a16:creationId xmlns:a16="http://schemas.microsoft.com/office/drawing/2014/main" id="{359AD0FA-900F-40C6-AD08-B5DDED1D0B1B}"/>
-              </a:ext>
-            </a:extLst>
-          </p:cNvPr>
-          <p:cNvPicPr>
-            <a:picLocks noGrp="1" noChangeAspect="1" noChangeArrowheads="1"/>
-          </p:cNvPicPr>
-          <p:nvPr>
-            <p:ph sz="quarter" idx="4"/>
-          </p:nvPr>
-        </p:nvPicPr>
-        <p:blipFill>
-          <a:blip r:embed="rId3">
-            <a:extLst>
-              <a:ext uri="{28A0092B-C50C-407E-A947-70E740481C1C}">
-                <a14:useLocalDpi xmlns:a14="http://schemas.microsoft.com/office/drawing/2010/main" val="0"/>
-              </a:ext>
-            </a:extLst>
-          </a:blip>
-          <a:stretch>
-            <a:fillRect/>
-          </a:stretch>
-        </p:blipFill>
-        <p:spPr bwMode="auto">
-          <a:xfrm>
-            <a:off x="-174813" y="3314843"/>
-            <a:ext cx="7793183" cy="3466896"/>
-          </a:xfrm>
-          <a:prstGeom prst="rect">
-            <a:avLst/>
-          </a:prstGeom>
-          <a:noFill/>
-          <a:extLst>
-            <a:ext uri="{909E8E84-426E-40DD-AFC4-6F175D3DCCD1}">
-              <a14:hiddenFill xmlns:a14="http://schemas.microsoft.com/office/drawing/2010/main">
-                <a:solidFill>
-                  <a:srgbClr val="FFFFFF"/>
-                </a:solidFill>
-              </a14:hiddenFill>
-            </a:ext>
-          </a:extLst>
-        </p:spPr>
-      </p:pic>
-      <p:sp>
-        <p:nvSpPr>
-          <p:cNvPr id="13" name="Text Placeholder 9">
-            <a:extLst>
-              <a:ext uri="{FF2B5EF4-FFF2-40B4-BE49-F238E27FC236}">
-                <a16:creationId xmlns:a16="http://schemas.microsoft.com/office/drawing/2014/main" id="{91C63B9A-F06B-4C51-9E16-392087A46797}"/>
-              </a:ext>
-            </a:extLst>
-          </p:cNvPr>
-          <p:cNvSpPr txBox="1">
-            <a:spLocks/>
-          </p:cNvSpPr>
-          <p:nvPr/>
-        </p:nvSpPr>
-        <p:spPr>
-          <a:xfrm>
-            <a:off x="7479449" y="3943539"/>
-            <a:ext cx="4646602" cy="823912"/>
-          </a:xfrm>
-          <a:prstGeom prst="rect">
-            <a:avLst/>
-          </a:prstGeom>
-        </p:spPr>
-        <p:txBody>
-          <a:bodyPr vert="horz" lIns="91440" tIns="45720" rIns="91440" bIns="45720" rtlCol="0" anchor="b">
-            <a:normAutofit/>
-          </a:bodyPr>
-          <a:lstStyle>
-            <a:lvl1pPr marL="0" indent="0" algn="l" defTabSz="914400" rtl="0" eaLnBrk="1" latinLnBrk="0" hangingPunct="1">
-              <a:lnSpc>
-                <a:spcPct val="90000"/>
-              </a:lnSpc>
-              <a:spcBef>
-                <a:spcPts val="1000"/>
-              </a:spcBef>
-              <a:buSzPct val="125000"/>
-              <a:buFont typeface="Arial" panose="020B0604020202020204" pitchFamily="34" charset="0"/>
-              <a:buNone/>
-              <a:defRPr sz="2400" b="0" kern="1200" cap="all" baseline="0">
-                <a:solidFill>
-                  <a:schemeClr val="tx1"/>
-                </a:solidFill>
-                <a:latin typeface="+mn-lt"/>
-                <a:ea typeface="+mn-ea"/>
-                <a:cs typeface="+mn-cs"/>
-              </a:defRPr>
-            </a:lvl1pPr>
-            <a:lvl2pPr marL="457200" indent="0" algn="l" defTabSz="914400" rtl="0" eaLnBrk="1" latinLnBrk="0" hangingPunct="1">
-              <a:lnSpc>
-                <a:spcPct val="120000"/>
-              </a:lnSpc>
-              <a:spcBef>
-                <a:spcPts val="500"/>
-              </a:spcBef>
-              <a:buSzPct val="125000"/>
-              <a:buFont typeface="Arial" panose="020B0604020202020204" pitchFamily="34" charset="0"/>
-              <a:buNone/>
-              <a:defRPr sz="2000" b="1" kern="1200">
-                <a:solidFill>
-                  <a:schemeClr val="tx1"/>
-                </a:solidFill>
-                <a:latin typeface="+mn-lt"/>
-                <a:ea typeface="+mn-ea"/>
-                <a:cs typeface="+mn-cs"/>
-              </a:defRPr>
-            </a:lvl2pPr>
-            <a:lvl3pPr marL="914400" indent="0" algn="l" defTabSz="914400" rtl="0" eaLnBrk="1" latinLnBrk="0" hangingPunct="1">
-              <a:lnSpc>
-                <a:spcPct val="120000"/>
-              </a:lnSpc>
-              <a:spcBef>
-                <a:spcPts val="500"/>
-              </a:spcBef>
-              <a:buSzPct val="125000"/>
-              <a:buFont typeface="Arial" panose="020B0604020202020204" pitchFamily="34" charset="0"/>
-              <a:buNone/>
-              <a:defRPr sz="1800" b="1" kern="1200">
-                <a:solidFill>
-                  <a:schemeClr val="tx1"/>
-                </a:solidFill>
-                <a:latin typeface="+mn-lt"/>
-                <a:ea typeface="+mn-ea"/>
-                <a:cs typeface="+mn-cs"/>
-              </a:defRPr>
-            </a:lvl3pPr>
-            <a:lvl4pPr marL="1371600" indent="0" algn="l" defTabSz="914400" rtl="0" eaLnBrk="1" latinLnBrk="0" hangingPunct="1">
-              <a:lnSpc>
-                <a:spcPct val="120000"/>
-              </a:lnSpc>
-              <a:spcBef>
-                <a:spcPts val="500"/>
-              </a:spcBef>
-              <a:buSzPct val="125000"/>
-              <a:buFont typeface="Arial" panose="020B0604020202020204" pitchFamily="34" charset="0"/>
-              <a:buNone/>
-              <a:defRPr sz="1600" b="1" kern="1200">
-                <a:solidFill>
-                  <a:schemeClr val="tx1"/>
-                </a:solidFill>
-                <a:latin typeface="+mn-lt"/>
-                <a:ea typeface="+mn-ea"/>
-                <a:cs typeface="+mn-cs"/>
-              </a:defRPr>
-            </a:lvl4pPr>
-            <a:lvl5pPr marL="1828800" indent="0" algn="l" defTabSz="914400" rtl="0" eaLnBrk="1" latinLnBrk="0" hangingPunct="1">
-              <a:lnSpc>
-                <a:spcPct val="120000"/>
-              </a:lnSpc>
-              <a:spcBef>
-                <a:spcPts val="500"/>
-              </a:spcBef>
-              <a:buSzPct val="125000"/>
-              <a:buFont typeface="Arial" panose="020B0604020202020204" pitchFamily="34" charset="0"/>
-              <a:buNone/>
-              <a:defRPr sz="1600" b="1" kern="1200">
-                <a:solidFill>
-                  <a:schemeClr val="tx1"/>
-                </a:solidFill>
-                <a:latin typeface="+mn-lt"/>
-                <a:ea typeface="+mn-ea"/>
-                <a:cs typeface="+mn-cs"/>
-              </a:defRPr>
-            </a:lvl5pPr>
-            <a:lvl6pPr marL="2286000" indent="0" algn="l" defTabSz="914400" rtl="0" eaLnBrk="1" latinLnBrk="0" hangingPunct="1">
-              <a:lnSpc>
-                <a:spcPct val="120000"/>
-              </a:lnSpc>
-              <a:spcBef>
-                <a:spcPts val="500"/>
-              </a:spcBef>
-              <a:buSzPct val="125000"/>
-              <a:buFont typeface="Arial" panose="020B0604020202020204" pitchFamily="34" charset="0"/>
-              <a:buNone/>
-              <a:defRPr sz="1600" b="1" kern="1200">
-                <a:solidFill>
-                  <a:schemeClr val="tx1"/>
-                </a:solidFill>
-                <a:latin typeface="+mn-lt"/>
-                <a:ea typeface="+mn-ea"/>
-                <a:cs typeface="+mn-cs"/>
-              </a:defRPr>
-            </a:lvl6pPr>
-            <a:lvl7pPr marL="2743200" indent="0" algn="l" defTabSz="914400" rtl="0" eaLnBrk="1" latinLnBrk="0" hangingPunct="1">
-              <a:lnSpc>
-                <a:spcPct val="120000"/>
-              </a:lnSpc>
-              <a:spcBef>
-                <a:spcPts val="500"/>
-              </a:spcBef>
-              <a:buSzPct val="125000"/>
-              <a:buFont typeface="Arial" panose="020B0604020202020204" pitchFamily="34" charset="0"/>
-              <a:buNone/>
-              <a:defRPr sz="1600" b="1" kern="1200">
-                <a:solidFill>
-                  <a:schemeClr val="tx1"/>
-                </a:solidFill>
-                <a:latin typeface="+mn-lt"/>
-                <a:ea typeface="+mn-ea"/>
-                <a:cs typeface="+mn-cs"/>
-              </a:defRPr>
-            </a:lvl7pPr>
-            <a:lvl8pPr marL="3200400" indent="0" algn="l" defTabSz="914400" rtl="0" eaLnBrk="1" latinLnBrk="0" hangingPunct="1">
-              <a:lnSpc>
-                <a:spcPct val="120000"/>
-              </a:lnSpc>
-              <a:spcBef>
-                <a:spcPts val="500"/>
-              </a:spcBef>
-              <a:buSzPct val="125000"/>
-              <a:buFont typeface="Arial" panose="020B0604020202020204" pitchFamily="34" charset="0"/>
-              <a:buNone/>
-              <a:defRPr sz="1600" b="1" kern="1200">
-                <a:solidFill>
-                  <a:schemeClr val="tx1"/>
-                </a:solidFill>
-                <a:latin typeface="+mn-lt"/>
-                <a:ea typeface="+mn-ea"/>
-                <a:cs typeface="+mn-cs"/>
-              </a:defRPr>
-            </a:lvl8pPr>
-            <a:lvl9pPr marL="3657600" indent="0" algn="l" defTabSz="914400" rtl="0" eaLnBrk="1" latinLnBrk="0" hangingPunct="1">
-              <a:lnSpc>
-                <a:spcPct val="120000"/>
-              </a:lnSpc>
-              <a:spcBef>
-                <a:spcPts val="500"/>
-              </a:spcBef>
-              <a:buSzPct val="125000"/>
-              <a:buFont typeface="Arial" panose="020B0604020202020204" pitchFamily="34" charset="0"/>
-              <a:buNone/>
-              <a:defRPr sz="1600" b="1" kern="1200">
-                <a:solidFill>
-                  <a:schemeClr val="tx1"/>
-                </a:solidFill>
-                <a:latin typeface="+mn-lt"/>
-                <a:ea typeface="+mn-ea"/>
-                <a:cs typeface="+mn-cs"/>
-              </a:defRPr>
-            </a:lvl9pPr>
-          </a:lstStyle>
-          <a:p>
-            <a:r>
-              <a:rPr lang="en-CA" dirty="0"/>
-              <a:t>CUSTOM</a:t>
-            </a:r>
-          </a:p>
-        </p:txBody>
-      </p:sp>
-      <p:sp>
-        <p:nvSpPr>
-          <p:cNvPr id="14" name="Oval 13">
-            <a:extLst>
-              <a:ext uri="{FF2B5EF4-FFF2-40B4-BE49-F238E27FC236}">
-                <a16:creationId xmlns:a16="http://schemas.microsoft.com/office/drawing/2014/main" id="{C57DA1D3-AB56-4716-A520-057AD46C0166}"/>
-              </a:ext>
-            </a:extLst>
-          </p:cNvPr>
-          <p:cNvSpPr/>
-          <p:nvPr/>
-        </p:nvSpPr>
-        <p:spPr>
-          <a:xfrm>
-            <a:off x="2523721" y="1698200"/>
-            <a:ext cx="1579418" cy="253284"/>
-          </a:xfrm>
-          <a:prstGeom prst="ellipse">
-            <a:avLst/>
-          </a:prstGeom>
-          <a:noFill/>
-          <a:ln>
-            <a:solidFill>
-              <a:srgbClr val="FF0000"/>
-            </a:solidFill>
-          </a:ln>
-        </p:spPr>
-        <p:style>
-          <a:lnRef idx="2">
-            <a:schemeClr val="accent1">
-              <a:shade val="50000"/>
-            </a:schemeClr>
-          </a:lnRef>
-          <a:fillRef idx="1">
-            <a:schemeClr val="accent1"/>
-          </a:fillRef>
-          <a:effectRef idx="0">
-            <a:schemeClr val="accent1"/>
-          </a:effectRef>
-          <a:fontRef idx="minor">
-            <a:schemeClr val="lt1"/>
-          </a:fontRef>
-        </p:style>
-        <p:txBody>
-          <a:bodyPr rtlCol="0" anchor="ctr"/>
-          <a:lstStyle/>
-          <a:p>
-            <a:pPr algn="ctr"/>
-            <a:endParaRPr lang="en-CA"/>
-          </a:p>
-        </p:txBody>
-      </p:sp>
-      <p:sp>
-        <p:nvSpPr>
-          <p:cNvPr id="15" name="Oval 14">
-            <a:extLst>
-              <a:ext uri="{FF2B5EF4-FFF2-40B4-BE49-F238E27FC236}">
-                <a16:creationId xmlns:a16="http://schemas.microsoft.com/office/drawing/2014/main" id="{7ECA35D6-BB2A-4172-ABD5-F49205494DDF}"/>
-              </a:ext>
-            </a:extLst>
-          </p:cNvPr>
-          <p:cNvSpPr/>
-          <p:nvPr/>
-        </p:nvSpPr>
-        <p:spPr>
-          <a:xfrm>
-            <a:off x="136916" y="57689"/>
-            <a:ext cx="1227349" cy="1154991"/>
-          </a:xfrm>
-          <a:prstGeom prst="ellipse">
-            <a:avLst/>
-          </a:prstGeom>
-          <a:noFill/>
-          <a:ln>
-            <a:solidFill>
-              <a:srgbClr val="FF0000"/>
-            </a:solidFill>
-          </a:ln>
-        </p:spPr>
-        <p:style>
-          <a:lnRef idx="2">
-            <a:schemeClr val="accent1">
-              <a:shade val="50000"/>
-            </a:schemeClr>
-          </a:lnRef>
-          <a:fillRef idx="1">
-            <a:schemeClr val="accent1"/>
-          </a:fillRef>
-          <a:effectRef idx="0">
-            <a:schemeClr val="accent1"/>
-          </a:effectRef>
-          <a:fontRef idx="minor">
-            <a:schemeClr val="lt1"/>
-          </a:fontRef>
-        </p:style>
-        <p:txBody>
-          <a:bodyPr rtlCol="0" anchor="ctr"/>
-          <a:lstStyle/>
-          <a:p>
-            <a:pPr algn="ctr"/>
-            <a:endParaRPr lang="en-CA"/>
-          </a:p>
-        </p:txBody>
-      </p:sp>
-      <p:sp>
-        <p:nvSpPr>
-          <p:cNvPr id="16" name="Oval 15">
-            <a:extLst>
-              <a:ext uri="{FF2B5EF4-FFF2-40B4-BE49-F238E27FC236}">
-                <a16:creationId xmlns:a16="http://schemas.microsoft.com/office/drawing/2014/main" id="{ECB3CDB2-D7D7-4ED6-8DEC-7D5907DC4CED}"/>
-              </a:ext>
-            </a:extLst>
-          </p:cNvPr>
-          <p:cNvSpPr/>
-          <p:nvPr/>
-        </p:nvSpPr>
-        <p:spPr>
-          <a:xfrm>
-            <a:off x="5452171" y="4889840"/>
-            <a:ext cx="459645" cy="229822"/>
-          </a:xfrm>
-          <a:prstGeom prst="ellipse">
-            <a:avLst/>
-          </a:prstGeom>
-          <a:noFill/>
-          <a:ln>
-            <a:solidFill>
-              <a:srgbClr val="FF0000"/>
-            </a:solidFill>
-          </a:ln>
-        </p:spPr>
-        <p:style>
-          <a:lnRef idx="2">
-            <a:schemeClr val="accent1">
-              <a:shade val="50000"/>
-            </a:schemeClr>
-          </a:lnRef>
-          <a:fillRef idx="1">
-            <a:schemeClr val="accent1"/>
-          </a:fillRef>
-          <a:effectRef idx="0">
-            <a:schemeClr val="accent1"/>
-          </a:effectRef>
-          <a:fontRef idx="minor">
-            <a:schemeClr val="lt1"/>
-          </a:fontRef>
-        </p:style>
-        <p:txBody>
-          <a:bodyPr rtlCol="0" anchor="ctr"/>
-          <a:lstStyle/>
-          <a:p>
-            <a:pPr algn="ctr"/>
-            <a:endParaRPr lang="en-CA"/>
-          </a:p>
-        </p:txBody>
-      </p:sp>
-      <p:sp>
-        <p:nvSpPr>
-          <p:cNvPr id="17" name="Oval 16">
-            <a:extLst>
-              <a:ext uri="{FF2B5EF4-FFF2-40B4-BE49-F238E27FC236}">
-                <a16:creationId xmlns:a16="http://schemas.microsoft.com/office/drawing/2014/main" id="{E93E9A6D-CA3C-4B66-933B-EC655FD4513A}"/>
-              </a:ext>
-            </a:extLst>
-          </p:cNvPr>
-          <p:cNvSpPr/>
-          <p:nvPr/>
-        </p:nvSpPr>
-        <p:spPr>
-          <a:xfrm>
-            <a:off x="5549968" y="5271247"/>
-            <a:ext cx="650349" cy="229822"/>
-          </a:xfrm>
-          <a:prstGeom prst="ellipse">
-            <a:avLst/>
-          </a:prstGeom>
-          <a:noFill/>
-          <a:ln>
-            <a:solidFill>
-              <a:srgbClr val="FF0000"/>
-            </a:solidFill>
-          </a:ln>
-        </p:spPr>
-        <p:style>
-          <a:lnRef idx="2">
-            <a:schemeClr val="accent1">
-              <a:shade val="50000"/>
-            </a:schemeClr>
-          </a:lnRef>
-          <a:fillRef idx="1">
-            <a:schemeClr val="accent1"/>
-          </a:fillRef>
-          <a:effectRef idx="0">
-            <a:schemeClr val="accent1"/>
-          </a:effectRef>
-          <a:fontRef idx="minor">
-            <a:schemeClr val="lt1"/>
-          </a:fontRef>
-        </p:style>
-        <p:txBody>
-          <a:bodyPr rtlCol="0" anchor="ctr"/>
-          <a:lstStyle/>
-          <a:p>
-            <a:pPr algn="ctr"/>
-            <a:endParaRPr lang="en-CA"/>
-          </a:p>
-        </p:txBody>
-      </p:sp>
-    </p:spTree>
-    <p:extLst>
-      <p:ext uri="{BB962C8B-B14F-4D97-AF65-F5344CB8AC3E}">
-        <p14:creationId xmlns:p14="http://schemas.microsoft.com/office/powerpoint/2010/main" val="519946502"/>
-      </p:ext>
-    </p:extLst>
-  </p:cSld>
-  <p:clrMapOvr>
-    <a:masterClrMapping/>
-  </p:clrMapOvr>
-</p:sld>
-</file>
-
-<file path=ppt/slides/slide22.xml><?xml version="1.0" encoding="utf-8"?>
-<p:sld xmlns:a="http://schemas.openxmlformats.org/drawingml/2006/main" xmlns:r="http://schemas.openxmlformats.org/officeDocument/2006/relationships" xmlns:p="http://schemas.openxmlformats.org/presentationml/2006/main">
-  <p:cSld>
-    <p:spTree>
-      <p:nvGrpSpPr>
-        <p:cNvPr id="1" name=""/>
-        <p:cNvGrpSpPr/>
-        <p:nvPr/>
-      </p:nvGrpSpPr>
-      <p:grpSpPr>
-        <a:xfrm>
-          <a:off x="0" y="0"/>
-          <a:ext cx="0" cy="0"/>
-          <a:chOff x="0" y="0"/>
-          <a:chExt cx="0" cy="0"/>
-        </a:xfrm>
-      </p:grpSpPr>
-      <p:sp>
-        <p:nvSpPr>
-          <p:cNvPr id="2" name="Title 1">
-            <a:extLst>
-              <a:ext uri="{FF2B5EF4-FFF2-40B4-BE49-F238E27FC236}">
-                <a16:creationId xmlns:a16="http://schemas.microsoft.com/office/drawing/2014/main" id="{4C5D60B5-20AD-DD4B-98EB-005848137C91}"/>
-              </a:ext>
-            </a:extLst>
-          </p:cNvPr>
-          <p:cNvSpPr>
-            <a:spLocks noGrp="1"/>
-          </p:cNvSpPr>
-          <p:nvPr>
-            <p:ph type="title"/>
-          </p:nvPr>
-        </p:nvSpPr>
-        <p:spPr/>
-        <p:txBody>
-          <a:bodyPr/>
-          <a:lstStyle/>
-          <a:p>
-            <a:pPr algn="ctr"/>
-            <a:r>
-              <a:rPr lang="en-US" dirty="0"/>
-              <a:t>LIME – Specific Example (Offensive)</a:t>
-            </a:r>
-          </a:p>
-        </p:txBody>
-      </p:sp>
-      <p:pic>
-        <p:nvPicPr>
-          <p:cNvPr id="5" name="Content Placeholder 4">
-            <a:extLst>
-              <a:ext uri="{FF2B5EF4-FFF2-40B4-BE49-F238E27FC236}">
-                <a16:creationId xmlns:a16="http://schemas.microsoft.com/office/drawing/2014/main" id="{0DD75B47-1C10-804B-A672-32D68FF9069F}"/>
-              </a:ext>
-            </a:extLst>
-          </p:cNvPr>
-          <p:cNvPicPr>
-            <a:picLocks noGrp="1" noChangeAspect="1"/>
-          </p:cNvPicPr>
-          <p:nvPr>
-            <p:ph idx="1"/>
-          </p:nvPr>
-        </p:nvPicPr>
-        <p:blipFill>
-          <a:blip r:embed="rId2"/>
-          <a:stretch>
-            <a:fillRect/>
-          </a:stretch>
-        </p:blipFill>
-        <p:spPr>
-          <a:xfrm>
-            <a:off x="3282173" y="2249488"/>
-            <a:ext cx="5624480" cy="3541712"/>
-          </a:xfrm>
-        </p:spPr>
-      </p:pic>
-    </p:spTree>
-    <p:extLst>
-      <p:ext uri="{BB962C8B-B14F-4D97-AF65-F5344CB8AC3E}">
-        <p14:creationId xmlns:p14="http://schemas.microsoft.com/office/powerpoint/2010/main" val="2015389126"/>
-      </p:ext>
-    </p:extLst>
-  </p:cSld>
-  <p:clrMapOvr>
-    <a:masterClrMapping/>
-  </p:clrMapOvr>
-</p:sld>
-</file>
-
-<file path=ppt/slides/slide23.xml><?xml version="1.0" encoding="utf-8"?>
-<p:sld xmlns:a="http://schemas.openxmlformats.org/drawingml/2006/main" xmlns:r="http://schemas.openxmlformats.org/officeDocument/2006/relationships" xmlns:p="http://schemas.openxmlformats.org/presentationml/2006/main">
-  <p:cSld>
-    <p:spTree>
-      <p:nvGrpSpPr>
-        <p:cNvPr id="1" name=""/>
-        <p:cNvGrpSpPr/>
-        <p:nvPr/>
-      </p:nvGrpSpPr>
-      <p:grpSpPr>
-        <a:xfrm>
-          <a:off x="0" y="0"/>
-          <a:ext cx="0" cy="0"/>
-          <a:chOff x="0" y="0"/>
-          <a:chExt cx="0" cy="0"/>
-        </a:xfrm>
-      </p:grpSpPr>
-      <p:sp>
-        <p:nvSpPr>
-          <p:cNvPr id="2" name="Title 1">
-            <a:extLst>
-              <a:ext uri="{FF2B5EF4-FFF2-40B4-BE49-F238E27FC236}">
-                <a16:creationId xmlns:a16="http://schemas.microsoft.com/office/drawing/2014/main" id="{4C5D60B5-20AD-DD4B-98EB-005848137C91}"/>
-              </a:ext>
-            </a:extLst>
-          </p:cNvPr>
-          <p:cNvSpPr>
-            <a:spLocks noGrp="1"/>
-          </p:cNvSpPr>
-          <p:nvPr>
-            <p:ph type="title"/>
-          </p:nvPr>
-        </p:nvSpPr>
-        <p:spPr/>
-        <p:txBody>
-          <a:bodyPr/>
-          <a:lstStyle/>
-          <a:p>
-            <a:pPr algn="ctr"/>
-            <a:r>
-              <a:rPr lang="en-US" dirty="0"/>
-              <a:t>LIME – Specific Example (Hate)</a:t>
-            </a:r>
-          </a:p>
-        </p:txBody>
-      </p:sp>
-      <p:sp>
-        <p:nvSpPr>
-          <p:cNvPr id="7" name="Content Placeholder 6">
-            <a:extLst>
-              <a:ext uri="{FF2B5EF4-FFF2-40B4-BE49-F238E27FC236}">
-                <a16:creationId xmlns:a16="http://schemas.microsoft.com/office/drawing/2014/main" id="{1A22E0D8-1D86-4527-873E-CBE208DAA508}"/>
-              </a:ext>
-            </a:extLst>
-          </p:cNvPr>
-          <p:cNvSpPr>
-            <a:spLocks noGrp="1"/>
-          </p:cNvSpPr>
-          <p:nvPr>
-            <p:ph idx="1"/>
-          </p:nvPr>
-        </p:nvSpPr>
-        <p:spPr/>
-        <p:txBody>
-          <a:bodyPr/>
-          <a:lstStyle/>
-          <a:p>
-            <a:endParaRPr lang="en-CA"/>
-          </a:p>
-        </p:txBody>
-      </p:sp>
-      <p:pic>
-        <p:nvPicPr>
-          <p:cNvPr id="9" name="Picture 8">
-            <a:extLst>
-              <a:ext uri="{FF2B5EF4-FFF2-40B4-BE49-F238E27FC236}">
-                <a16:creationId xmlns:a16="http://schemas.microsoft.com/office/drawing/2014/main" id="{469C739F-D76B-427A-A40E-9D3591CF38F8}"/>
-              </a:ext>
-            </a:extLst>
-          </p:cNvPr>
-          <p:cNvPicPr>
-            <a:picLocks noChangeAspect="1"/>
-          </p:cNvPicPr>
-          <p:nvPr/>
-        </p:nvPicPr>
-        <p:blipFill>
-          <a:blip r:embed="rId2"/>
-          <a:stretch>
-            <a:fillRect/>
-          </a:stretch>
-        </p:blipFill>
-        <p:spPr>
-          <a:xfrm>
-            <a:off x="3007252" y="2249487"/>
-            <a:ext cx="6514944" cy="3730646"/>
-          </a:xfrm>
-          <a:prstGeom prst="rect">
-            <a:avLst/>
-          </a:prstGeom>
-        </p:spPr>
-      </p:pic>
-    </p:spTree>
-    <p:extLst>
-      <p:ext uri="{BB962C8B-B14F-4D97-AF65-F5344CB8AC3E}">
-        <p14:creationId xmlns:p14="http://schemas.microsoft.com/office/powerpoint/2010/main" val="3674825331"/>
-      </p:ext>
-    </p:extLst>
-  </p:cSld>
-  <p:clrMapOvr>
-    <a:masterClrMapping/>
-  </p:clrMapOvr>
-</p:sld>
-</file>
-
-<file path=ppt/slides/slide24.xml><?xml version="1.0" encoding="utf-8"?>
-<p:sld xmlns:a="http://schemas.openxmlformats.org/drawingml/2006/main" xmlns:r="http://schemas.openxmlformats.org/officeDocument/2006/relationships" xmlns:p="http://schemas.openxmlformats.org/presentationml/2006/main">
-  <p:cSld>
-    <p:spTree>
-      <p:nvGrpSpPr>
-        <p:cNvPr id="1" name=""/>
-        <p:cNvGrpSpPr/>
-        <p:nvPr/>
-      </p:nvGrpSpPr>
-      <p:grpSpPr>
-        <a:xfrm>
-          <a:off x="0" y="0"/>
-          <a:ext cx="0" cy="0"/>
-          <a:chOff x="0" y="0"/>
-          <a:chExt cx="0" cy="0"/>
-        </a:xfrm>
-      </p:grpSpPr>
-      <p:sp>
-        <p:nvSpPr>
-          <p:cNvPr id="2" name="Title 1">
-            <a:extLst>
-              <a:ext uri="{FF2B5EF4-FFF2-40B4-BE49-F238E27FC236}">
-                <a16:creationId xmlns:a16="http://schemas.microsoft.com/office/drawing/2014/main" id="{2F920343-DAA0-472B-B19D-B4577CC7FD94}"/>
-              </a:ext>
-            </a:extLst>
-          </p:cNvPr>
-          <p:cNvSpPr>
-            <a:spLocks noGrp="1"/>
-          </p:cNvSpPr>
-          <p:nvPr>
-            <p:ph type="title"/>
-          </p:nvPr>
-        </p:nvSpPr>
-        <p:spPr/>
-        <p:txBody>
-          <a:bodyPr/>
-          <a:lstStyle/>
-          <a:p>
-            <a:r>
-              <a:rPr lang="en-CA" dirty="0"/>
-              <a:t>summary</a:t>
-            </a:r>
-          </a:p>
-        </p:txBody>
-      </p:sp>
-      <p:sp>
-        <p:nvSpPr>
-          <p:cNvPr id="3" name="Content Placeholder 2">
-            <a:extLst>
-              <a:ext uri="{FF2B5EF4-FFF2-40B4-BE49-F238E27FC236}">
-                <a16:creationId xmlns:a16="http://schemas.microsoft.com/office/drawing/2014/main" id="{C95A626B-10A0-4748-90CE-CD3126DF3E00}"/>
-              </a:ext>
-            </a:extLst>
-          </p:cNvPr>
-          <p:cNvSpPr>
-            <a:spLocks noGrp="1"/>
-          </p:cNvSpPr>
-          <p:nvPr>
-            <p:ph idx="1"/>
-          </p:nvPr>
-        </p:nvSpPr>
-        <p:spPr/>
-        <p:txBody>
-          <a:bodyPr>
-            <a:normAutofit lnSpcReduction="10000"/>
-          </a:bodyPr>
-          <a:lstStyle/>
-          <a:p>
-            <a:r>
-              <a:rPr lang="en-CA" dirty="0"/>
-              <a:t>TF-IDF + extracted features appears to be best for prediction and interpretability</a:t>
-            </a:r>
-          </a:p>
-          <a:p>
-            <a:r>
-              <a:rPr lang="en-CA" dirty="0"/>
-              <a:t>Hateful words were captured by feature importance</a:t>
-            </a:r>
-          </a:p>
-          <a:p>
-            <a:r>
-              <a:rPr lang="en-CA" dirty="0"/>
-              <a:t>Differences in W2V and Custom CBOW – some semantic meaning is still captured</a:t>
-            </a:r>
-          </a:p>
-          <a:p>
-            <a:r>
-              <a:rPr lang="en-CA" dirty="0"/>
-              <a:t>Model performance already exceeds that of original authors’ (80% vs 60%)</a:t>
-            </a:r>
-          </a:p>
-          <a:p>
-            <a:r>
-              <a:rPr lang="en-CA" dirty="0"/>
-              <a:t>Will use TF-IDF + extracted features moving on</a:t>
-            </a:r>
-          </a:p>
-          <a:p>
-            <a:endParaRPr lang="en-CA" dirty="0"/>
-          </a:p>
-          <a:p>
-            <a:endParaRPr lang="en-CA" dirty="0"/>
-          </a:p>
-        </p:txBody>
-      </p:sp>
-    </p:spTree>
-    <p:extLst>
-      <p:ext uri="{BB962C8B-B14F-4D97-AF65-F5344CB8AC3E}">
-        <p14:creationId xmlns:p14="http://schemas.microsoft.com/office/powerpoint/2010/main" val="4201739720"/>
-      </p:ext>
-    </p:extLst>
-  </p:cSld>
-  <p:clrMapOvr>
-    <a:masterClrMapping/>
-  </p:clrMapOvr>
-</p:sld>
-</file>
-
-<file path=ppt/slides/slide3.xml><?xml version="1.0" encoding="utf-8"?>
-<p:sld xmlns:a="http://schemas.openxmlformats.org/drawingml/2006/main" xmlns:r="http://schemas.openxmlformats.org/officeDocument/2006/relationships" xmlns:p="http://schemas.openxmlformats.org/presentationml/2006/main">
-  <p:cSld>
-    <p:spTree>
-      <p:nvGrpSpPr>
-        <p:cNvPr id="1" name=""/>
-        <p:cNvGrpSpPr/>
-        <p:nvPr/>
-      </p:nvGrpSpPr>
-      <p:grpSpPr>
-        <a:xfrm>
-          <a:off x="0" y="0"/>
-          <a:ext cx="0" cy="0"/>
-          <a:chOff x="0" y="0"/>
-          <a:chExt cx="0" cy="0"/>
-        </a:xfrm>
-      </p:grpSpPr>
-      <p:sp>
-        <p:nvSpPr>
-          <p:cNvPr id="2" name="Title 1">
-            <a:extLst>
-              <a:ext uri="{FF2B5EF4-FFF2-40B4-BE49-F238E27FC236}">
-                <a16:creationId xmlns:a16="http://schemas.microsoft.com/office/drawing/2014/main" id="{C0A5A891-E846-B646-A3A5-A1597C526AE1}"/>
-              </a:ext>
-            </a:extLst>
-          </p:cNvPr>
-          <p:cNvSpPr>
-            <a:spLocks noGrp="1"/>
-          </p:cNvSpPr>
-          <p:nvPr>
-            <p:ph type="title"/>
-          </p:nvPr>
-        </p:nvSpPr>
-        <p:spPr/>
-        <p:txBody>
-          <a:bodyPr/>
-          <a:lstStyle/>
-          <a:p>
-            <a:r>
-              <a:rPr lang="en-US" dirty="0"/>
-              <a:t>Feature extraction</a:t>
-            </a:r>
-          </a:p>
-        </p:txBody>
-      </p:sp>
-      <p:sp>
-        <p:nvSpPr>
-          <p:cNvPr id="3" name="Content Placeholder 2">
-            <a:extLst>
-              <a:ext uri="{FF2B5EF4-FFF2-40B4-BE49-F238E27FC236}">
-                <a16:creationId xmlns:a16="http://schemas.microsoft.com/office/drawing/2014/main" id="{9804DB0A-37E5-CC49-81A3-DF28D9DE25AF}"/>
-              </a:ext>
-            </a:extLst>
-          </p:cNvPr>
-          <p:cNvSpPr>
-            <a:spLocks noGrp="1"/>
-          </p:cNvSpPr>
-          <p:nvPr>
-            <p:ph idx="1"/>
-          </p:nvPr>
-        </p:nvSpPr>
-        <p:spPr/>
-        <p:txBody>
-          <a:bodyPr/>
-          <a:lstStyle/>
-          <a:p>
-            <a:r>
-              <a:rPr lang="en-US" dirty="0"/>
-              <a:t>We ran the following models</a:t>
-            </a:r>
-          </a:p>
-          <a:p>
-            <a:pPr lvl="1"/>
-            <a:r>
-              <a:rPr lang="en-US" dirty="0"/>
-              <a:t>Logistic Regression, Decision Tree</a:t>
-            </a:r>
-          </a:p>
-        </p:txBody>
-      </p:sp>
-    </p:spTree>
-    <p:extLst>
-      <p:ext uri="{BB962C8B-B14F-4D97-AF65-F5344CB8AC3E}">
-        <p14:creationId xmlns:p14="http://schemas.microsoft.com/office/powerpoint/2010/main" val="3489911110"/>
-      </p:ext>
-    </p:extLst>
-  </p:cSld>
-  <p:clrMapOvr>
-    <a:masterClrMapping/>
-  </p:clrMapOvr>
-</p:sld>
-</file>
-
-<file path=ppt/slides/slide4.xml><?xml version="1.0" encoding="utf-8"?>
-<p:sld xmlns:a="http://schemas.openxmlformats.org/drawingml/2006/main" xmlns:r="http://schemas.openxmlformats.org/officeDocument/2006/relationships" xmlns:p="http://schemas.openxmlformats.org/presentationml/2006/main">
-  <p:cSld>
-    <p:spTree>
-      <p:nvGrpSpPr>
-        <p:cNvPr id="1" name=""/>
-        <p:cNvGrpSpPr/>
-        <p:nvPr/>
-      </p:nvGrpSpPr>
-      <p:grpSpPr>
-        <a:xfrm>
-          <a:off x="0" y="0"/>
-          <a:ext cx="0" cy="0"/>
-          <a:chOff x="0" y="0"/>
-          <a:chExt cx="0" cy="0"/>
-        </a:xfrm>
-      </p:grpSpPr>
-      <p:sp>
-        <p:nvSpPr>
-          <p:cNvPr id="2" name="Title 1">
-            <a:extLst>
-              <a:ext uri="{FF2B5EF4-FFF2-40B4-BE49-F238E27FC236}">
-                <a16:creationId xmlns:a16="http://schemas.microsoft.com/office/drawing/2014/main" id="{FFF39CFB-F6C2-1A43-8841-7F9725F66A06}"/>
-              </a:ext>
-            </a:extLst>
-          </p:cNvPr>
-          <p:cNvSpPr>
-            <a:spLocks noGrp="1"/>
-          </p:cNvSpPr>
-          <p:nvPr>
-            <p:ph type="title"/>
-          </p:nvPr>
-        </p:nvSpPr>
-        <p:spPr/>
-        <p:txBody>
-          <a:bodyPr/>
-          <a:lstStyle/>
-          <a:p>
-            <a:pPr algn="ctr"/>
-            <a:r>
-              <a:rPr lang="en-US" dirty="0"/>
-              <a:t>Data before embedding</a:t>
-            </a:r>
-          </a:p>
-        </p:txBody>
-      </p:sp>
-      <p:pic>
-        <p:nvPicPr>
-          <p:cNvPr id="5" name="Content Placeholder 4">
-            <a:extLst>
-              <a:ext uri="{FF2B5EF4-FFF2-40B4-BE49-F238E27FC236}">
-                <a16:creationId xmlns:a16="http://schemas.microsoft.com/office/drawing/2014/main" id="{70067DF4-0D35-8E4D-B1BA-9B4B17765C49}"/>
-              </a:ext>
-            </a:extLst>
-          </p:cNvPr>
-          <p:cNvPicPr>
-            <a:picLocks noGrp="1" noChangeAspect="1"/>
-          </p:cNvPicPr>
-          <p:nvPr>
-            <p:ph idx="1"/>
-          </p:nvPr>
-        </p:nvPicPr>
-        <p:blipFill>
-          <a:blip r:embed="rId2"/>
-          <a:stretch>
-            <a:fillRect/>
-          </a:stretch>
-        </p:blipFill>
-        <p:spPr>
-          <a:xfrm>
-            <a:off x="2246207" y="2249488"/>
-            <a:ext cx="7696412" cy="3541712"/>
-          </a:xfrm>
-        </p:spPr>
-      </p:pic>
-    </p:spTree>
-    <p:extLst>
-      <p:ext uri="{BB962C8B-B14F-4D97-AF65-F5344CB8AC3E}">
-        <p14:creationId xmlns:p14="http://schemas.microsoft.com/office/powerpoint/2010/main" val="1180396957"/>
-      </p:ext>
-    </p:extLst>
-  </p:cSld>
-  <p:clrMapOvr>
-    <a:masterClrMapping/>
-  </p:clrMapOvr>
-</p:sld>
-</file>
-
-<file path=ppt/slides/slide5.xml><?xml version="1.0" encoding="utf-8"?>
-<p:sld xmlns:a="http://schemas.openxmlformats.org/drawingml/2006/main" xmlns:r="http://schemas.openxmlformats.org/officeDocument/2006/relationships" xmlns:p="http://schemas.openxmlformats.org/presentationml/2006/main">
-  <p:cSld>
-    <p:spTree>
-      <p:nvGrpSpPr>
-        <p:cNvPr id="1" name=""/>
-        <p:cNvGrpSpPr/>
-        <p:nvPr/>
-      </p:nvGrpSpPr>
-      <p:grpSpPr>
-        <a:xfrm>
-          <a:off x="0" y="0"/>
-          <a:ext cx="0" cy="0"/>
-          <a:chOff x="0" y="0"/>
-          <a:chExt cx="0" cy="0"/>
-        </a:xfrm>
-      </p:grpSpPr>
-      <p:sp>
-        <p:nvSpPr>
-          <p:cNvPr id="2" name="Title 1">
-            <a:extLst>
-              <a:ext uri="{FF2B5EF4-FFF2-40B4-BE49-F238E27FC236}">
-                <a16:creationId xmlns:a16="http://schemas.microsoft.com/office/drawing/2014/main" id="{65CCC742-814F-4547-AFEC-B86881979319}"/>
-              </a:ext>
-            </a:extLst>
-          </p:cNvPr>
-          <p:cNvSpPr>
-            <a:spLocks noGrp="1"/>
-          </p:cNvSpPr>
-          <p:nvPr>
-            <p:ph type="title"/>
-          </p:nvPr>
-        </p:nvSpPr>
-        <p:spPr/>
-        <p:txBody>
-          <a:bodyPr/>
-          <a:lstStyle/>
-          <a:p>
-            <a:pPr algn="ctr"/>
-            <a:r>
-              <a:rPr lang="en-US" dirty="0"/>
-              <a:t>Bag of Words</a:t>
-            </a:r>
-          </a:p>
-        </p:txBody>
-      </p:sp>
-      <p:pic>
-        <p:nvPicPr>
-          <p:cNvPr id="5" name="Content Placeholder 4">
-            <a:extLst>
-              <a:ext uri="{FF2B5EF4-FFF2-40B4-BE49-F238E27FC236}">
-                <a16:creationId xmlns:a16="http://schemas.microsoft.com/office/drawing/2014/main" id="{7FC708B3-41FF-064D-BE1A-5C0006BFF7F0}"/>
-              </a:ext>
-            </a:extLst>
-          </p:cNvPr>
-          <p:cNvPicPr>
-            <a:picLocks noGrp="1" noChangeAspect="1"/>
-          </p:cNvPicPr>
-          <p:nvPr>
-            <p:ph idx="1"/>
-          </p:nvPr>
-        </p:nvPicPr>
-        <p:blipFill>
-          <a:blip r:embed="rId2"/>
-          <a:stretch>
-            <a:fillRect/>
-          </a:stretch>
-        </p:blipFill>
-        <p:spPr>
-          <a:xfrm>
-            <a:off x="1153874" y="2249488"/>
-            <a:ext cx="9881078" cy="3541712"/>
-          </a:xfrm>
-        </p:spPr>
-      </p:pic>
-    </p:spTree>
-    <p:extLst>
-      <p:ext uri="{BB962C8B-B14F-4D97-AF65-F5344CB8AC3E}">
-        <p14:creationId xmlns:p14="http://schemas.microsoft.com/office/powerpoint/2010/main" val="2200598299"/>
-      </p:ext>
-    </p:extLst>
-  </p:cSld>
-  <p:clrMapOvr>
-    <a:masterClrMapping/>
-  </p:clrMapOvr>
-</p:sld>
-</file>
-
-<file path=ppt/slides/slide6.xml><?xml version="1.0" encoding="utf-8"?>
-<p:sld xmlns:a="http://schemas.openxmlformats.org/drawingml/2006/main" xmlns:r="http://schemas.openxmlformats.org/officeDocument/2006/relationships" xmlns:p="http://schemas.openxmlformats.org/presentationml/2006/main">
-  <p:cSld>
-    <p:spTree>
-      <p:nvGrpSpPr>
-        <p:cNvPr id="1" name=""/>
-        <p:cNvGrpSpPr/>
-        <p:nvPr/>
-      </p:nvGrpSpPr>
-      <p:grpSpPr>
-        <a:xfrm>
-          <a:off x="0" y="0"/>
-          <a:ext cx="0" cy="0"/>
-          <a:chOff x="0" y="0"/>
-          <a:chExt cx="0" cy="0"/>
-        </a:xfrm>
-      </p:grpSpPr>
-      <p:sp>
-        <p:nvSpPr>
-          <p:cNvPr id="2" name="Title 1">
-            <a:extLst>
-              <a:ext uri="{FF2B5EF4-FFF2-40B4-BE49-F238E27FC236}">
-                <a16:creationId xmlns:a16="http://schemas.microsoft.com/office/drawing/2014/main" id="{5EEA638A-AE43-2340-B9E2-73BB6B07ED7E}"/>
-              </a:ext>
-            </a:extLst>
-          </p:cNvPr>
-          <p:cNvSpPr>
-            <a:spLocks noGrp="1"/>
-          </p:cNvSpPr>
-          <p:nvPr>
-            <p:ph type="title"/>
-          </p:nvPr>
-        </p:nvSpPr>
-        <p:spPr/>
-        <p:txBody>
-          <a:bodyPr/>
-          <a:lstStyle/>
-          <a:p>
-            <a:pPr algn="ctr"/>
-            <a:r>
-              <a:rPr lang="en-US" dirty="0"/>
-              <a:t>Bag of Words – Feature counts</a:t>
-            </a:r>
-          </a:p>
-        </p:txBody>
-      </p:sp>
-      <p:pic>
-        <p:nvPicPr>
-          <p:cNvPr id="5" name="Content Placeholder 4">
-            <a:extLst>
-              <a:ext uri="{FF2B5EF4-FFF2-40B4-BE49-F238E27FC236}">
-                <a16:creationId xmlns:a16="http://schemas.microsoft.com/office/drawing/2014/main" id="{2B381272-6FEA-5845-9278-02CA96AB6ABD}"/>
-              </a:ext>
-            </a:extLst>
-          </p:cNvPr>
-          <p:cNvPicPr>
-            <a:picLocks noGrp="1" noChangeAspect="1"/>
-          </p:cNvPicPr>
-          <p:nvPr>
-            <p:ph idx="1"/>
-          </p:nvPr>
-        </p:nvPicPr>
-        <p:blipFill>
-          <a:blip r:embed="rId2"/>
-          <a:stretch>
-            <a:fillRect/>
-          </a:stretch>
-        </p:blipFill>
-        <p:spPr>
-          <a:xfrm>
-            <a:off x="6384758" y="2734778"/>
-            <a:ext cx="4662653" cy="3447387"/>
-          </a:xfrm>
-        </p:spPr>
-      </p:pic>
-      <p:pic>
-        <p:nvPicPr>
-          <p:cNvPr id="7" name="Picture 6">
-            <a:extLst>
-              <a:ext uri="{FF2B5EF4-FFF2-40B4-BE49-F238E27FC236}">
-                <a16:creationId xmlns:a16="http://schemas.microsoft.com/office/drawing/2014/main" id="{DDBD9287-210D-2E46-8513-8822D270C2F8}"/>
-              </a:ext>
-            </a:extLst>
-          </p:cNvPr>
-          <p:cNvPicPr>
-            <a:picLocks noChangeAspect="1"/>
-          </p:cNvPicPr>
-          <p:nvPr/>
-        </p:nvPicPr>
-        <p:blipFill>
-          <a:blip r:embed="rId3"/>
-          <a:stretch>
-            <a:fillRect/>
-          </a:stretch>
-        </p:blipFill>
-        <p:spPr>
-          <a:xfrm>
-            <a:off x="948907" y="2740465"/>
-            <a:ext cx="4762500" cy="3441700"/>
-          </a:xfrm>
-          <a:prstGeom prst="rect">
-            <a:avLst/>
-          </a:prstGeom>
-        </p:spPr>
-      </p:pic>
-      <p:sp>
-        <p:nvSpPr>
-          <p:cNvPr id="8" name="TextBox 7">
-            <a:extLst>
-              <a:ext uri="{FF2B5EF4-FFF2-40B4-BE49-F238E27FC236}">
-                <a16:creationId xmlns:a16="http://schemas.microsoft.com/office/drawing/2014/main" id="{68E9C74C-B5B8-CC43-A097-EEA6BF09E5AB}"/>
-              </a:ext>
-            </a:extLst>
-          </p:cNvPr>
-          <p:cNvSpPr txBox="1"/>
-          <p:nvPr/>
-        </p:nvSpPr>
-        <p:spPr>
-          <a:xfrm>
-            <a:off x="1389062" y="2296897"/>
-            <a:ext cx="3882190" cy="400110"/>
-          </a:xfrm>
-          <a:prstGeom prst="rect">
-            <a:avLst/>
-          </a:prstGeom>
-          <a:noFill/>
-        </p:spPr>
-        <p:txBody>
-          <a:bodyPr wrap="square" rtlCol="0">
-            <a:spAutoFit/>
-          </a:bodyPr>
-          <a:lstStyle/>
-          <a:p>
-            <a:pPr algn="ctr"/>
-            <a:r>
-              <a:rPr lang="en-US" sz="2000" dirty="0"/>
-              <a:t>Offensive</a:t>
-            </a:r>
-            <a:r>
-              <a:rPr lang="en-US" dirty="0"/>
-              <a:t> Tweets</a:t>
-            </a:r>
-          </a:p>
-        </p:txBody>
-      </p:sp>
-      <p:sp>
-        <p:nvSpPr>
-          <p:cNvPr id="9" name="TextBox 8">
-            <a:extLst>
-              <a:ext uri="{FF2B5EF4-FFF2-40B4-BE49-F238E27FC236}">
-                <a16:creationId xmlns:a16="http://schemas.microsoft.com/office/drawing/2014/main" id="{3628B15D-D322-0942-91AA-0B3D933C984D}"/>
-              </a:ext>
-            </a:extLst>
-          </p:cNvPr>
-          <p:cNvSpPr txBox="1"/>
-          <p:nvPr/>
-        </p:nvSpPr>
-        <p:spPr>
-          <a:xfrm>
-            <a:off x="6774989" y="2296897"/>
-            <a:ext cx="3882190" cy="400110"/>
-          </a:xfrm>
-          <a:prstGeom prst="rect">
-            <a:avLst/>
-          </a:prstGeom>
-          <a:noFill/>
-        </p:spPr>
-        <p:txBody>
-          <a:bodyPr wrap="square" rtlCol="0">
-            <a:spAutoFit/>
-          </a:bodyPr>
-          <a:lstStyle/>
-          <a:p>
-            <a:pPr algn="ctr"/>
-            <a:r>
-              <a:rPr lang="en-US" dirty="0"/>
-              <a:t>Hate </a:t>
-            </a:r>
-            <a:r>
-              <a:rPr lang="en-US" sz="2000" dirty="0"/>
-              <a:t>Tweets</a:t>
-            </a:r>
-            <a:endParaRPr lang="en-US" dirty="0"/>
-          </a:p>
-        </p:txBody>
-      </p:sp>
-    </p:spTree>
-    <p:extLst>
-      <p:ext uri="{BB962C8B-B14F-4D97-AF65-F5344CB8AC3E}">
-        <p14:creationId xmlns:p14="http://schemas.microsoft.com/office/powerpoint/2010/main" val="2555008223"/>
-      </p:ext>
-    </p:extLst>
-  </p:cSld>
-  <p:clrMapOvr>
-    <a:masterClrMapping/>
-  </p:clrMapOvr>
-</p:sld>
-</file>
-
-<file path=ppt/slides/slide7.xml><?xml version="1.0" encoding="utf-8"?>
-<p:sld xmlns:a="http://schemas.openxmlformats.org/drawingml/2006/main" xmlns:r="http://schemas.openxmlformats.org/officeDocument/2006/relationships" xmlns:p="http://schemas.openxmlformats.org/presentationml/2006/main">
-  <p:cSld>
-    <p:spTree>
-      <p:nvGrpSpPr>
-        <p:cNvPr id="1" name=""/>
-        <p:cNvGrpSpPr/>
-        <p:nvPr/>
-      </p:nvGrpSpPr>
-      <p:grpSpPr>
-        <a:xfrm>
-          <a:off x="0" y="0"/>
-          <a:ext cx="0" cy="0"/>
-          <a:chOff x="0" y="0"/>
-          <a:chExt cx="0" cy="0"/>
-        </a:xfrm>
-      </p:grpSpPr>
-      <p:sp>
-        <p:nvSpPr>
-          <p:cNvPr id="2" name="Title 1">
-            <a:extLst>
-              <a:ext uri="{FF2B5EF4-FFF2-40B4-BE49-F238E27FC236}">
-                <a16:creationId xmlns:a16="http://schemas.microsoft.com/office/drawing/2014/main" id="{2F761610-9E76-2A49-8309-CB2E9BFC68A8}"/>
-              </a:ext>
-            </a:extLst>
-          </p:cNvPr>
-          <p:cNvSpPr>
-            <a:spLocks noGrp="1"/>
-          </p:cNvSpPr>
-          <p:nvPr>
-            <p:ph type="title"/>
-          </p:nvPr>
-        </p:nvSpPr>
-        <p:spPr/>
-        <p:txBody>
-          <a:bodyPr/>
-          <a:lstStyle/>
-          <a:p>
-            <a:pPr algn="ctr"/>
-            <a:r>
-              <a:rPr lang="en-US" dirty="0" err="1"/>
-              <a:t>Ngrams</a:t>
-            </a:r>
-            <a:r>
-              <a:rPr lang="en-US" dirty="0"/>
-              <a:t> (N=2)</a:t>
-            </a:r>
-          </a:p>
-        </p:txBody>
-      </p:sp>
-      <p:pic>
-        <p:nvPicPr>
-          <p:cNvPr id="5" name="Content Placeholder 4">
-            <a:extLst>
-              <a:ext uri="{FF2B5EF4-FFF2-40B4-BE49-F238E27FC236}">
-                <a16:creationId xmlns:a16="http://schemas.microsoft.com/office/drawing/2014/main" id="{D0A9C145-89F2-BE43-81EA-42570B549306}"/>
-              </a:ext>
-            </a:extLst>
-          </p:cNvPr>
-          <p:cNvPicPr>
-            <a:picLocks noGrp="1" noChangeAspect="1"/>
-          </p:cNvPicPr>
-          <p:nvPr>
-            <p:ph idx="1"/>
-          </p:nvPr>
-        </p:nvPicPr>
-        <p:blipFill>
-          <a:blip r:embed="rId2"/>
-          <a:stretch>
-            <a:fillRect/>
-          </a:stretch>
-        </p:blipFill>
-        <p:spPr>
-          <a:xfrm>
-            <a:off x="1141413" y="2313434"/>
-            <a:ext cx="9906000" cy="3413820"/>
-          </a:xfrm>
-        </p:spPr>
-      </p:pic>
-    </p:spTree>
-    <p:extLst>
-      <p:ext uri="{BB962C8B-B14F-4D97-AF65-F5344CB8AC3E}">
-        <p14:creationId xmlns:p14="http://schemas.microsoft.com/office/powerpoint/2010/main" val="3368977445"/>
-      </p:ext>
-    </p:extLst>
-  </p:cSld>
-  <p:clrMapOvr>
-    <a:masterClrMapping/>
-  </p:clrMapOvr>
-</p:sld>
-</file>
-
-<file path=ppt/slides/slide8.xml><?xml version="1.0" encoding="utf-8"?>
-<p:sld xmlns:a="http://schemas.openxmlformats.org/drawingml/2006/main" xmlns:r="http://schemas.openxmlformats.org/officeDocument/2006/relationships" xmlns:p="http://schemas.openxmlformats.org/presentationml/2006/main">
-  <p:cSld>
-    <p:spTree>
-      <p:nvGrpSpPr>
-        <p:cNvPr id="1" name=""/>
-        <p:cNvGrpSpPr/>
-        <p:nvPr/>
-      </p:nvGrpSpPr>
-      <p:grpSpPr>
-        <a:xfrm>
-          <a:off x="0" y="0"/>
-          <a:ext cx="0" cy="0"/>
-          <a:chOff x="0" y="0"/>
-          <a:chExt cx="0" cy="0"/>
-        </a:xfrm>
-      </p:grpSpPr>
-      <p:sp>
-        <p:nvSpPr>
-          <p:cNvPr id="2" name="Title 1">
-            <a:extLst>
-              <a:ext uri="{FF2B5EF4-FFF2-40B4-BE49-F238E27FC236}">
-                <a16:creationId xmlns:a16="http://schemas.microsoft.com/office/drawing/2014/main" id="{D653C2FE-CC96-C242-A4A0-4014F0966A4A}"/>
-              </a:ext>
-            </a:extLst>
-          </p:cNvPr>
-          <p:cNvSpPr>
-            <a:spLocks noGrp="1"/>
-          </p:cNvSpPr>
-          <p:nvPr>
-            <p:ph type="title"/>
-          </p:nvPr>
-        </p:nvSpPr>
-        <p:spPr/>
-        <p:txBody>
-          <a:bodyPr/>
-          <a:lstStyle/>
-          <a:p>
-            <a:r>
-              <a:rPr lang="en-US" dirty="0" err="1"/>
-              <a:t>Ngrams</a:t>
-            </a:r>
-            <a:r>
-              <a:rPr lang="en-US" dirty="0"/>
-              <a:t> (n=2) – feature count</a:t>
-            </a:r>
-          </a:p>
-        </p:txBody>
-      </p:sp>
-      <p:pic>
-        <p:nvPicPr>
-          <p:cNvPr id="5" name="Content Placeholder 4">
-            <a:extLst>
-              <a:ext uri="{FF2B5EF4-FFF2-40B4-BE49-F238E27FC236}">
-                <a16:creationId xmlns:a16="http://schemas.microsoft.com/office/drawing/2014/main" id="{01BF2F64-8D63-2541-9342-E74F6935286F}"/>
-              </a:ext>
-            </a:extLst>
-          </p:cNvPr>
-          <p:cNvPicPr>
-            <a:picLocks noGrp="1" noChangeAspect="1"/>
-          </p:cNvPicPr>
-          <p:nvPr>
-            <p:ph idx="1"/>
-          </p:nvPr>
-        </p:nvPicPr>
-        <p:blipFill>
-          <a:blip r:embed="rId2"/>
-          <a:stretch>
-            <a:fillRect/>
-          </a:stretch>
-        </p:blipFill>
-        <p:spPr>
-          <a:xfrm>
-            <a:off x="6497245" y="2378076"/>
-            <a:ext cx="4550166" cy="3670300"/>
-          </a:xfrm>
-        </p:spPr>
-      </p:pic>
-      <p:pic>
-        <p:nvPicPr>
-          <p:cNvPr id="7" name="Picture 6">
-            <a:extLst>
-              <a:ext uri="{FF2B5EF4-FFF2-40B4-BE49-F238E27FC236}">
-                <a16:creationId xmlns:a16="http://schemas.microsoft.com/office/drawing/2014/main" id="{67FBB939-C39E-6547-980A-9307FB8DA165}"/>
-              </a:ext>
-            </a:extLst>
-          </p:cNvPr>
-          <p:cNvPicPr>
-            <a:picLocks noChangeAspect="1"/>
-          </p:cNvPicPr>
-          <p:nvPr/>
-        </p:nvPicPr>
-        <p:blipFill>
-          <a:blip r:embed="rId3"/>
-          <a:stretch>
-            <a:fillRect/>
-          </a:stretch>
-        </p:blipFill>
-        <p:spPr>
-          <a:xfrm>
-            <a:off x="1141413" y="2378076"/>
-            <a:ext cx="4648200" cy="3670300"/>
-          </a:xfrm>
-          <a:prstGeom prst="rect">
-            <a:avLst/>
-          </a:prstGeom>
-        </p:spPr>
-      </p:pic>
-      <p:sp>
-        <p:nvSpPr>
-          <p:cNvPr id="8" name="TextBox 7">
-            <a:extLst>
-              <a:ext uri="{FF2B5EF4-FFF2-40B4-BE49-F238E27FC236}">
-                <a16:creationId xmlns:a16="http://schemas.microsoft.com/office/drawing/2014/main" id="{6927232B-77F6-2343-8564-B8A3041DDB54}"/>
-              </a:ext>
-            </a:extLst>
-          </p:cNvPr>
-          <p:cNvSpPr txBox="1"/>
-          <p:nvPr/>
-        </p:nvSpPr>
-        <p:spPr>
-          <a:xfrm>
-            <a:off x="1373020" y="1977966"/>
-            <a:ext cx="3882190" cy="400110"/>
-          </a:xfrm>
-          <a:prstGeom prst="rect">
-            <a:avLst/>
-          </a:prstGeom>
-          <a:noFill/>
-        </p:spPr>
-        <p:txBody>
-          <a:bodyPr wrap="square" rtlCol="0">
-            <a:spAutoFit/>
-          </a:bodyPr>
-          <a:lstStyle/>
-          <a:p>
-            <a:pPr algn="ctr"/>
-            <a:r>
-              <a:rPr lang="en-US" sz="2000" dirty="0"/>
-              <a:t>Offensive</a:t>
-            </a:r>
-            <a:r>
-              <a:rPr lang="en-US" dirty="0"/>
-              <a:t> Tweets</a:t>
-            </a:r>
-          </a:p>
-        </p:txBody>
-      </p:sp>
-      <p:sp>
-        <p:nvSpPr>
-          <p:cNvPr id="9" name="TextBox 8">
-            <a:extLst>
-              <a:ext uri="{FF2B5EF4-FFF2-40B4-BE49-F238E27FC236}">
-                <a16:creationId xmlns:a16="http://schemas.microsoft.com/office/drawing/2014/main" id="{025B6570-649C-884F-899C-396FB8BCD0B5}"/>
-              </a:ext>
-            </a:extLst>
-          </p:cNvPr>
-          <p:cNvSpPr txBox="1"/>
-          <p:nvPr/>
-        </p:nvSpPr>
-        <p:spPr>
-          <a:xfrm>
-            <a:off x="6758947" y="1977966"/>
-            <a:ext cx="3882190" cy="400110"/>
-          </a:xfrm>
-          <a:prstGeom prst="rect">
-            <a:avLst/>
-          </a:prstGeom>
-          <a:noFill/>
-        </p:spPr>
-        <p:txBody>
-          <a:bodyPr wrap="square" rtlCol="0">
-            <a:spAutoFit/>
-          </a:bodyPr>
-          <a:lstStyle/>
-          <a:p>
-            <a:pPr algn="ctr"/>
-            <a:r>
-              <a:rPr lang="en-US" dirty="0"/>
-              <a:t>Hate </a:t>
-            </a:r>
-            <a:r>
-              <a:rPr lang="en-US" sz="2000" dirty="0"/>
-              <a:t>Tweets</a:t>
-            </a:r>
-            <a:endParaRPr lang="en-US" dirty="0"/>
-          </a:p>
-        </p:txBody>
-      </p:sp>
-    </p:spTree>
-    <p:extLst>
-      <p:ext uri="{BB962C8B-B14F-4D97-AF65-F5344CB8AC3E}">
-        <p14:creationId xmlns:p14="http://schemas.microsoft.com/office/powerpoint/2010/main" val="487866584"/>
-      </p:ext>
-    </p:extLst>
-  </p:cSld>
-  <p:clrMapOvr>
-    <a:masterClrMapping/>
-  </p:clrMapOvr>
-</p:sld>
-</file>
-
-<file path=ppt/slides/slide9.xml><?xml version="1.0" encoding="utf-8"?>
-<p:sld xmlns:a="http://schemas.openxmlformats.org/drawingml/2006/main" xmlns:r="http://schemas.openxmlformats.org/officeDocument/2006/relationships" xmlns:p="http://schemas.openxmlformats.org/presentationml/2006/main">
-  <p:cSld>
-    <p:spTree>
-      <p:nvGrpSpPr>
-        <p:cNvPr id="1" name=""/>
-        <p:cNvGrpSpPr/>
-        <p:nvPr/>
-      </p:nvGrpSpPr>
-      <p:grpSpPr>
-        <a:xfrm>
-          <a:off x="0" y="0"/>
-          <a:ext cx="0" cy="0"/>
-          <a:chOff x="0" y="0"/>
-          <a:chExt cx="0" cy="0"/>
-        </a:xfrm>
-      </p:grpSpPr>
-      <p:sp>
-        <p:nvSpPr>
-          <p:cNvPr id="2" name="Title 1">
-            <a:extLst>
-              <a:ext uri="{FF2B5EF4-FFF2-40B4-BE49-F238E27FC236}">
-                <a16:creationId xmlns:a16="http://schemas.microsoft.com/office/drawing/2014/main" id="{0C1C485D-BF59-C440-B351-A3BFBE36B51A}"/>
-              </a:ext>
-            </a:extLst>
-          </p:cNvPr>
-          <p:cNvSpPr>
-            <a:spLocks noGrp="1"/>
-          </p:cNvSpPr>
-          <p:nvPr>
-            <p:ph type="title"/>
-          </p:nvPr>
-        </p:nvSpPr>
-        <p:spPr/>
-        <p:txBody>
-          <a:bodyPr/>
-          <a:lstStyle/>
-          <a:p>
-            <a:pPr algn="ctr"/>
-            <a:r>
-              <a:rPr lang="en-US" dirty="0" err="1"/>
-              <a:t>Ngrams</a:t>
-            </a:r>
-            <a:r>
-              <a:rPr lang="en-US" dirty="0"/>
-              <a:t> (n=3)</a:t>
-            </a:r>
-          </a:p>
-        </p:txBody>
-      </p:sp>
-      <p:pic>
-        <p:nvPicPr>
-          <p:cNvPr id="5" name="Content Placeholder 4">
-            <a:extLst>
-              <a:ext uri="{FF2B5EF4-FFF2-40B4-BE49-F238E27FC236}">
-                <a16:creationId xmlns:a16="http://schemas.microsoft.com/office/drawing/2014/main" id="{A33B5D87-9DB1-5E4A-8F00-945F7474C96F}"/>
-              </a:ext>
-            </a:extLst>
-          </p:cNvPr>
-          <p:cNvPicPr>
-            <a:picLocks noGrp="1" noChangeAspect="1"/>
-          </p:cNvPicPr>
-          <p:nvPr>
-            <p:ph idx="1"/>
-          </p:nvPr>
-        </p:nvPicPr>
-        <p:blipFill>
-          <a:blip r:embed="rId2"/>
-          <a:stretch>
-            <a:fillRect/>
-          </a:stretch>
-        </p:blipFill>
-        <p:spPr>
-          <a:xfrm>
-            <a:off x="1141413" y="2278630"/>
-            <a:ext cx="9906000" cy="3483428"/>
-          </a:xfrm>
-        </p:spPr>
-      </p:pic>
-    </p:spTree>
-    <p:extLst>
-      <p:ext uri="{BB962C8B-B14F-4D97-AF65-F5344CB8AC3E}">
-        <p14:creationId xmlns:p14="http://schemas.microsoft.com/office/powerpoint/2010/main" val="2808852668"/>
       </p:ext>
     </p:extLst>
   </p:cSld>
